--- a/Proyek_Analisis_Dataset_Iris_Ade Sartika Johanna Lumbantobing.pptx
+++ b/Proyek_Analisis_Dataset_Iris_Ade Sartika Johanna Lumbantobing.pptx
@@ -2,7 +2,7 @@
 <file path=ppt/presentation.xml><?xml version="1.0" encoding="utf-8"?>
 <p:presentation xmlns:a="http://schemas.openxmlformats.org/drawingml/2006/main" xmlns:r="http://schemas.openxmlformats.org/officeDocument/2006/relationships" xmlns:p="http://schemas.openxmlformats.org/presentationml/2006/main" saveSubsetFonts="1" autoCompressPictures="0">
   <p:sldMasterIdLst>
-    <p:sldMasterId id="2147483672" r:id="rId1"/>
+    <p:sldMasterId id="2147483732" r:id="rId1"/>
   </p:sldMasterIdLst>
   <p:sldIdLst>
     <p:sldId id="256" r:id="rId2"/>
@@ -18,6 +18,8 @@
     <p:sldId id="266" r:id="rId12"/>
     <p:sldId id="267" r:id="rId13"/>
     <p:sldId id="268" r:id="rId14"/>
+    <p:sldId id="269" r:id="rId15"/>
+    <p:sldId id="270" r:id="rId16"/>
   </p:sldIdLst>
   <p:sldSz cx="9144000" cy="6858000" type="screen4x3"/>
   <p:notesSz cx="6858000" cy="9144000"/>
@@ -152,328 +154,44 @@
           <a:chExt cx="0" cy="0"/>
         </a:xfrm>
       </p:grpSpPr>
-      <p:grpSp>
-        <p:nvGrpSpPr>
-          <p:cNvPr id="25" name="Group 24"/>
-          <p:cNvGrpSpPr/>
+      <p:sp>
+        <p:nvSpPr>
+          <p:cNvPr id="7" name="Rectangle 6"/>
+          <p:cNvSpPr/>
           <p:nvPr/>
-        </p:nvGrpSpPr>
-        <p:grpSpPr>
+        </p:nvSpPr>
+        <p:spPr>
           <a:xfrm>
-            <a:off x="203200" y="0"/>
-            <a:ext cx="3778250" cy="6858001"/>
-            <a:chOff x="203200" y="0"/>
-            <a:chExt cx="3778250" cy="6858001"/>
+            <a:off x="-5132" y="2059012"/>
+            <a:ext cx="9146751" cy="1828800"/>
           </a:xfrm>
-        </p:grpSpPr>
-        <p:sp>
-          <p:nvSpPr>
-            <p:cNvPr id="14" name="Freeform 6"/>
-            <p:cNvSpPr/>
-            <p:nvPr/>
-          </p:nvSpPr>
-          <p:spPr bwMode="auto">
-            <a:xfrm>
-              <a:off x="641350" y="0"/>
-              <a:ext cx="1365250" cy="3971925"/>
-            </a:xfrm>
-            <a:custGeom>
-              <a:avLst/>
-              <a:gdLst/>
-              <a:ahLst/>
-              <a:cxnLst/>
-              <a:rect l="0" t="0" r="r" b="b"/>
-              <a:pathLst>
-                <a:path w="860" h="2502">
-                  <a:moveTo>
-                    <a:pt x="0" y="2445"/>
-                  </a:moveTo>
-                  <a:lnTo>
-                    <a:pt x="228" y="2502"/>
-                  </a:lnTo>
-                  <a:lnTo>
-                    <a:pt x="860" y="0"/>
-                  </a:lnTo>
-                  <a:lnTo>
-                    <a:pt x="620" y="0"/>
-                  </a:lnTo>
-                  <a:lnTo>
-                    <a:pt x="0" y="2445"/>
-                  </a:lnTo>
-                  <a:close/>
-                </a:path>
-              </a:pathLst>
-            </a:custGeom>
-            <a:solidFill>
-              <a:schemeClr val="accent1"/>
-            </a:solidFill>
-            <a:ln>
-              <a:noFill/>
-            </a:ln>
-          </p:spPr>
-        </p:sp>
-        <p:sp>
-          <p:nvSpPr>
-            <p:cNvPr id="15" name="Freeform 7"/>
-            <p:cNvSpPr/>
-            <p:nvPr/>
-          </p:nvSpPr>
-          <p:spPr bwMode="auto">
-            <a:xfrm>
-              <a:off x="203200" y="0"/>
-              <a:ext cx="1336675" cy="3862388"/>
-            </a:xfrm>
-            <a:custGeom>
-              <a:avLst/>
-              <a:gdLst/>
-              <a:ahLst/>
-              <a:cxnLst/>
-              <a:rect l="0" t="0" r="r" b="b"/>
-              <a:pathLst>
-                <a:path w="842" h="2433">
-                  <a:moveTo>
-                    <a:pt x="842" y="0"/>
-                  </a:moveTo>
-                  <a:lnTo>
-                    <a:pt x="602" y="0"/>
-                  </a:lnTo>
-                  <a:lnTo>
-                    <a:pt x="0" y="2376"/>
-                  </a:lnTo>
-                  <a:lnTo>
-                    <a:pt x="228" y="2433"/>
-                  </a:lnTo>
-                  <a:lnTo>
-                    <a:pt x="842" y="0"/>
-                  </a:lnTo>
-                  <a:close/>
-                </a:path>
-              </a:pathLst>
-            </a:custGeom>
-            <a:solidFill>
-              <a:schemeClr val="tx1">
-                <a:lumMod val="65000"/>
-                <a:lumOff val="35000"/>
-              </a:schemeClr>
-            </a:solidFill>
-            <a:ln>
-              <a:noFill/>
-            </a:ln>
-          </p:spPr>
-        </p:sp>
-        <p:sp>
-          <p:nvSpPr>
-            <p:cNvPr id="16" name="Freeform 8"/>
-            <p:cNvSpPr/>
-            <p:nvPr/>
-          </p:nvSpPr>
-          <p:spPr bwMode="auto">
-            <a:xfrm>
-              <a:off x="207963" y="3776663"/>
-              <a:ext cx="1936750" cy="3081338"/>
-            </a:xfrm>
-            <a:custGeom>
-              <a:avLst/>
-              <a:gdLst/>
-              <a:ahLst/>
-              <a:cxnLst/>
-              <a:rect l="0" t="0" r="r" b="b"/>
-              <a:pathLst>
-                <a:path w="1220" h="1941">
-                  <a:moveTo>
-                    <a:pt x="0" y="0"/>
-                  </a:moveTo>
-                  <a:lnTo>
-                    <a:pt x="1166" y="1941"/>
-                  </a:lnTo>
-                  <a:lnTo>
-                    <a:pt x="1220" y="1941"/>
-                  </a:lnTo>
-                  <a:lnTo>
-                    <a:pt x="0" y="0"/>
-                  </a:lnTo>
-                  <a:close/>
-                </a:path>
-              </a:pathLst>
-            </a:custGeom>
-            <a:solidFill>
-              <a:schemeClr val="tx1">
-                <a:lumMod val="85000"/>
-                <a:lumOff val="15000"/>
-              </a:schemeClr>
-            </a:solidFill>
-            <a:ln>
-              <a:noFill/>
-            </a:ln>
-          </p:spPr>
-        </p:sp>
-        <p:sp>
-          <p:nvSpPr>
-            <p:cNvPr id="20" name="Freeform 9"/>
-            <p:cNvSpPr/>
-            <p:nvPr/>
-          </p:nvSpPr>
-          <p:spPr bwMode="auto">
-            <a:xfrm>
-              <a:off x="646113" y="3886200"/>
-              <a:ext cx="2373313" cy="2971800"/>
-            </a:xfrm>
-            <a:custGeom>
-              <a:avLst/>
-              <a:gdLst/>
-              <a:ahLst/>
-              <a:cxnLst/>
-              <a:rect l="0" t="0" r="r" b="b"/>
-              <a:pathLst>
-                <a:path w="1495" h="1872">
-                  <a:moveTo>
-                    <a:pt x="1495" y="1872"/>
-                  </a:moveTo>
-                  <a:lnTo>
-                    <a:pt x="0" y="0"/>
-                  </a:lnTo>
-                  <a:lnTo>
-                    <a:pt x="1442" y="1872"/>
-                  </a:lnTo>
-                  <a:lnTo>
-                    <a:pt x="1495" y="1872"/>
-                  </a:lnTo>
-                  <a:close/>
-                </a:path>
-              </a:pathLst>
-            </a:custGeom>
-            <a:solidFill>
-              <a:schemeClr val="accent1">
-                <a:lumMod val="50000"/>
-              </a:schemeClr>
-            </a:solidFill>
-            <a:ln>
-              <a:noFill/>
-            </a:ln>
-          </p:spPr>
-        </p:sp>
-        <p:sp>
-          <p:nvSpPr>
-            <p:cNvPr id="21" name="Freeform 10"/>
-            <p:cNvSpPr/>
-            <p:nvPr/>
-          </p:nvSpPr>
-          <p:spPr bwMode="auto">
-            <a:xfrm>
-              <a:off x="641350" y="3881438"/>
-              <a:ext cx="3340100" cy="2976563"/>
-            </a:xfrm>
-            <a:custGeom>
-              <a:avLst/>
-              <a:gdLst/>
-              <a:ahLst/>
-              <a:cxnLst/>
-              <a:rect l="0" t="0" r="r" b="b"/>
-              <a:pathLst>
-                <a:path w="2104" h="1875">
-                  <a:moveTo>
-                    <a:pt x="0" y="0"/>
-                  </a:moveTo>
-                  <a:lnTo>
-                    <a:pt x="3" y="3"/>
-                  </a:lnTo>
-                  <a:lnTo>
-                    <a:pt x="1498" y="1875"/>
-                  </a:lnTo>
-                  <a:lnTo>
-                    <a:pt x="2104" y="1875"/>
-                  </a:lnTo>
-                  <a:lnTo>
-                    <a:pt x="228" y="57"/>
-                  </a:lnTo>
-                  <a:lnTo>
-                    <a:pt x="0" y="0"/>
-                  </a:lnTo>
-                  <a:close/>
-                </a:path>
-              </a:pathLst>
-            </a:custGeom>
-            <a:solidFill>
-              <a:schemeClr val="accent1">
-                <a:lumMod val="75000"/>
-              </a:schemeClr>
-            </a:solidFill>
-            <a:ln>
-              <a:noFill/>
-            </a:ln>
-          </p:spPr>
-        </p:sp>
-        <p:sp>
-          <p:nvSpPr>
-            <p:cNvPr id="22" name="Freeform 11"/>
-            <p:cNvSpPr/>
-            <p:nvPr/>
-          </p:nvSpPr>
-          <p:spPr bwMode="auto">
-            <a:xfrm>
-              <a:off x="203200" y="3771900"/>
-              <a:ext cx="2660650" cy="3086100"/>
-            </a:xfrm>
-            <a:custGeom>
-              <a:avLst/>
-              <a:gdLst/>
-              <a:ahLst/>
-              <a:cxnLst/>
-              <a:rect l="0" t="0" r="r" b="b"/>
-              <a:pathLst>
-                <a:path w="1676" h="1944">
-                  <a:moveTo>
-                    <a:pt x="1676" y="1944"/>
-                  </a:moveTo>
-                  <a:lnTo>
-                    <a:pt x="264" y="111"/>
-                  </a:lnTo>
-                  <a:lnTo>
-                    <a:pt x="225" y="60"/>
-                  </a:lnTo>
-                  <a:lnTo>
-                    <a:pt x="228" y="60"/>
-                  </a:lnTo>
-                  <a:lnTo>
-                    <a:pt x="264" y="111"/>
-                  </a:lnTo>
-                  <a:lnTo>
-                    <a:pt x="234" y="69"/>
-                  </a:lnTo>
-                  <a:lnTo>
-                    <a:pt x="228" y="57"/>
-                  </a:lnTo>
-                  <a:lnTo>
-                    <a:pt x="222" y="54"/>
-                  </a:lnTo>
-                  <a:lnTo>
-                    <a:pt x="0" y="0"/>
-                  </a:lnTo>
-                  <a:lnTo>
-                    <a:pt x="3" y="3"/>
-                  </a:lnTo>
-                  <a:lnTo>
-                    <a:pt x="1223" y="1944"/>
-                  </a:lnTo>
-                  <a:lnTo>
-                    <a:pt x="1676" y="1944"/>
-                  </a:lnTo>
-                  <a:close/>
-                </a:path>
-              </a:pathLst>
-            </a:custGeom>
-            <a:solidFill>
-              <a:schemeClr val="tx1">
-                <a:lumMod val="75000"/>
-                <a:lumOff val="25000"/>
-              </a:schemeClr>
-            </a:solidFill>
-            <a:ln>
-              <a:noFill/>
-            </a:ln>
-          </p:spPr>
-        </p:sp>
-      </p:grpSp>
+          <a:prstGeom prst="rect">
+            <a:avLst/>
+          </a:prstGeom>
+          <a:solidFill>
+            <a:schemeClr val="tx1"/>
+          </a:solidFill>
+          <a:ln>
+            <a:noFill/>
+          </a:ln>
+        </p:spPr>
+        <p:style>
+          <a:lnRef idx="2">
+            <a:schemeClr val="accent1">
+              <a:shade val="50000"/>
+            </a:schemeClr>
+          </a:lnRef>
+          <a:fillRef idx="1">
+            <a:schemeClr val="accent1"/>
+          </a:fillRef>
+          <a:effectRef idx="0">
+            <a:schemeClr val="accent1"/>
+          </a:effectRef>
+          <a:fontRef idx="minor">
+            <a:schemeClr val="lt1"/>
+          </a:fontRef>
+        </p:style>
+      </p:sp>
       <p:sp>
         <p:nvSpPr>
           <p:cNvPr id="2" name="Title 1"/>
@@ -486,19 +204,20 @@
         </p:nvSpPr>
         <p:spPr>
           <a:xfrm>
-            <a:off x="1739673" y="914401"/>
-            <a:ext cx="6947127" cy="3488266"/>
+            <a:off x="274319" y="2166365"/>
+            <a:ext cx="8603674" cy="1739347"/>
           </a:xfrm>
         </p:spPr>
         <p:txBody>
-          <a:bodyPr anchor="b">
+          <a:bodyPr tIns="45720" bIns="45720" anchor="ctr">
             <a:normAutofit/>
           </a:bodyPr>
           <a:lstStyle>
-            <a:lvl1pPr algn="r">
-              <a:defRPr sz="5400">
-                <a:effectLst/>
-              </a:defRPr>
+            <a:lvl1pPr algn="ctr">
+              <a:lnSpc>
+                <a:spcPct val="80000"/>
+              </a:lnSpc>
+              <a:defRPr sz="6000" spc="0" baseline="0"/>
             </a:lvl1pPr>
           </a:lstStyle>
           <a:p>
@@ -522,102 +241,50 @@
         </p:nvSpPr>
         <p:spPr>
           <a:xfrm>
-            <a:off x="2924238" y="4402666"/>
-            <a:ext cx="5762563" cy="1364531"/>
+            <a:off x="1143000" y="3970315"/>
+            <a:ext cx="6858000" cy="1309255"/>
           </a:xfrm>
         </p:spPr>
         <p:txBody>
-          <a:bodyPr anchor="t">
+          <a:bodyPr>
             <a:normAutofit/>
           </a:bodyPr>
           <a:lstStyle>
-            <a:lvl1pPr marL="0" indent="0" algn="r">
+            <a:lvl1pPr marL="0" indent="0" algn="ctr">
               <a:buNone/>
-              <a:defRPr sz="1800">
-                <a:solidFill>
-                  <a:schemeClr val="tx1"/>
-                </a:solidFill>
-              </a:defRPr>
+              <a:defRPr sz="2000"/>
             </a:lvl1pPr>
             <a:lvl2pPr marL="457200" indent="0" algn="ctr">
               <a:buNone/>
-              <a:defRPr>
-                <a:solidFill>
-                  <a:schemeClr val="tx1">
-                    <a:tint val="75000"/>
-                  </a:schemeClr>
-                </a:solidFill>
-              </a:defRPr>
+              <a:defRPr sz="2000"/>
             </a:lvl2pPr>
             <a:lvl3pPr marL="914400" indent="0" algn="ctr">
               <a:buNone/>
-              <a:defRPr>
-                <a:solidFill>
-                  <a:schemeClr val="tx1">
-                    <a:tint val="75000"/>
-                  </a:schemeClr>
-                </a:solidFill>
-              </a:defRPr>
+              <a:defRPr sz="2000"/>
             </a:lvl3pPr>
             <a:lvl4pPr marL="1371600" indent="0" algn="ctr">
               <a:buNone/>
-              <a:defRPr>
-                <a:solidFill>
-                  <a:schemeClr val="tx1">
-                    <a:tint val="75000"/>
-                  </a:schemeClr>
-                </a:solidFill>
-              </a:defRPr>
+              <a:defRPr sz="2000"/>
             </a:lvl4pPr>
             <a:lvl5pPr marL="1828800" indent="0" algn="ctr">
               <a:buNone/>
-              <a:defRPr>
-                <a:solidFill>
-                  <a:schemeClr val="tx1">
-                    <a:tint val="75000"/>
-                  </a:schemeClr>
-                </a:solidFill>
-              </a:defRPr>
+              <a:defRPr sz="2000"/>
             </a:lvl5pPr>
             <a:lvl6pPr marL="2286000" indent="0" algn="ctr">
               <a:buNone/>
-              <a:defRPr>
-                <a:solidFill>
-                  <a:schemeClr val="tx1">
-                    <a:tint val="75000"/>
-                  </a:schemeClr>
-                </a:solidFill>
-              </a:defRPr>
+              <a:defRPr sz="2000"/>
             </a:lvl6pPr>
             <a:lvl7pPr marL="2743200" indent="0" algn="ctr">
               <a:buNone/>
-              <a:defRPr>
-                <a:solidFill>
-                  <a:schemeClr val="tx1">
-                    <a:tint val="75000"/>
-                  </a:schemeClr>
-                </a:solidFill>
-              </a:defRPr>
+              <a:defRPr sz="2000"/>
             </a:lvl7pPr>
             <a:lvl8pPr marL="3200400" indent="0" algn="ctr">
               <a:buNone/>
-              <a:defRPr>
-                <a:solidFill>
-                  <a:schemeClr val="tx1">
-                    <a:tint val="75000"/>
-                  </a:schemeClr>
-                </a:solidFill>
-              </a:defRPr>
+              <a:defRPr sz="2000"/>
             </a:lvl8pPr>
             <a:lvl9pPr marL="3657600" indent="0" algn="ctr">
               <a:buNone/>
-              <a:defRPr>
-                <a:solidFill>
-                  <a:schemeClr val="tx1">
-                    <a:tint val="75000"/>
-                  </a:schemeClr>
-                </a:solidFill>
-              </a:defRPr>
+              <a:defRPr sz="2000"/>
             </a:lvl9pPr>
           </a:lstStyle>
           <a:p>
@@ -639,12 +306,7 @@
             <p:ph type="dt" sz="half" idx="10"/>
           </p:nvPr>
         </p:nvSpPr>
-        <p:spPr>
-          <a:xfrm>
-            <a:off x="7325773" y="6117336"/>
-            <a:ext cx="857473" cy="365125"/>
-          </a:xfrm>
-        </p:spPr>
+        <p:spPr/>
         <p:txBody>
           <a:bodyPr/>
           <a:lstStyle/>
@@ -667,12 +329,7 @@
             <p:ph type="ftr" sz="quarter" idx="11"/>
           </p:nvPr>
         </p:nvSpPr>
-        <p:spPr>
-          <a:xfrm>
-            <a:off x="3623733" y="6117336"/>
-            <a:ext cx="3609438" cy="365125"/>
-          </a:xfrm>
-        </p:spPr>
+        <p:spPr/>
         <p:txBody>
           <a:bodyPr/>
           <a:lstStyle/>
@@ -691,12 +348,7 @@
             <p:ph type="sldNum" sz="quarter" idx="12"/>
           </p:nvPr>
         </p:nvSpPr>
-        <p:spPr>
-          <a:xfrm>
-            <a:off x="8275320" y="6117336"/>
-            <a:ext cx="411480" cy="365125"/>
-          </a:xfrm>
-        </p:spPr>
+        <p:spPr/>
         <p:txBody>
           <a:bodyPr/>
           <a:lstStyle/>
@@ -709,120 +361,10 @@
           </a:p>
         </p:txBody>
       </p:sp>
-      <p:sp>
-        <p:nvSpPr>
-          <p:cNvPr id="23" name="Freeform 12"/>
-          <p:cNvSpPr/>
-          <p:nvPr/>
-        </p:nvSpPr>
-        <p:spPr bwMode="auto">
-          <a:xfrm>
-            <a:off x="203200" y="3771900"/>
-            <a:ext cx="361950" cy="90488"/>
-          </a:xfrm>
-          <a:custGeom>
-            <a:avLst/>
-            <a:gdLst/>
-            <a:ahLst/>
-            <a:cxnLst/>
-            <a:rect l="0" t="0" r="r" b="b"/>
-            <a:pathLst>
-              <a:path w="228" h="57">
-                <a:moveTo>
-                  <a:pt x="228" y="57"/>
-                </a:moveTo>
-                <a:lnTo>
-                  <a:pt x="0" y="0"/>
-                </a:lnTo>
-                <a:lnTo>
-                  <a:pt x="222" y="54"/>
-                </a:lnTo>
-                <a:lnTo>
-                  <a:pt x="228" y="57"/>
-                </a:lnTo>
-                <a:close/>
-              </a:path>
-            </a:pathLst>
-          </a:custGeom>
-          <a:solidFill>
-            <a:srgbClr val="29ABE2"/>
-          </a:solidFill>
-          <a:ln>
-            <a:noFill/>
-          </a:ln>
-          <a:extLst>
-            <a:ext uri="{91240B29-F687-4f45-9708-019B960494DF}">
-              <a14:hiddenLine xmlns:a14="http://schemas.microsoft.com/office/drawing/2010/main" xmlns="" w="9525">
-                <a:solidFill>
-                  <a:srgbClr val="000000"/>
-                </a:solidFill>
-                <a:round/>
-                <a:headEnd/>
-                <a:tailEnd/>
-              </a14:hiddenLine>
-            </a:ext>
-          </a:extLst>
-        </p:spPr>
-      </p:sp>
-      <p:sp>
-        <p:nvSpPr>
-          <p:cNvPr id="24" name="Freeform 13"/>
-          <p:cNvSpPr/>
-          <p:nvPr/>
-        </p:nvSpPr>
-        <p:spPr bwMode="auto">
-          <a:xfrm>
-            <a:off x="560388" y="3867150"/>
-            <a:ext cx="61913" cy="80963"/>
-          </a:xfrm>
-          <a:custGeom>
-            <a:avLst/>
-            <a:gdLst/>
-            <a:ahLst/>
-            <a:cxnLst/>
-            <a:rect l="0" t="0" r="r" b="b"/>
-            <a:pathLst>
-              <a:path w="39" h="51">
-                <a:moveTo>
-                  <a:pt x="0" y="0"/>
-                </a:moveTo>
-                <a:lnTo>
-                  <a:pt x="39" y="51"/>
-                </a:lnTo>
-                <a:lnTo>
-                  <a:pt x="3" y="0"/>
-                </a:lnTo>
-                <a:lnTo>
-                  <a:pt x="0" y="0"/>
-                </a:lnTo>
-                <a:close/>
-              </a:path>
-            </a:pathLst>
-          </a:custGeom>
-          <a:solidFill>
-            <a:srgbClr val="29ABE2"/>
-          </a:solidFill>
-          <a:ln>
-            <a:noFill/>
-          </a:ln>
-          <a:extLst>
-            <a:ext uri="{91240B29-F687-4f45-9708-019B960494DF}">
-              <a14:hiddenLine xmlns:a14="http://schemas.microsoft.com/office/drawing/2010/main" xmlns="" w="9525">
-                <a:solidFill>
-                  <a:srgbClr val="000000"/>
-                </a:solidFill>
-                <a:round/>
-                <a:headEnd/>
-                <a:tailEnd/>
-              </a14:hiddenLine>
-            </a:ext>
-          </a:extLst>
-        </p:spPr>
-      </p:sp>
     </p:spTree>
     <p:extLst>
       <p:ext uri="{BB962C8B-B14F-4D97-AF65-F5344CB8AC3E}">
-        <p14:creationId xmlns:p14="http://schemas.microsoft.com/office/powerpoint/2010/main" val="1503532239"/>
+        <p14:creationId xmlns:p14="http://schemas.microsoft.com/office/powerpoint/2010/main" val="2645857225"/>
       </p:ext>
     </p:extLst>
   </p:cSld>
@@ -833,8 +375,8 @@
 </file>
 
 <file path=ppt/slideLayouts/slideLayout10.xml><?xml version="1.0" encoding="utf-8"?>
-<p:sldLayout xmlns:a="http://schemas.openxmlformats.org/drawingml/2006/main" xmlns:r="http://schemas.openxmlformats.org/officeDocument/2006/relationships" xmlns:p="http://schemas.openxmlformats.org/presentationml/2006/main" preserve="1">
-  <p:cSld name="Panoramic Picture with Caption">
+<p:sldLayout xmlns:a="http://schemas.openxmlformats.org/drawingml/2006/main" xmlns:r="http://schemas.openxmlformats.org/officeDocument/2006/relationships" xmlns:p="http://schemas.openxmlformats.org/presentationml/2006/main" type="vertTx" preserve="1">
+  <p:cSld name="Title and Vertical Text">
     <p:spTree>
       <p:nvGrpSpPr>
         <p:cNvPr id="1" name=""/>
@@ -859,21 +401,10 @@
             <p:ph type="title"/>
           </p:nvPr>
         </p:nvSpPr>
-        <p:spPr>
-          <a:xfrm>
-            <a:off x="1113523" y="4732865"/>
-            <a:ext cx="7515991" cy="566738"/>
-          </a:xfrm>
-        </p:spPr>
+        <p:spPr/>
         <p:txBody>
-          <a:bodyPr anchor="b">
-            <a:normAutofit/>
-          </a:bodyPr>
-          <a:lstStyle>
-            <a:lvl1pPr algn="ctr">
-              <a:defRPr sz="2400" b="0"/>
-            </a:lvl1pPr>
-          </a:lstStyle>
+          <a:bodyPr/>
+          <a:lstStyle/>
           <a:p>
             <a:r>
               <a:rPr lang="en-US"/>
@@ -885,94 +416,51 @@
       </p:sp>
       <p:sp>
         <p:nvSpPr>
-          <p:cNvPr id="3" name="Picture Placeholder 2"/>
+          <p:cNvPr id="3" name="Vertical Text Placeholder 2"/>
           <p:cNvSpPr>
-            <a:spLocks noGrp="1" noChangeAspect="1"/>
+            <a:spLocks noGrp="1"/>
           </p:cNvSpPr>
           <p:nvPr>
-            <p:ph type="pic" idx="1"/>
+            <p:ph type="body" orient="vert" idx="1"/>
           </p:nvPr>
         </p:nvSpPr>
-        <p:spPr>
-          <a:xfrm>
-            <a:off x="1789975" y="932112"/>
-            <a:ext cx="6171065" cy="3164976"/>
-          </a:xfrm>
-          <a:prstGeom prst="roundRect">
-            <a:avLst>
-              <a:gd name="adj" fmla="val 4380"/>
-            </a:avLst>
-          </a:prstGeom>
-          <a:ln w="38100">
-            <a:gradFill flip="none" rotWithShape="1">
-              <a:gsLst>
-                <a:gs pos="0">
-                  <a:schemeClr val="bg2"/>
-                </a:gs>
-                <a:gs pos="100000">
-                  <a:schemeClr val="bg2">
-                    <a:lumMod val="75000"/>
-                  </a:schemeClr>
-                </a:gs>
-              </a:gsLst>
-              <a:lin ang="5400000" scaled="0"/>
-              <a:tileRect/>
-            </a:gradFill>
-          </a:ln>
-          <a:effectLst>
-            <a:innerShdw blurRad="57150" dist="38100" dir="14460000">
-              <a:srgbClr val="000000">
-                <a:alpha val="70000"/>
-              </a:srgbClr>
-            </a:innerShdw>
-          </a:effectLst>
-        </p:spPr>
+        <p:spPr/>
         <p:txBody>
-          <a:bodyPr anchor="t">
-            <a:normAutofit/>
-          </a:bodyPr>
-          <a:lstStyle>
-            <a:lvl1pPr marL="0" indent="0" algn="ctr">
-              <a:buNone/>
-              <a:defRPr sz="1600"/>
-            </a:lvl1pPr>
-            <a:lvl2pPr marL="457200" indent="0">
-              <a:buNone/>
-              <a:defRPr sz="1600"/>
-            </a:lvl2pPr>
-            <a:lvl3pPr marL="914400" indent="0">
-              <a:buNone/>
-              <a:defRPr sz="1600"/>
-            </a:lvl3pPr>
-            <a:lvl4pPr marL="1371600" indent="0">
-              <a:buNone/>
-              <a:defRPr sz="1600"/>
-            </a:lvl4pPr>
-            <a:lvl5pPr marL="1828800" indent="0">
-              <a:buNone/>
-              <a:defRPr sz="1600"/>
-            </a:lvl5pPr>
-            <a:lvl6pPr marL="2286000" indent="0">
-              <a:buNone/>
-              <a:defRPr sz="1600"/>
-            </a:lvl6pPr>
-            <a:lvl7pPr marL="2743200" indent="0">
-              <a:buNone/>
-              <a:defRPr sz="1600"/>
-            </a:lvl7pPr>
-            <a:lvl8pPr marL="3200400" indent="0">
-              <a:buNone/>
-              <a:defRPr sz="1600"/>
-            </a:lvl8pPr>
-            <a:lvl9pPr marL="3657600" indent="0">
-              <a:buNone/>
-              <a:defRPr sz="1600"/>
-            </a:lvl9pPr>
-          </a:lstStyle>
-          <a:p>
+          <a:bodyPr vert="eaVert"/>
+          <a:lstStyle/>
+          <a:p>
+            <a:pPr lvl="0"/>
             <a:r>
               <a:rPr lang="en-US"/>
-              <a:t>Click icon to add picture</a:t>
+              <a:t>Click to edit Master text styles</a:t>
+            </a:r>
+          </a:p>
+          <a:p>
+            <a:pPr lvl="1"/>
+            <a:r>
+              <a:rPr lang="en-US"/>
+              <a:t>Second level</a:t>
+            </a:r>
+          </a:p>
+          <a:p>
+            <a:pPr lvl="2"/>
+            <a:r>
+              <a:rPr lang="en-US"/>
+              <a:t>Third level</a:t>
+            </a:r>
+          </a:p>
+          <a:p>
+            <a:pPr lvl="3"/>
+            <a:r>
+              <a:rPr lang="en-US"/>
+              <a:t>Fourth level</a:t>
+            </a:r>
+          </a:p>
+          <a:p>
+            <a:pPr lvl="4"/>
+            <a:r>
+              <a:rPr lang="en-US"/>
+              <a:t>Fifth level</a:t>
             </a:r>
             <a:endParaRPr lang="en-US" dirty="0"/>
           </a:p>
@@ -980,74 +468,7 @@
       </p:sp>
       <p:sp>
         <p:nvSpPr>
-          <p:cNvPr id="4" name="Text Placeholder 3"/>
-          <p:cNvSpPr>
-            <a:spLocks noGrp="1"/>
-          </p:cNvSpPr>
-          <p:nvPr>
-            <p:ph type="body" sz="half" idx="2"/>
-          </p:nvPr>
-        </p:nvSpPr>
-        <p:spPr>
-          <a:xfrm>
-            <a:off x="1113523" y="5299603"/>
-            <a:ext cx="7515991" cy="493712"/>
-          </a:xfrm>
-        </p:spPr>
-        <p:txBody>
-          <a:bodyPr>
-            <a:normAutofit/>
-          </a:bodyPr>
-          <a:lstStyle>
-            <a:lvl1pPr marL="0" indent="0" algn="ctr">
-              <a:buNone/>
-              <a:defRPr sz="1400"/>
-            </a:lvl1pPr>
-            <a:lvl2pPr marL="457200" indent="0">
-              <a:buNone/>
-              <a:defRPr sz="1200"/>
-            </a:lvl2pPr>
-            <a:lvl3pPr marL="914400" indent="0">
-              <a:buNone/>
-              <a:defRPr sz="1000"/>
-            </a:lvl3pPr>
-            <a:lvl4pPr marL="1371600" indent="0">
-              <a:buNone/>
-              <a:defRPr sz="900"/>
-            </a:lvl4pPr>
-            <a:lvl5pPr marL="1828800" indent="0">
-              <a:buNone/>
-              <a:defRPr sz="900"/>
-            </a:lvl5pPr>
-            <a:lvl6pPr marL="2286000" indent="0">
-              <a:buNone/>
-              <a:defRPr sz="900"/>
-            </a:lvl6pPr>
-            <a:lvl7pPr marL="2743200" indent="0">
-              <a:buNone/>
-              <a:defRPr sz="900"/>
-            </a:lvl7pPr>
-            <a:lvl8pPr marL="3200400" indent="0">
-              <a:buNone/>
-              <a:defRPr sz="900"/>
-            </a:lvl8pPr>
-            <a:lvl9pPr marL="3657600" indent="0">
-              <a:buNone/>
-              <a:defRPr sz="900"/>
-            </a:lvl9pPr>
-          </a:lstStyle>
-          <a:p>
-            <a:pPr lvl="0"/>
-            <a:r>
-              <a:rPr lang="en-US"/>
-              <a:t>Click to edit Master text styles</a:t>
-            </a:r>
-          </a:p>
-        </p:txBody>
-      </p:sp>
-      <p:sp>
-        <p:nvSpPr>
-          <p:cNvPr id="5" name="Date Placeholder 4"/>
+          <p:cNvPr id="4" name="Date Placeholder 3"/>
           <p:cNvSpPr>
             <a:spLocks noGrp="1"/>
           </p:cNvSpPr>
@@ -1070,7 +491,7 @@
       </p:sp>
       <p:sp>
         <p:nvSpPr>
-          <p:cNvPr id="6" name="Footer Placeholder 5"/>
+          <p:cNvPr id="5" name="Footer Placeholder 4"/>
           <p:cNvSpPr>
             <a:spLocks noGrp="1"/>
           </p:cNvSpPr>
@@ -1089,7 +510,7 @@
       </p:sp>
       <p:sp>
         <p:nvSpPr>
-          <p:cNvPr id="7" name="Slide Number Placeholder 6"/>
+          <p:cNvPr id="6" name="Slide Number Placeholder 5"/>
           <p:cNvSpPr>
             <a:spLocks noGrp="1"/>
           </p:cNvSpPr>
@@ -1113,7 +534,7 @@
     </p:spTree>
     <p:extLst>
       <p:ext uri="{BB962C8B-B14F-4D97-AF65-F5344CB8AC3E}">
-        <p14:creationId xmlns:p14="http://schemas.microsoft.com/office/powerpoint/2010/main" val="443226381"/>
+        <p14:creationId xmlns:p14="http://schemas.microsoft.com/office/powerpoint/2010/main" val="3389780855"/>
       </p:ext>
     </p:extLst>
   </p:cSld>
@@ -1124,8 +545,241 @@
 </file>
 
 <file path=ppt/slideLayouts/slideLayout11.xml><?xml version="1.0" encoding="utf-8"?>
-<p:sldLayout xmlns:a="http://schemas.openxmlformats.org/drawingml/2006/main" xmlns:r="http://schemas.openxmlformats.org/officeDocument/2006/relationships" xmlns:p="http://schemas.openxmlformats.org/presentationml/2006/main" preserve="1">
-  <p:cSld name="Title and Caption">
+<p:sldLayout xmlns:a="http://schemas.openxmlformats.org/drawingml/2006/main" xmlns:r="http://schemas.openxmlformats.org/officeDocument/2006/relationships" xmlns:p="http://schemas.openxmlformats.org/presentationml/2006/main" showMasterSp="0" type="vertTitleAndTx" preserve="1">
+  <p:cSld name="Vertical Title and Text">
+    <p:spTree>
+      <p:nvGrpSpPr>
+        <p:cNvPr id="1" name=""/>
+        <p:cNvGrpSpPr/>
+        <p:nvPr/>
+      </p:nvGrpSpPr>
+      <p:grpSpPr>
+        <a:xfrm>
+          <a:off x="0" y="0"/>
+          <a:ext cx="0" cy="0"/>
+          <a:chOff x="0" y="0"/>
+          <a:chExt cx="0" cy="0"/>
+        </a:xfrm>
+      </p:grpSpPr>
+      <p:sp>
+        <p:nvSpPr>
+          <p:cNvPr id="7" name="Rectangle 6"/>
+          <p:cNvSpPr/>
+          <p:nvPr/>
+        </p:nvSpPr>
+        <p:spPr>
+          <a:xfrm>
+            <a:off x="6764484" y="0"/>
+            <a:ext cx="2057400" cy="6858000"/>
+          </a:xfrm>
+          <a:prstGeom prst="rect">
+            <a:avLst/>
+          </a:prstGeom>
+          <a:solidFill>
+            <a:schemeClr val="tx1"/>
+          </a:solidFill>
+          <a:ln>
+            <a:noFill/>
+          </a:ln>
+        </p:spPr>
+        <p:style>
+          <a:lnRef idx="2">
+            <a:schemeClr val="accent1">
+              <a:shade val="50000"/>
+            </a:schemeClr>
+          </a:lnRef>
+          <a:fillRef idx="1">
+            <a:schemeClr val="accent1"/>
+          </a:fillRef>
+          <a:effectRef idx="0">
+            <a:schemeClr val="accent1"/>
+          </a:effectRef>
+          <a:fontRef idx="minor">
+            <a:schemeClr val="lt1"/>
+          </a:fontRef>
+        </p:style>
+      </p:sp>
+      <p:sp>
+        <p:nvSpPr>
+          <p:cNvPr id="2" name="Vertical Title 1"/>
+          <p:cNvSpPr>
+            <a:spLocks noGrp="1"/>
+          </p:cNvSpPr>
+          <p:nvPr>
+            <p:ph type="title" orient="vert"/>
+          </p:nvPr>
+        </p:nvSpPr>
+        <p:spPr>
+          <a:xfrm>
+            <a:off x="6870468" y="609600"/>
+            <a:ext cx="1801785" cy="5638800"/>
+          </a:xfrm>
+        </p:spPr>
+        <p:txBody>
+          <a:bodyPr vert="eaVert"/>
+          <a:lstStyle/>
+          <a:p>
+            <a:r>
+              <a:rPr lang="en-US"/>
+              <a:t>Click to edit Master title style</a:t>
+            </a:r>
+            <a:endParaRPr lang="en-US" dirty="0"/>
+          </a:p>
+        </p:txBody>
+      </p:sp>
+      <p:sp>
+        <p:nvSpPr>
+          <p:cNvPr id="3" name="Vertical Text Placeholder 2"/>
+          <p:cNvSpPr>
+            <a:spLocks noGrp="1"/>
+          </p:cNvSpPr>
+          <p:nvPr>
+            <p:ph type="body" orient="vert" idx="1"/>
+          </p:nvPr>
+        </p:nvSpPr>
+        <p:spPr>
+          <a:xfrm>
+            <a:off x="628650" y="609600"/>
+            <a:ext cx="5979968" cy="5638800"/>
+          </a:xfrm>
+        </p:spPr>
+        <p:txBody>
+          <a:bodyPr vert="eaVert"/>
+          <a:lstStyle/>
+          <a:p>
+            <a:pPr lvl="0"/>
+            <a:r>
+              <a:rPr lang="en-US"/>
+              <a:t>Click to edit Master text styles</a:t>
+            </a:r>
+          </a:p>
+          <a:p>
+            <a:pPr lvl="1"/>
+            <a:r>
+              <a:rPr lang="en-US"/>
+              <a:t>Second level</a:t>
+            </a:r>
+          </a:p>
+          <a:p>
+            <a:pPr lvl="2"/>
+            <a:r>
+              <a:rPr lang="en-US"/>
+              <a:t>Third level</a:t>
+            </a:r>
+          </a:p>
+          <a:p>
+            <a:pPr lvl="3"/>
+            <a:r>
+              <a:rPr lang="en-US"/>
+              <a:t>Fourth level</a:t>
+            </a:r>
+          </a:p>
+          <a:p>
+            <a:pPr lvl="4"/>
+            <a:r>
+              <a:rPr lang="en-US"/>
+              <a:t>Fifth level</a:t>
+            </a:r>
+            <a:endParaRPr lang="en-US" dirty="0"/>
+          </a:p>
+        </p:txBody>
+      </p:sp>
+      <p:sp>
+        <p:nvSpPr>
+          <p:cNvPr id="4" name="Date Placeholder 3"/>
+          <p:cNvSpPr>
+            <a:spLocks noGrp="1"/>
+          </p:cNvSpPr>
+          <p:nvPr>
+            <p:ph type="dt" sz="half" idx="10"/>
+          </p:nvPr>
+        </p:nvSpPr>
+        <p:spPr>
+          <a:xfrm>
+            <a:off x="628650" y="6422855"/>
+            <a:ext cx="2057397" cy="365125"/>
+          </a:xfrm>
+        </p:spPr>
+        <p:txBody>
+          <a:bodyPr/>
+          <a:lstStyle/>
+          <a:p>
+            <a:fld id="{5BCAD085-E8A6-8845-BD4E-CB4CCA059FC4}" type="datetimeFigureOut">
+              <a:rPr lang="en-US" smtClean="0"/>
+              <a:t>2/26/2025</a:t>
+            </a:fld>
+            <a:endParaRPr lang="en-US"/>
+          </a:p>
+        </p:txBody>
+      </p:sp>
+      <p:sp>
+        <p:nvSpPr>
+          <p:cNvPr id="5" name="Footer Placeholder 4"/>
+          <p:cNvSpPr>
+            <a:spLocks noGrp="1"/>
+          </p:cNvSpPr>
+          <p:nvPr>
+            <p:ph type="ftr" sz="quarter" idx="11"/>
+          </p:nvPr>
+        </p:nvSpPr>
+        <p:spPr>
+          <a:xfrm>
+            <a:off x="2832102" y="6422855"/>
+            <a:ext cx="3209752" cy="365125"/>
+          </a:xfrm>
+        </p:spPr>
+        <p:txBody>
+          <a:bodyPr/>
+          <a:lstStyle/>
+          <a:p>
+            <a:endParaRPr lang="en-US"/>
+          </a:p>
+        </p:txBody>
+      </p:sp>
+      <p:sp>
+        <p:nvSpPr>
+          <p:cNvPr id="6" name="Slide Number Placeholder 5"/>
+          <p:cNvSpPr>
+            <a:spLocks noGrp="1"/>
+          </p:cNvSpPr>
+          <p:nvPr>
+            <p:ph type="sldNum" sz="quarter" idx="12"/>
+          </p:nvPr>
+        </p:nvSpPr>
+        <p:spPr>
+          <a:xfrm>
+            <a:off x="6054787" y="6422855"/>
+            <a:ext cx="659819" cy="365125"/>
+          </a:xfrm>
+        </p:spPr>
+        <p:txBody>
+          <a:bodyPr/>
+          <a:lstStyle/>
+          <a:p>
+            <a:fld id="{C1FF6DA9-008F-8B48-92A6-B652298478BF}" type="slidenum">
+              <a:rPr lang="en-US" smtClean="0"/>
+              <a:t>‹#›</a:t>
+            </a:fld>
+            <a:endParaRPr lang="en-US"/>
+          </a:p>
+        </p:txBody>
+      </p:sp>
+    </p:spTree>
+    <p:extLst>
+      <p:ext uri="{BB962C8B-B14F-4D97-AF65-F5344CB8AC3E}">
+        <p14:creationId xmlns:p14="http://schemas.microsoft.com/office/powerpoint/2010/main" val="3689499113"/>
+      </p:ext>
+    </p:extLst>
+  </p:cSld>
+  <p:clrMapOvr>
+    <a:masterClrMapping/>
+  </p:clrMapOvr>
+</p:sldLayout>
+</file>
+
+<file path=ppt/slideLayouts/slideLayout2.xml><?xml version="1.0" encoding="utf-8"?>
+<p:sldLayout xmlns:a="http://schemas.openxmlformats.org/drawingml/2006/main" xmlns:r="http://schemas.openxmlformats.org/officeDocument/2006/relationships" xmlns:p="http://schemas.openxmlformats.org/presentationml/2006/main" type="obj" preserve="1">
+  <p:cSld name="Title and Content">
     <p:spTree>
       <p:nvGrpSpPr>
         <p:cNvPr id="1" name=""/>
@@ -1150,19 +804,239 @@
             <p:ph type="title"/>
           </p:nvPr>
         </p:nvSpPr>
+        <p:spPr/>
+        <p:txBody>
+          <a:bodyPr/>
+          <a:lstStyle/>
+          <a:p>
+            <a:r>
+              <a:rPr lang="en-US"/>
+              <a:t>Click to edit Master title style</a:t>
+            </a:r>
+            <a:endParaRPr lang="en-US" dirty="0"/>
+          </a:p>
+        </p:txBody>
+      </p:sp>
+      <p:sp>
+        <p:nvSpPr>
+          <p:cNvPr id="3" name="Content Placeholder 2"/>
+          <p:cNvSpPr>
+            <a:spLocks noGrp="1"/>
+          </p:cNvSpPr>
+          <p:nvPr>
+            <p:ph idx="1"/>
+          </p:nvPr>
+        </p:nvSpPr>
+        <p:spPr/>
+        <p:txBody>
+          <a:bodyPr/>
+          <a:lstStyle/>
+          <a:p>
+            <a:pPr lvl="0"/>
+            <a:r>
+              <a:rPr lang="en-US"/>
+              <a:t>Click to edit Master text styles</a:t>
+            </a:r>
+          </a:p>
+          <a:p>
+            <a:pPr lvl="1"/>
+            <a:r>
+              <a:rPr lang="en-US"/>
+              <a:t>Second level</a:t>
+            </a:r>
+          </a:p>
+          <a:p>
+            <a:pPr lvl="2"/>
+            <a:r>
+              <a:rPr lang="en-US"/>
+              <a:t>Third level</a:t>
+            </a:r>
+          </a:p>
+          <a:p>
+            <a:pPr lvl="3"/>
+            <a:r>
+              <a:rPr lang="en-US"/>
+              <a:t>Fourth level</a:t>
+            </a:r>
+          </a:p>
+          <a:p>
+            <a:pPr lvl="4"/>
+            <a:r>
+              <a:rPr lang="en-US"/>
+              <a:t>Fifth level</a:t>
+            </a:r>
+            <a:endParaRPr lang="en-US" dirty="0"/>
+          </a:p>
+        </p:txBody>
+      </p:sp>
+      <p:sp>
+        <p:nvSpPr>
+          <p:cNvPr id="4" name="Date Placeholder 3"/>
+          <p:cNvSpPr>
+            <a:spLocks noGrp="1"/>
+          </p:cNvSpPr>
+          <p:nvPr>
+            <p:ph type="dt" sz="half" idx="10"/>
+          </p:nvPr>
+        </p:nvSpPr>
+        <p:spPr/>
+        <p:txBody>
+          <a:bodyPr/>
+          <a:lstStyle/>
+          <a:p>
+            <a:fld id="{5BCAD085-E8A6-8845-BD4E-CB4CCA059FC4}" type="datetimeFigureOut">
+              <a:rPr lang="en-US" smtClean="0"/>
+              <a:t>2/26/2025</a:t>
+            </a:fld>
+            <a:endParaRPr lang="en-US"/>
+          </a:p>
+        </p:txBody>
+      </p:sp>
+      <p:sp>
+        <p:nvSpPr>
+          <p:cNvPr id="5" name="Footer Placeholder 4"/>
+          <p:cNvSpPr>
+            <a:spLocks noGrp="1"/>
+          </p:cNvSpPr>
+          <p:nvPr>
+            <p:ph type="ftr" sz="quarter" idx="11"/>
+          </p:nvPr>
+        </p:nvSpPr>
+        <p:spPr/>
+        <p:txBody>
+          <a:bodyPr/>
+          <a:lstStyle/>
+          <a:p>
+            <a:endParaRPr lang="en-US"/>
+          </a:p>
+        </p:txBody>
+      </p:sp>
+      <p:sp>
+        <p:nvSpPr>
+          <p:cNvPr id="6" name="Slide Number Placeholder 5"/>
+          <p:cNvSpPr>
+            <a:spLocks noGrp="1"/>
+          </p:cNvSpPr>
+          <p:nvPr>
+            <p:ph type="sldNum" sz="quarter" idx="12"/>
+          </p:nvPr>
+        </p:nvSpPr>
+        <p:spPr/>
+        <p:txBody>
+          <a:bodyPr/>
+          <a:lstStyle/>
+          <a:p>
+            <a:fld id="{C1FF6DA9-008F-8B48-92A6-B652298478BF}" type="slidenum">
+              <a:rPr lang="en-US" smtClean="0"/>
+              <a:t>‹#›</a:t>
+            </a:fld>
+            <a:endParaRPr lang="en-US"/>
+          </a:p>
+        </p:txBody>
+      </p:sp>
+    </p:spTree>
+    <p:extLst>
+      <p:ext uri="{BB962C8B-B14F-4D97-AF65-F5344CB8AC3E}">
+        <p14:creationId xmlns:p14="http://schemas.microsoft.com/office/powerpoint/2010/main" val="1277672653"/>
+      </p:ext>
+    </p:extLst>
+  </p:cSld>
+  <p:clrMapOvr>
+    <a:masterClrMapping/>
+  </p:clrMapOvr>
+</p:sldLayout>
+</file>
+
+<file path=ppt/slideLayouts/slideLayout3.xml><?xml version="1.0" encoding="utf-8"?>
+<p:sldLayout xmlns:a="http://schemas.openxmlformats.org/drawingml/2006/main" xmlns:r="http://schemas.openxmlformats.org/officeDocument/2006/relationships" xmlns:p="http://schemas.openxmlformats.org/presentationml/2006/main" showMasterSp="0" type="secHead" preserve="1">
+  <p:cSld name="Section Header">
+    <p:bg>
+      <p:bgRef idx="1001">
+        <a:schemeClr val="bg1"/>
+      </p:bgRef>
+    </p:bg>
+    <p:spTree>
+      <p:nvGrpSpPr>
+        <p:cNvPr id="1" name=""/>
+        <p:cNvGrpSpPr/>
+        <p:nvPr/>
+      </p:nvGrpSpPr>
+      <p:grpSpPr>
+        <a:xfrm>
+          <a:off x="0" y="0"/>
+          <a:ext cx="0" cy="0"/>
+          <a:chOff x="0" y="0"/>
+          <a:chExt cx="0" cy="0"/>
+        </a:xfrm>
+      </p:grpSpPr>
+      <p:sp>
+        <p:nvSpPr>
+          <p:cNvPr id="7" name="Rectangle 6"/>
+          <p:cNvSpPr/>
+          <p:nvPr/>
+        </p:nvSpPr>
         <p:spPr>
           <a:xfrm>
-            <a:off x="1113524" y="685800"/>
-            <a:ext cx="7515991" cy="3048000"/>
+            <a:off x="-5132" y="2059012"/>
+            <a:ext cx="9146751" cy="1828800"/>
+          </a:xfrm>
+          <a:prstGeom prst="rect">
+            <a:avLst/>
+          </a:prstGeom>
+          <a:solidFill>
+            <a:schemeClr val="tx2"/>
+          </a:solidFill>
+          <a:ln>
+            <a:noFill/>
+          </a:ln>
+        </p:spPr>
+        <p:style>
+          <a:lnRef idx="2">
+            <a:schemeClr val="accent1">
+              <a:shade val="50000"/>
+            </a:schemeClr>
+          </a:lnRef>
+          <a:fillRef idx="1">
+            <a:schemeClr val="accent1"/>
+          </a:fillRef>
+          <a:effectRef idx="0">
+            <a:schemeClr val="accent1"/>
+          </a:effectRef>
+          <a:fontRef idx="minor">
+            <a:schemeClr val="lt1"/>
+          </a:fontRef>
+        </p:style>
+      </p:sp>
+      <p:sp>
+        <p:nvSpPr>
+          <p:cNvPr id="2" name="Title 1"/>
+          <p:cNvSpPr>
+            <a:spLocks noGrp="1"/>
+          </p:cNvSpPr>
+          <p:nvPr>
+            <p:ph type="title"/>
+          </p:nvPr>
+        </p:nvSpPr>
+        <p:spPr>
+          <a:xfrm>
+            <a:off x="624893" y="2208879"/>
+            <a:ext cx="7886700" cy="1676400"/>
           </a:xfrm>
         </p:spPr>
         <p:txBody>
           <a:bodyPr anchor="ctr">
-            <a:normAutofit/>
+            <a:noAutofit/>
           </a:bodyPr>
           <a:lstStyle>
             <a:lvl1pPr algn="ctr">
-              <a:defRPr sz="3200" b="0" cap="none"/>
+              <a:lnSpc>
+                <a:spcPct val="80000"/>
+              </a:lnSpc>
+              <a:defRPr sz="6000" b="0" spc="0" baseline="0">
+                <a:solidFill>
+                  <a:schemeClr val="bg1"/>
+                </a:solidFill>
+              </a:defRPr>
             </a:lvl1pPr>
           </a:lstStyle>
           <a:p>
@@ -1186,12 +1060,12 @@
         </p:nvSpPr>
         <p:spPr>
           <a:xfrm>
-            <a:off x="1113524" y="4343400"/>
-            <a:ext cx="7515992" cy="1447800"/>
+            <a:off x="624893" y="3984400"/>
+            <a:ext cx="7886700" cy="1174639"/>
           </a:xfrm>
         </p:spPr>
         <p:txBody>
-          <a:bodyPr anchor="ctr">
+          <a:bodyPr anchor="t">
             <a:normAutofit/>
           </a:bodyPr>
           <a:lstStyle>
@@ -1199,7 +1073,7 @@
               <a:buNone/>
               <a:defRPr sz="2000">
                 <a:solidFill>
-                  <a:schemeClr val="tx1"/>
+                  <a:schemeClr val="tx2"/>
                 </a:solidFill>
               </a:defRPr>
             </a:lvl1pPr>
@@ -1306,7 +1180,15 @@
         <p:spPr/>
         <p:txBody>
           <a:bodyPr/>
-          <a:lstStyle/>
+          <a:lstStyle>
+            <a:lvl1pPr>
+              <a:defRPr>
+                <a:solidFill>
+                  <a:schemeClr val="tx2"/>
+                </a:solidFill>
+              </a:defRPr>
+            </a:lvl1pPr>
+          </a:lstStyle>
           <a:p>
             <a:fld id="{5BCAD085-E8A6-8845-BD4E-CB4CCA059FC4}" type="datetimeFigureOut">
               <a:rPr lang="en-US" smtClean="0"/>
@@ -1329,7 +1211,15 @@
         <p:spPr/>
         <p:txBody>
           <a:bodyPr/>
-          <a:lstStyle/>
+          <a:lstStyle>
+            <a:lvl1pPr>
+              <a:defRPr>
+                <a:solidFill>
+                  <a:schemeClr val="tx2"/>
+                </a:solidFill>
+              </a:defRPr>
+            </a:lvl1pPr>
+          </a:lstStyle>
           <a:p>
             <a:endParaRPr lang="en-US"/>
           </a:p>
@@ -1348,7 +1238,15 @@
         <p:spPr/>
         <p:txBody>
           <a:bodyPr/>
-          <a:lstStyle/>
+          <a:lstStyle>
+            <a:lvl1pPr>
+              <a:defRPr>
+                <a:solidFill>
+                  <a:schemeClr val="tx2"/>
+                </a:solidFill>
+              </a:defRPr>
+            </a:lvl1pPr>
+          </a:lstStyle>
           <a:p>
             <a:fld id="{C1FF6DA9-008F-8B48-92A6-B652298478BF}" type="slidenum">
               <a:rPr lang="en-US" smtClean="0"/>
@@ -1361,2429 +1259,12 @@
     </p:spTree>
     <p:extLst>
       <p:ext uri="{BB962C8B-B14F-4D97-AF65-F5344CB8AC3E}">
-        <p14:creationId xmlns:p14="http://schemas.microsoft.com/office/powerpoint/2010/main" val="4245561157"/>
+        <p14:creationId xmlns:p14="http://schemas.microsoft.com/office/powerpoint/2010/main" val="1245120567"/>
       </p:ext>
     </p:extLst>
   </p:cSld>
   <p:clrMapOvr>
-    <a:masterClrMapping/>
-  </p:clrMapOvr>
-</p:sldLayout>
-</file>
-
-<file path=ppt/slideLayouts/slideLayout12.xml><?xml version="1.0" encoding="utf-8"?>
-<p:sldLayout xmlns:a="http://schemas.openxmlformats.org/drawingml/2006/main" xmlns:r="http://schemas.openxmlformats.org/officeDocument/2006/relationships" xmlns:p="http://schemas.openxmlformats.org/presentationml/2006/main" preserve="1">
-  <p:cSld name="Quote with Caption">
-    <p:spTree>
-      <p:nvGrpSpPr>
-        <p:cNvPr id="1" name=""/>
-        <p:cNvGrpSpPr/>
-        <p:nvPr/>
-      </p:nvGrpSpPr>
-      <p:grpSpPr>
-        <a:xfrm>
-          <a:off x="0" y="0"/>
-          <a:ext cx="0" cy="0"/>
-          <a:chOff x="0" y="0"/>
-          <a:chExt cx="0" cy="0"/>
-        </a:xfrm>
-      </p:grpSpPr>
-      <p:sp>
-        <p:nvSpPr>
-          <p:cNvPr id="14" name="TextBox 13"/>
-          <p:cNvSpPr txBox="1"/>
-          <p:nvPr/>
-        </p:nvSpPr>
-        <p:spPr>
-          <a:xfrm>
-            <a:off x="969421" y="863023"/>
-            <a:ext cx="457319" cy="584776"/>
-          </a:xfrm>
-          <a:prstGeom prst="rect">
-            <a:avLst/>
-          </a:prstGeom>
-        </p:spPr>
-        <p:txBody>
-          <a:bodyPr vert="horz" lIns="91440" tIns="45720" rIns="91440" bIns="45720" rtlCol="0" anchor="ctr">
-            <a:noAutofit/>
-          </a:bodyPr>
-          <a:lstStyle>
-            <a:lvl1pPr>
-              <a:spcBef>
-                <a:spcPct val="0"/>
-              </a:spcBef>
-              <a:buNone/>
-              <a:defRPr sz="3200" b="0" cap="all">
-                <a:ln w="3175" cmpd="sng">
-                  <a:noFill/>
-                </a:ln>
-                <a:effectLst>
-                  <a:glow rad="38100">
-                    <a:schemeClr val="bg1">
-                      <a:lumMod val="65000"/>
-                      <a:lumOff val="35000"/>
-                      <a:alpha val="40000"/>
-                    </a:schemeClr>
-                  </a:glow>
-                  <a:outerShdw blurRad="28575" dist="38100" dir="14040000" algn="tl" rotWithShape="0">
-                    <a:srgbClr val="000000">
-                      <a:alpha val="25000"/>
-                    </a:srgbClr>
-                  </a:outerShdw>
-                </a:effectLst>
-              </a:defRPr>
-            </a:lvl1pPr>
-            <a:lvl2pPr>
-              <a:defRPr>
-                <a:solidFill>
-                  <a:schemeClr val="tx2"/>
-                </a:solidFill>
-              </a:defRPr>
-            </a:lvl2pPr>
-            <a:lvl3pPr>
-              <a:defRPr>
-                <a:solidFill>
-                  <a:schemeClr val="tx2"/>
-                </a:solidFill>
-              </a:defRPr>
-            </a:lvl3pPr>
-            <a:lvl4pPr>
-              <a:defRPr>
-                <a:solidFill>
-                  <a:schemeClr val="tx2"/>
-                </a:solidFill>
-              </a:defRPr>
-            </a:lvl4pPr>
-            <a:lvl5pPr>
-              <a:defRPr>
-                <a:solidFill>
-                  <a:schemeClr val="tx2"/>
-                </a:solidFill>
-              </a:defRPr>
-            </a:lvl5pPr>
-            <a:lvl6pPr>
-              <a:defRPr>
-                <a:solidFill>
-                  <a:schemeClr val="tx2"/>
-                </a:solidFill>
-              </a:defRPr>
-            </a:lvl6pPr>
-            <a:lvl7pPr>
-              <a:defRPr>
-                <a:solidFill>
-                  <a:schemeClr val="tx2"/>
-                </a:solidFill>
-              </a:defRPr>
-            </a:lvl7pPr>
-            <a:lvl8pPr>
-              <a:defRPr>
-                <a:solidFill>
-                  <a:schemeClr val="tx2"/>
-                </a:solidFill>
-              </a:defRPr>
-            </a:lvl8pPr>
-            <a:lvl9pPr>
-              <a:defRPr>
-                <a:solidFill>
-                  <a:schemeClr val="tx2"/>
-                </a:solidFill>
-              </a:defRPr>
-            </a:lvl9pPr>
-          </a:lstStyle>
-          <a:p>
-            <a:pPr lvl="0"/>
-            <a:r>
-              <a:rPr lang="en-US" sz="8000" dirty="0">
-                <a:solidFill>
-                  <a:schemeClr val="tx1"/>
-                </a:solidFill>
-                <a:effectLst/>
-              </a:rPr>
-              <a:t>“</a:t>
-            </a:r>
-          </a:p>
-        </p:txBody>
-      </p:sp>
-      <p:sp>
-        <p:nvSpPr>
-          <p:cNvPr id="15" name="TextBox 14"/>
-          <p:cNvSpPr txBox="1"/>
-          <p:nvPr/>
-        </p:nvSpPr>
-        <p:spPr>
-          <a:xfrm>
-            <a:off x="8172197" y="2819399"/>
-            <a:ext cx="457319" cy="584776"/>
-          </a:xfrm>
-          <a:prstGeom prst="rect">
-            <a:avLst/>
-          </a:prstGeom>
-        </p:spPr>
-        <p:txBody>
-          <a:bodyPr vert="horz" lIns="91440" tIns="45720" rIns="91440" bIns="45720" rtlCol="0" anchor="ctr">
-            <a:noAutofit/>
-          </a:bodyPr>
-          <a:lstStyle>
-            <a:lvl1pPr>
-              <a:spcBef>
-                <a:spcPct val="0"/>
-              </a:spcBef>
-              <a:buNone/>
-              <a:defRPr sz="3200" b="0" cap="all">
-                <a:ln w="3175" cmpd="sng">
-                  <a:noFill/>
-                </a:ln>
-                <a:effectLst>
-                  <a:glow rad="38100">
-                    <a:schemeClr val="bg1">
-                      <a:lumMod val="65000"/>
-                      <a:lumOff val="35000"/>
-                      <a:alpha val="40000"/>
-                    </a:schemeClr>
-                  </a:glow>
-                  <a:outerShdw blurRad="28575" dist="38100" dir="14040000" algn="tl" rotWithShape="0">
-                    <a:srgbClr val="000000">
-                      <a:alpha val="25000"/>
-                    </a:srgbClr>
-                  </a:outerShdw>
-                </a:effectLst>
-              </a:defRPr>
-            </a:lvl1pPr>
-            <a:lvl2pPr>
-              <a:defRPr>
-                <a:solidFill>
-                  <a:schemeClr val="tx2"/>
-                </a:solidFill>
-              </a:defRPr>
-            </a:lvl2pPr>
-            <a:lvl3pPr>
-              <a:defRPr>
-                <a:solidFill>
-                  <a:schemeClr val="tx2"/>
-                </a:solidFill>
-              </a:defRPr>
-            </a:lvl3pPr>
-            <a:lvl4pPr>
-              <a:defRPr>
-                <a:solidFill>
-                  <a:schemeClr val="tx2"/>
-                </a:solidFill>
-              </a:defRPr>
-            </a:lvl4pPr>
-            <a:lvl5pPr>
-              <a:defRPr>
-                <a:solidFill>
-                  <a:schemeClr val="tx2"/>
-                </a:solidFill>
-              </a:defRPr>
-            </a:lvl5pPr>
-            <a:lvl6pPr>
-              <a:defRPr>
-                <a:solidFill>
-                  <a:schemeClr val="tx2"/>
-                </a:solidFill>
-              </a:defRPr>
-            </a:lvl6pPr>
-            <a:lvl7pPr>
-              <a:defRPr>
-                <a:solidFill>
-                  <a:schemeClr val="tx2"/>
-                </a:solidFill>
-              </a:defRPr>
-            </a:lvl7pPr>
-            <a:lvl8pPr>
-              <a:defRPr>
-                <a:solidFill>
-                  <a:schemeClr val="tx2"/>
-                </a:solidFill>
-              </a:defRPr>
-            </a:lvl8pPr>
-            <a:lvl9pPr>
-              <a:defRPr>
-                <a:solidFill>
-                  <a:schemeClr val="tx2"/>
-                </a:solidFill>
-              </a:defRPr>
-            </a:lvl9pPr>
-          </a:lstStyle>
-          <a:p>
-            <a:pPr lvl="0" algn="r"/>
-            <a:r>
-              <a:rPr lang="en-US" sz="8000" dirty="0">
-                <a:solidFill>
-                  <a:schemeClr val="tx1"/>
-                </a:solidFill>
-                <a:effectLst/>
-              </a:rPr>
-              <a:t>”</a:t>
-            </a:r>
-          </a:p>
-        </p:txBody>
-      </p:sp>
-      <p:sp>
-        <p:nvSpPr>
-          <p:cNvPr id="2" name="Title 1"/>
-          <p:cNvSpPr>
-            <a:spLocks noGrp="1"/>
-          </p:cNvSpPr>
-          <p:nvPr>
-            <p:ph type="title"/>
-          </p:nvPr>
-        </p:nvSpPr>
-        <p:spPr>
-          <a:xfrm>
-            <a:off x="1426741" y="685801"/>
-            <a:ext cx="6974115" cy="2743199"/>
-          </a:xfrm>
-        </p:spPr>
-        <p:txBody>
-          <a:bodyPr anchor="ctr">
-            <a:normAutofit/>
-          </a:bodyPr>
-          <a:lstStyle>
-            <a:lvl1pPr algn="ctr">
-              <a:defRPr sz="3200" b="0" cap="none">
-                <a:solidFill>
-                  <a:schemeClr val="tx1"/>
-                </a:solidFill>
-              </a:defRPr>
-            </a:lvl1pPr>
-          </a:lstStyle>
-          <a:p>
-            <a:r>
-              <a:rPr lang="en-US"/>
-              <a:t>Click to edit Master title style</a:t>
-            </a:r>
-            <a:endParaRPr lang="en-US" dirty="0"/>
-          </a:p>
-        </p:txBody>
-      </p:sp>
-      <p:sp>
-        <p:nvSpPr>
-          <p:cNvPr id="10" name="Text Placeholder 9"/>
-          <p:cNvSpPr>
-            <a:spLocks noGrp="1"/>
-          </p:cNvSpPr>
-          <p:nvPr>
-            <p:ph type="body" sz="quarter" idx="13"/>
-          </p:nvPr>
-        </p:nvSpPr>
-        <p:spPr>
-          <a:xfrm>
-            <a:off x="1598235" y="3428999"/>
-            <a:ext cx="6631128" cy="381000"/>
-          </a:xfrm>
-        </p:spPr>
-        <p:txBody>
-          <a:bodyPr anchor="ctr">
-            <a:normAutofit/>
-          </a:bodyPr>
-          <a:lstStyle>
-            <a:lvl1pPr marL="0" indent="0">
-              <a:buFontTx/>
-              <a:buNone/>
-              <a:defRPr sz="1800"/>
-            </a:lvl1pPr>
-            <a:lvl2pPr marL="457200" indent="0">
-              <a:buFontTx/>
-              <a:buNone/>
-              <a:defRPr/>
-            </a:lvl2pPr>
-            <a:lvl3pPr marL="914400" indent="0">
-              <a:buFontTx/>
-              <a:buNone/>
-              <a:defRPr/>
-            </a:lvl3pPr>
-            <a:lvl4pPr marL="1371600" indent="0">
-              <a:buFontTx/>
-              <a:buNone/>
-              <a:defRPr/>
-            </a:lvl4pPr>
-            <a:lvl5pPr marL="1828800" indent="0">
-              <a:buFontTx/>
-              <a:buNone/>
-              <a:defRPr/>
-            </a:lvl5pPr>
-          </a:lstStyle>
-          <a:p>
-            <a:pPr lvl="0"/>
-            <a:r>
-              <a:rPr lang="en-US"/>
-              <a:t>Click to edit Master text styles</a:t>
-            </a:r>
-          </a:p>
-        </p:txBody>
-      </p:sp>
-      <p:sp>
-        <p:nvSpPr>
-          <p:cNvPr id="3" name="Text Placeholder 2"/>
-          <p:cNvSpPr>
-            <a:spLocks noGrp="1"/>
-          </p:cNvSpPr>
-          <p:nvPr>
-            <p:ph type="body" idx="1"/>
-          </p:nvPr>
-        </p:nvSpPr>
-        <p:spPr>
-          <a:xfrm>
-            <a:off x="1113523" y="4343400"/>
-            <a:ext cx="7515991" cy="1447800"/>
-          </a:xfrm>
-        </p:spPr>
-        <p:txBody>
-          <a:bodyPr anchor="ctr">
-            <a:normAutofit/>
-          </a:bodyPr>
-          <a:lstStyle>
-            <a:lvl1pPr marL="0" indent="0" algn="ctr">
-              <a:buNone/>
-              <a:defRPr sz="2000">
-                <a:solidFill>
-                  <a:schemeClr val="tx1"/>
-                </a:solidFill>
-              </a:defRPr>
-            </a:lvl1pPr>
-            <a:lvl2pPr marL="457200" indent="0">
-              <a:buNone/>
-              <a:defRPr sz="1800">
-                <a:solidFill>
-                  <a:schemeClr val="tx1">
-                    <a:tint val="75000"/>
-                  </a:schemeClr>
-                </a:solidFill>
-              </a:defRPr>
-            </a:lvl2pPr>
-            <a:lvl3pPr marL="914400" indent="0">
-              <a:buNone/>
-              <a:defRPr sz="1600">
-                <a:solidFill>
-                  <a:schemeClr val="tx1">
-                    <a:tint val="75000"/>
-                  </a:schemeClr>
-                </a:solidFill>
-              </a:defRPr>
-            </a:lvl3pPr>
-            <a:lvl4pPr marL="1371600" indent="0">
-              <a:buNone/>
-              <a:defRPr sz="1400">
-                <a:solidFill>
-                  <a:schemeClr val="tx1">
-                    <a:tint val="75000"/>
-                  </a:schemeClr>
-                </a:solidFill>
-              </a:defRPr>
-            </a:lvl4pPr>
-            <a:lvl5pPr marL="1828800" indent="0">
-              <a:buNone/>
-              <a:defRPr sz="1400">
-                <a:solidFill>
-                  <a:schemeClr val="tx1">
-                    <a:tint val="75000"/>
-                  </a:schemeClr>
-                </a:solidFill>
-              </a:defRPr>
-            </a:lvl5pPr>
-            <a:lvl6pPr marL="2286000" indent="0">
-              <a:buNone/>
-              <a:defRPr sz="1400">
-                <a:solidFill>
-                  <a:schemeClr val="tx1">
-                    <a:tint val="75000"/>
-                  </a:schemeClr>
-                </a:solidFill>
-              </a:defRPr>
-            </a:lvl6pPr>
-            <a:lvl7pPr marL="2743200" indent="0">
-              <a:buNone/>
-              <a:defRPr sz="1400">
-                <a:solidFill>
-                  <a:schemeClr val="tx1">
-                    <a:tint val="75000"/>
-                  </a:schemeClr>
-                </a:solidFill>
-              </a:defRPr>
-            </a:lvl7pPr>
-            <a:lvl8pPr marL="3200400" indent="0">
-              <a:buNone/>
-              <a:defRPr sz="1400">
-                <a:solidFill>
-                  <a:schemeClr val="tx1">
-                    <a:tint val="75000"/>
-                  </a:schemeClr>
-                </a:solidFill>
-              </a:defRPr>
-            </a:lvl8pPr>
-            <a:lvl9pPr marL="3657600" indent="0">
-              <a:buNone/>
-              <a:defRPr sz="1400">
-                <a:solidFill>
-                  <a:schemeClr val="tx1">
-                    <a:tint val="75000"/>
-                  </a:schemeClr>
-                </a:solidFill>
-              </a:defRPr>
-            </a:lvl9pPr>
-          </a:lstStyle>
-          <a:p>
-            <a:pPr lvl="0"/>
-            <a:r>
-              <a:rPr lang="en-US"/>
-              <a:t>Click to edit Master text styles</a:t>
-            </a:r>
-          </a:p>
-        </p:txBody>
-      </p:sp>
-      <p:sp>
-        <p:nvSpPr>
-          <p:cNvPr id="4" name="Date Placeholder 3"/>
-          <p:cNvSpPr>
-            <a:spLocks noGrp="1"/>
-          </p:cNvSpPr>
-          <p:nvPr>
-            <p:ph type="dt" sz="half" idx="10"/>
-          </p:nvPr>
-        </p:nvSpPr>
-        <p:spPr/>
-        <p:txBody>
-          <a:bodyPr/>
-          <a:lstStyle/>
-          <a:p>
-            <a:fld id="{5BCAD085-E8A6-8845-BD4E-CB4CCA059FC4}" type="datetimeFigureOut">
-              <a:rPr lang="en-US" smtClean="0"/>
-              <a:t>2/26/2025</a:t>
-            </a:fld>
-            <a:endParaRPr lang="en-US"/>
-          </a:p>
-        </p:txBody>
-      </p:sp>
-      <p:sp>
-        <p:nvSpPr>
-          <p:cNvPr id="5" name="Footer Placeholder 4"/>
-          <p:cNvSpPr>
-            <a:spLocks noGrp="1"/>
-          </p:cNvSpPr>
-          <p:nvPr>
-            <p:ph type="ftr" sz="quarter" idx="11"/>
-          </p:nvPr>
-        </p:nvSpPr>
-        <p:spPr/>
-        <p:txBody>
-          <a:bodyPr/>
-          <a:lstStyle/>
-          <a:p>
-            <a:endParaRPr lang="en-US"/>
-          </a:p>
-        </p:txBody>
-      </p:sp>
-      <p:sp>
-        <p:nvSpPr>
-          <p:cNvPr id="6" name="Slide Number Placeholder 5"/>
-          <p:cNvSpPr>
-            <a:spLocks noGrp="1"/>
-          </p:cNvSpPr>
-          <p:nvPr>
-            <p:ph type="sldNum" sz="quarter" idx="12"/>
-          </p:nvPr>
-        </p:nvSpPr>
-        <p:spPr/>
-        <p:txBody>
-          <a:bodyPr/>
-          <a:lstStyle/>
-          <a:p>
-            <a:fld id="{C1FF6DA9-008F-8B48-92A6-B652298478BF}" type="slidenum">
-              <a:rPr lang="en-US" smtClean="0"/>
-              <a:t>‹#›</a:t>
-            </a:fld>
-            <a:endParaRPr lang="en-US"/>
-          </a:p>
-        </p:txBody>
-      </p:sp>
-    </p:spTree>
-    <p:extLst>
-      <p:ext uri="{BB962C8B-B14F-4D97-AF65-F5344CB8AC3E}">
-        <p14:creationId xmlns:p14="http://schemas.microsoft.com/office/powerpoint/2010/main" val="522958451"/>
-      </p:ext>
-    </p:extLst>
-  </p:cSld>
-  <p:clrMapOvr>
-    <a:masterClrMapping/>
-  </p:clrMapOvr>
-</p:sldLayout>
-</file>
-
-<file path=ppt/slideLayouts/slideLayout13.xml><?xml version="1.0" encoding="utf-8"?>
-<p:sldLayout xmlns:a="http://schemas.openxmlformats.org/drawingml/2006/main" xmlns:r="http://schemas.openxmlformats.org/officeDocument/2006/relationships" xmlns:p="http://schemas.openxmlformats.org/presentationml/2006/main" preserve="1">
-  <p:cSld name="Name Card">
-    <p:spTree>
-      <p:nvGrpSpPr>
-        <p:cNvPr id="1" name=""/>
-        <p:cNvGrpSpPr/>
-        <p:nvPr/>
-      </p:nvGrpSpPr>
-      <p:grpSpPr>
-        <a:xfrm>
-          <a:off x="0" y="0"/>
-          <a:ext cx="0" cy="0"/>
-          <a:chOff x="0" y="0"/>
-          <a:chExt cx="0" cy="0"/>
-        </a:xfrm>
-      </p:grpSpPr>
-      <p:sp>
-        <p:nvSpPr>
-          <p:cNvPr id="2" name="Title 1"/>
-          <p:cNvSpPr>
-            <a:spLocks noGrp="1"/>
-          </p:cNvSpPr>
-          <p:nvPr>
-            <p:ph type="title"/>
-          </p:nvPr>
-        </p:nvSpPr>
-        <p:spPr>
-          <a:xfrm>
-            <a:off x="1113525" y="3308581"/>
-            <a:ext cx="7515989" cy="1468800"/>
-          </a:xfrm>
-        </p:spPr>
-        <p:txBody>
-          <a:bodyPr anchor="b">
-            <a:normAutofit/>
-          </a:bodyPr>
-          <a:lstStyle>
-            <a:lvl1pPr algn="r">
-              <a:defRPr sz="3200" b="0" cap="none"/>
-            </a:lvl1pPr>
-          </a:lstStyle>
-          <a:p>
-            <a:r>
-              <a:rPr lang="en-US"/>
-              <a:t>Click to edit Master title style</a:t>
-            </a:r>
-            <a:endParaRPr lang="en-US" dirty="0"/>
-          </a:p>
-        </p:txBody>
-      </p:sp>
-      <p:sp>
-        <p:nvSpPr>
-          <p:cNvPr id="3" name="Text Placeholder 2"/>
-          <p:cNvSpPr>
-            <a:spLocks noGrp="1"/>
-          </p:cNvSpPr>
-          <p:nvPr>
-            <p:ph type="body" idx="1"/>
-          </p:nvPr>
-        </p:nvSpPr>
-        <p:spPr>
-          <a:xfrm>
-            <a:off x="1113524" y="4777381"/>
-            <a:ext cx="7515990" cy="860400"/>
-          </a:xfrm>
-        </p:spPr>
-        <p:txBody>
-          <a:bodyPr anchor="t">
-            <a:normAutofit/>
-          </a:bodyPr>
-          <a:lstStyle>
-            <a:lvl1pPr marL="0" indent="0" algn="r">
-              <a:buNone/>
-              <a:defRPr sz="2000">
-                <a:solidFill>
-                  <a:schemeClr val="tx1"/>
-                </a:solidFill>
-              </a:defRPr>
-            </a:lvl1pPr>
-            <a:lvl2pPr marL="457200" indent="0">
-              <a:buNone/>
-              <a:defRPr sz="1800">
-                <a:solidFill>
-                  <a:schemeClr val="tx1">
-                    <a:tint val="75000"/>
-                  </a:schemeClr>
-                </a:solidFill>
-              </a:defRPr>
-            </a:lvl2pPr>
-            <a:lvl3pPr marL="914400" indent="0">
-              <a:buNone/>
-              <a:defRPr sz="1600">
-                <a:solidFill>
-                  <a:schemeClr val="tx1">
-                    <a:tint val="75000"/>
-                  </a:schemeClr>
-                </a:solidFill>
-              </a:defRPr>
-            </a:lvl3pPr>
-            <a:lvl4pPr marL="1371600" indent="0">
-              <a:buNone/>
-              <a:defRPr sz="1400">
-                <a:solidFill>
-                  <a:schemeClr val="tx1">
-                    <a:tint val="75000"/>
-                  </a:schemeClr>
-                </a:solidFill>
-              </a:defRPr>
-            </a:lvl4pPr>
-            <a:lvl5pPr marL="1828800" indent="0">
-              <a:buNone/>
-              <a:defRPr sz="1400">
-                <a:solidFill>
-                  <a:schemeClr val="tx1">
-                    <a:tint val="75000"/>
-                  </a:schemeClr>
-                </a:solidFill>
-              </a:defRPr>
-            </a:lvl5pPr>
-            <a:lvl6pPr marL="2286000" indent="0">
-              <a:buNone/>
-              <a:defRPr sz="1400">
-                <a:solidFill>
-                  <a:schemeClr val="tx1">
-                    <a:tint val="75000"/>
-                  </a:schemeClr>
-                </a:solidFill>
-              </a:defRPr>
-            </a:lvl6pPr>
-            <a:lvl7pPr marL="2743200" indent="0">
-              <a:buNone/>
-              <a:defRPr sz="1400">
-                <a:solidFill>
-                  <a:schemeClr val="tx1">
-                    <a:tint val="75000"/>
-                  </a:schemeClr>
-                </a:solidFill>
-              </a:defRPr>
-            </a:lvl7pPr>
-            <a:lvl8pPr marL="3200400" indent="0">
-              <a:buNone/>
-              <a:defRPr sz="1400">
-                <a:solidFill>
-                  <a:schemeClr val="tx1">
-                    <a:tint val="75000"/>
-                  </a:schemeClr>
-                </a:solidFill>
-              </a:defRPr>
-            </a:lvl8pPr>
-            <a:lvl9pPr marL="3657600" indent="0">
-              <a:buNone/>
-              <a:defRPr sz="1400">
-                <a:solidFill>
-                  <a:schemeClr val="tx1">
-                    <a:tint val="75000"/>
-                  </a:schemeClr>
-                </a:solidFill>
-              </a:defRPr>
-            </a:lvl9pPr>
-          </a:lstStyle>
-          <a:p>
-            <a:pPr lvl="0"/>
-            <a:r>
-              <a:rPr lang="en-US"/>
-              <a:t>Click to edit Master text styles</a:t>
-            </a:r>
-          </a:p>
-        </p:txBody>
-      </p:sp>
-      <p:sp>
-        <p:nvSpPr>
-          <p:cNvPr id="4" name="Date Placeholder 3"/>
-          <p:cNvSpPr>
-            <a:spLocks noGrp="1"/>
-          </p:cNvSpPr>
-          <p:nvPr>
-            <p:ph type="dt" sz="half" idx="10"/>
-          </p:nvPr>
-        </p:nvSpPr>
-        <p:spPr/>
-        <p:txBody>
-          <a:bodyPr/>
-          <a:lstStyle/>
-          <a:p>
-            <a:fld id="{5BCAD085-E8A6-8845-BD4E-CB4CCA059FC4}" type="datetimeFigureOut">
-              <a:rPr lang="en-US" smtClean="0"/>
-              <a:t>2/26/2025</a:t>
-            </a:fld>
-            <a:endParaRPr lang="en-US"/>
-          </a:p>
-        </p:txBody>
-      </p:sp>
-      <p:sp>
-        <p:nvSpPr>
-          <p:cNvPr id="5" name="Footer Placeholder 4"/>
-          <p:cNvSpPr>
-            <a:spLocks noGrp="1"/>
-          </p:cNvSpPr>
-          <p:nvPr>
-            <p:ph type="ftr" sz="quarter" idx="11"/>
-          </p:nvPr>
-        </p:nvSpPr>
-        <p:spPr/>
-        <p:txBody>
-          <a:bodyPr/>
-          <a:lstStyle/>
-          <a:p>
-            <a:endParaRPr lang="en-US"/>
-          </a:p>
-        </p:txBody>
-      </p:sp>
-      <p:sp>
-        <p:nvSpPr>
-          <p:cNvPr id="6" name="Slide Number Placeholder 5"/>
-          <p:cNvSpPr>
-            <a:spLocks noGrp="1"/>
-          </p:cNvSpPr>
-          <p:nvPr>
-            <p:ph type="sldNum" sz="quarter" idx="12"/>
-          </p:nvPr>
-        </p:nvSpPr>
-        <p:spPr/>
-        <p:txBody>
-          <a:bodyPr/>
-          <a:lstStyle/>
-          <a:p>
-            <a:fld id="{C1FF6DA9-008F-8B48-92A6-B652298478BF}" type="slidenum">
-              <a:rPr lang="en-US" smtClean="0"/>
-              <a:t>‹#›</a:t>
-            </a:fld>
-            <a:endParaRPr lang="en-US"/>
-          </a:p>
-        </p:txBody>
-      </p:sp>
-    </p:spTree>
-    <p:extLst>
-      <p:ext uri="{BB962C8B-B14F-4D97-AF65-F5344CB8AC3E}">
-        <p14:creationId xmlns:p14="http://schemas.microsoft.com/office/powerpoint/2010/main" val="3742618768"/>
-      </p:ext>
-    </p:extLst>
-  </p:cSld>
-  <p:clrMapOvr>
-    <a:masterClrMapping/>
-  </p:clrMapOvr>
-</p:sldLayout>
-</file>
-
-<file path=ppt/slideLayouts/slideLayout14.xml><?xml version="1.0" encoding="utf-8"?>
-<p:sldLayout xmlns:a="http://schemas.openxmlformats.org/drawingml/2006/main" xmlns:r="http://schemas.openxmlformats.org/officeDocument/2006/relationships" xmlns:p="http://schemas.openxmlformats.org/presentationml/2006/main" preserve="1">
-  <p:cSld name="Quote Name Card">
-    <p:spTree>
-      <p:nvGrpSpPr>
-        <p:cNvPr id="1" name=""/>
-        <p:cNvGrpSpPr/>
-        <p:nvPr/>
-      </p:nvGrpSpPr>
-      <p:grpSpPr>
-        <a:xfrm>
-          <a:off x="0" y="0"/>
-          <a:ext cx="0" cy="0"/>
-          <a:chOff x="0" y="0"/>
-          <a:chExt cx="0" cy="0"/>
-        </a:xfrm>
-      </p:grpSpPr>
-      <p:sp>
-        <p:nvSpPr>
-          <p:cNvPr id="14" name="TextBox 13"/>
-          <p:cNvSpPr txBox="1"/>
-          <p:nvPr/>
-        </p:nvSpPr>
-        <p:spPr>
-          <a:xfrm>
-            <a:off x="969421" y="863023"/>
-            <a:ext cx="457319" cy="584776"/>
-          </a:xfrm>
-          <a:prstGeom prst="rect">
-            <a:avLst/>
-          </a:prstGeom>
-        </p:spPr>
-        <p:txBody>
-          <a:bodyPr vert="horz" lIns="91440" tIns="45720" rIns="91440" bIns="45720" rtlCol="0" anchor="ctr">
-            <a:noAutofit/>
-          </a:bodyPr>
-          <a:lstStyle>
-            <a:lvl1pPr>
-              <a:spcBef>
-                <a:spcPct val="0"/>
-              </a:spcBef>
-              <a:buNone/>
-              <a:defRPr sz="3200" b="0" cap="all">
-                <a:ln w="3175" cmpd="sng">
-                  <a:noFill/>
-                </a:ln>
-                <a:effectLst>
-                  <a:glow rad="38100">
-                    <a:schemeClr val="bg1">
-                      <a:lumMod val="65000"/>
-                      <a:lumOff val="35000"/>
-                      <a:alpha val="40000"/>
-                    </a:schemeClr>
-                  </a:glow>
-                  <a:outerShdw blurRad="28575" dist="38100" dir="14040000" algn="tl" rotWithShape="0">
-                    <a:srgbClr val="000000">
-                      <a:alpha val="25000"/>
-                    </a:srgbClr>
-                  </a:outerShdw>
-                </a:effectLst>
-              </a:defRPr>
-            </a:lvl1pPr>
-            <a:lvl2pPr>
-              <a:defRPr>
-                <a:solidFill>
-                  <a:schemeClr val="tx2"/>
-                </a:solidFill>
-              </a:defRPr>
-            </a:lvl2pPr>
-            <a:lvl3pPr>
-              <a:defRPr>
-                <a:solidFill>
-                  <a:schemeClr val="tx2"/>
-                </a:solidFill>
-              </a:defRPr>
-            </a:lvl3pPr>
-            <a:lvl4pPr>
-              <a:defRPr>
-                <a:solidFill>
-                  <a:schemeClr val="tx2"/>
-                </a:solidFill>
-              </a:defRPr>
-            </a:lvl4pPr>
-            <a:lvl5pPr>
-              <a:defRPr>
-                <a:solidFill>
-                  <a:schemeClr val="tx2"/>
-                </a:solidFill>
-              </a:defRPr>
-            </a:lvl5pPr>
-            <a:lvl6pPr>
-              <a:defRPr>
-                <a:solidFill>
-                  <a:schemeClr val="tx2"/>
-                </a:solidFill>
-              </a:defRPr>
-            </a:lvl6pPr>
-            <a:lvl7pPr>
-              <a:defRPr>
-                <a:solidFill>
-                  <a:schemeClr val="tx2"/>
-                </a:solidFill>
-              </a:defRPr>
-            </a:lvl7pPr>
-            <a:lvl8pPr>
-              <a:defRPr>
-                <a:solidFill>
-                  <a:schemeClr val="tx2"/>
-                </a:solidFill>
-              </a:defRPr>
-            </a:lvl8pPr>
-            <a:lvl9pPr>
-              <a:defRPr>
-                <a:solidFill>
-                  <a:schemeClr val="tx2"/>
-                </a:solidFill>
-              </a:defRPr>
-            </a:lvl9pPr>
-          </a:lstStyle>
-          <a:p>
-            <a:pPr lvl="0"/>
-            <a:r>
-              <a:rPr lang="en-US" sz="8000" dirty="0">
-                <a:solidFill>
-                  <a:schemeClr val="tx1"/>
-                </a:solidFill>
-                <a:effectLst/>
-              </a:rPr>
-              <a:t>“</a:t>
-            </a:r>
-          </a:p>
-        </p:txBody>
-      </p:sp>
-      <p:sp>
-        <p:nvSpPr>
-          <p:cNvPr id="15" name="TextBox 14"/>
-          <p:cNvSpPr txBox="1"/>
-          <p:nvPr/>
-        </p:nvSpPr>
-        <p:spPr>
-          <a:xfrm>
-            <a:off x="8172197" y="2819399"/>
-            <a:ext cx="457319" cy="584776"/>
-          </a:xfrm>
-          <a:prstGeom prst="rect">
-            <a:avLst/>
-          </a:prstGeom>
-        </p:spPr>
-        <p:txBody>
-          <a:bodyPr vert="horz" lIns="91440" tIns="45720" rIns="91440" bIns="45720" rtlCol="0" anchor="ctr">
-            <a:noAutofit/>
-          </a:bodyPr>
-          <a:lstStyle>
-            <a:lvl1pPr>
-              <a:spcBef>
-                <a:spcPct val="0"/>
-              </a:spcBef>
-              <a:buNone/>
-              <a:defRPr sz="3200" b="0" cap="all">
-                <a:ln w="3175" cmpd="sng">
-                  <a:noFill/>
-                </a:ln>
-                <a:effectLst>
-                  <a:glow rad="38100">
-                    <a:schemeClr val="bg1">
-                      <a:lumMod val="65000"/>
-                      <a:lumOff val="35000"/>
-                      <a:alpha val="40000"/>
-                    </a:schemeClr>
-                  </a:glow>
-                  <a:outerShdw blurRad="28575" dist="38100" dir="14040000" algn="tl" rotWithShape="0">
-                    <a:srgbClr val="000000">
-                      <a:alpha val="25000"/>
-                    </a:srgbClr>
-                  </a:outerShdw>
-                </a:effectLst>
-              </a:defRPr>
-            </a:lvl1pPr>
-            <a:lvl2pPr>
-              <a:defRPr>
-                <a:solidFill>
-                  <a:schemeClr val="tx2"/>
-                </a:solidFill>
-              </a:defRPr>
-            </a:lvl2pPr>
-            <a:lvl3pPr>
-              <a:defRPr>
-                <a:solidFill>
-                  <a:schemeClr val="tx2"/>
-                </a:solidFill>
-              </a:defRPr>
-            </a:lvl3pPr>
-            <a:lvl4pPr>
-              <a:defRPr>
-                <a:solidFill>
-                  <a:schemeClr val="tx2"/>
-                </a:solidFill>
-              </a:defRPr>
-            </a:lvl4pPr>
-            <a:lvl5pPr>
-              <a:defRPr>
-                <a:solidFill>
-                  <a:schemeClr val="tx2"/>
-                </a:solidFill>
-              </a:defRPr>
-            </a:lvl5pPr>
-            <a:lvl6pPr>
-              <a:defRPr>
-                <a:solidFill>
-                  <a:schemeClr val="tx2"/>
-                </a:solidFill>
-              </a:defRPr>
-            </a:lvl6pPr>
-            <a:lvl7pPr>
-              <a:defRPr>
-                <a:solidFill>
-                  <a:schemeClr val="tx2"/>
-                </a:solidFill>
-              </a:defRPr>
-            </a:lvl7pPr>
-            <a:lvl8pPr>
-              <a:defRPr>
-                <a:solidFill>
-                  <a:schemeClr val="tx2"/>
-                </a:solidFill>
-              </a:defRPr>
-            </a:lvl8pPr>
-            <a:lvl9pPr>
-              <a:defRPr>
-                <a:solidFill>
-                  <a:schemeClr val="tx2"/>
-                </a:solidFill>
-              </a:defRPr>
-            </a:lvl9pPr>
-          </a:lstStyle>
-          <a:p>
-            <a:pPr lvl="0" algn="r"/>
-            <a:r>
-              <a:rPr lang="en-US" sz="8000" dirty="0">
-                <a:solidFill>
-                  <a:schemeClr val="tx1"/>
-                </a:solidFill>
-                <a:effectLst/>
-              </a:rPr>
-              <a:t>”</a:t>
-            </a:r>
-          </a:p>
-        </p:txBody>
-      </p:sp>
-      <p:sp>
-        <p:nvSpPr>
-          <p:cNvPr id="2" name="Title 1"/>
-          <p:cNvSpPr>
-            <a:spLocks noGrp="1"/>
-          </p:cNvSpPr>
-          <p:nvPr>
-            <p:ph type="title"/>
-          </p:nvPr>
-        </p:nvSpPr>
-        <p:spPr>
-          <a:xfrm>
-            <a:off x="1426741" y="685801"/>
-            <a:ext cx="6974115" cy="2743199"/>
-          </a:xfrm>
-        </p:spPr>
-        <p:txBody>
-          <a:bodyPr anchor="ctr">
-            <a:normAutofit/>
-          </a:bodyPr>
-          <a:lstStyle>
-            <a:lvl1pPr algn="ctr">
-              <a:defRPr sz="3200" b="0" cap="none">
-                <a:solidFill>
-                  <a:schemeClr val="tx1"/>
-                </a:solidFill>
-              </a:defRPr>
-            </a:lvl1pPr>
-          </a:lstStyle>
-          <a:p>
-            <a:r>
-              <a:rPr lang="en-US"/>
-              <a:t>Click to edit Master title style</a:t>
-            </a:r>
-            <a:endParaRPr lang="en-US" dirty="0"/>
-          </a:p>
-        </p:txBody>
-      </p:sp>
-      <p:sp>
-        <p:nvSpPr>
-          <p:cNvPr id="10" name="Text Placeholder 9"/>
-          <p:cNvSpPr>
-            <a:spLocks noGrp="1"/>
-          </p:cNvSpPr>
-          <p:nvPr>
-            <p:ph type="body" sz="quarter" idx="13"/>
-          </p:nvPr>
-        </p:nvSpPr>
-        <p:spPr>
-          <a:xfrm>
-            <a:off x="1113525" y="3886200"/>
-            <a:ext cx="7515990" cy="889000"/>
-          </a:xfrm>
-        </p:spPr>
-        <p:txBody>
-          <a:bodyPr vert="horz" lIns="91440" tIns="45720" rIns="91440" bIns="45720" rtlCol="0" anchor="b">
-            <a:normAutofit/>
-          </a:bodyPr>
-          <a:lstStyle>
-            <a:lvl1pPr algn="r">
-              <a:buNone/>
-              <a:defRPr lang="en-US" sz="2400" b="0" cap="none" dirty="0">
-                <a:ln w="3175" cmpd="sng">
-                  <a:noFill/>
-                </a:ln>
-                <a:solidFill>
-                  <a:schemeClr val="tx1"/>
-                </a:solidFill>
-                <a:effectLst/>
-              </a:defRPr>
-            </a:lvl1pPr>
-          </a:lstStyle>
-          <a:p>
-            <a:pPr marL="0" lvl="0">
-              <a:spcBef>
-                <a:spcPct val="0"/>
-              </a:spcBef>
-              <a:buNone/>
-            </a:pPr>
-            <a:r>
-              <a:rPr lang="en-US"/>
-              <a:t>Click to edit Master text styles</a:t>
-            </a:r>
-          </a:p>
-        </p:txBody>
-      </p:sp>
-      <p:sp>
-        <p:nvSpPr>
-          <p:cNvPr id="3" name="Text Placeholder 2"/>
-          <p:cNvSpPr>
-            <a:spLocks noGrp="1"/>
-          </p:cNvSpPr>
-          <p:nvPr>
-            <p:ph type="body" idx="1"/>
-          </p:nvPr>
-        </p:nvSpPr>
-        <p:spPr>
-          <a:xfrm>
-            <a:off x="1113524" y="4775200"/>
-            <a:ext cx="7515990" cy="1016000"/>
-          </a:xfrm>
-        </p:spPr>
-        <p:txBody>
-          <a:bodyPr anchor="t">
-            <a:normAutofit/>
-          </a:bodyPr>
-          <a:lstStyle>
-            <a:lvl1pPr marL="0" indent="0" algn="r">
-              <a:buNone/>
-              <a:defRPr sz="1800">
-                <a:solidFill>
-                  <a:schemeClr val="tx1"/>
-                </a:solidFill>
-              </a:defRPr>
-            </a:lvl1pPr>
-            <a:lvl2pPr marL="457200" indent="0">
-              <a:buNone/>
-              <a:defRPr sz="1800">
-                <a:solidFill>
-                  <a:schemeClr val="tx1">
-                    <a:tint val="75000"/>
-                  </a:schemeClr>
-                </a:solidFill>
-              </a:defRPr>
-            </a:lvl2pPr>
-            <a:lvl3pPr marL="914400" indent="0">
-              <a:buNone/>
-              <a:defRPr sz="1600">
-                <a:solidFill>
-                  <a:schemeClr val="tx1">
-                    <a:tint val="75000"/>
-                  </a:schemeClr>
-                </a:solidFill>
-              </a:defRPr>
-            </a:lvl3pPr>
-            <a:lvl4pPr marL="1371600" indent="0">
-              <a:buNone/>
-              <a:defRPr sz="1400">
-                <a:solidFill>
-                  <a:schemeClr val="tx1">
-                    <a:tint val="75000"/>
-                  </a:schemeClr>
-                </a:solidFill>
-              </a:defRPr>
-            </a:lvl4pPr>
-            <a:lvl5pPr marL="1828800" indent="0">
-              <a:buNone/>
-              <a:defRPr sz="1400">
-                <a:solidFill>
-                  <a:schemeClr val="tx1">
-                    <a:tint val="75000"/>
-                  </a:schemeClr>
-                </a:solidFill>
-              </a:defRPr>
-            </a:lvl5pPr>
-            <a:lvl6pPr marL="2286000" indent="0">
-              <a:buNone/>
-              <a:defRPr sz="1400">
-                <a:solidFill>
-                  <a:schemeClr val="tx1">
-                    <a:tint val="75000"/>
-                  </a:schemeClr>
-                </a:solidFill>
-              </a:defRPr>
-            </a:lvl6pPr>
-            <a:lvl7pPr marL="2743200" indent="0">
-              <a:buNone/>
-              <a:defRPr sz="1400">
-                <a:solidFill>
-                  <a:schemeClr val="tx1">
-                    <a:tint val="75000"/>
-                  </a:schemeClr>
-                </a:solidFill>
-              </a:defRPr>
-            </a:lvl7pPr>
-            <a:lvl8pPr marL="3200400" indent="0">
-              <a:buNone/>
-              <a:defRPr sz="1400">
-                <a:solidFill>
-                  <a:schemeClr val="tx1">
-                    <a:tint val="75000"/>
-                  </a:schemeClr>
-                </a:solidFill>
-              </a:defRPr>
-            </a:lvl8pPr>
-            <a:lvl9pPr marL="3657600" indent="0">
-              <a:buNone/>
-              <a:defRPr sz="1400">
-                <a:solidFill>
-                  <a:schemeClr val="tx1">
-                    <a:tint val="75000"/>
-                  </a:schemeClr>
-                </a:solidFill>
-              </a:defRPr>
-            </a:lvl9pPr>
-          </a:lstStyle>
-          <a:p>
-            <a:pPr lvl="0"/>
-            <a:r>
-              <a:rPr lang="en-US"/>
-              <a:t>Click to edit Master text styles</a:t>
-            </a:r>
-          </a:p>
-        </p:txBody>
-      </p:sp>
-      <p:sp>
-        <p:nvSpPr>
-          <p:cNvPr id="4" name="Date Placeholder 3"/>
-          <p:cNvSpPr>
-            <a:spLocks noGrp="1"/>
-          </p:cNvSpPr>
-          <p:nvPr>
-            <p:ph type="dt" sz="half" idx="10"/>
-          </p:nvPr>
-        </p:nvSpPr>
-        <p:spPr/>
-        <p:txBody>
-          <a:bodyPr/>
-          <a:lstStyle/>
-          <a:p>
-            <a:fld id="{5BCAD085-E8A6-8845-BD4E-CB4CCA059FC4}" type="datetimeFigureOut">
-              <a:rPr lang="en-US" smtClean="0"/>
-              <a:t>2/26/2025</a:t>
-            </a:fld>
-            <a:endParaRPr lang="en-US"/>
-          </a:p>
-        </p:txBody>
-      </p:sp>
-      <p:sp>
-        <p:nvSpPr>
-          <p:cNvPr id="5" name="Footer Placeholder 4"/>
-          <p:cNvSpPr>
-            <a:spLocks noGrp="1"/>
-          </p:cNvSpPr>
-          <p:nvPr>
-            <p:ph type="ftr" sz="quarter" idx="11"/>
-          </p:nvPr>
-        </p:nvSpPr>
-        <p:spPr/>
-        <p:txBody>
-          <a:bodyPr/>
-          <a:lstStyle/>
-          <a:p>
-            <a:endParaRPr lang="en-US"/>
-          </a:p>
-        </p:txBody>
-      </p:sp>
-      <p:sp>
-        <p:nvSpPr>
-          <p:cNvPr id="6" name="Slide Number Placeholder 5"/>
-          <p:cNvSpPr>
-            <a:spLocks noGrp="1"/>
-          </p:cNvSpPr>
-          <p:nvPr>
-            <p:ph type="sldNum" sz="quarter" idx="12"/>
-          </p:nvPr>
-        </p:nvSpPr>
-        <p:spPr/>
-        <p:txBody>
-          <a:bodyPr/>
-          <a:lstStyle/>
-          <a:p>
-            <a:fld id="{C1FF6DA9-008F-8B48-92A6-B652298478BF}" type="slidenum">
-              <a:rPr lang="en-US" smtClean="0"/>
-              <a:t>‹#›</a:t>
-            </a:fld>
-            <a:endParaRPr lang="en-US"/>
-          </a:p>
-        </p:txBody>
-      </p:sp>
-    </p:spTree>
-    <p:extLst>
-      <p:ext uri="{BB962C8B-B14F-4D97-AF65-F5344CB8AC3E}">
-        <p14:creationId xmlns:p14="http://schemas.microsoft.com/office/powerpoint/2010/main" val="1710143446"/>
-      </p:ext>
-    </p:extLst>
-  </p:cSld>
-  <p:clrMapOvr>
-    <a:masterClrMapping/>
-  </p:clrMapOvr>
-</p:sldLayout>
-</file>
-
-<file path=ppt/slideLayouts/slideLayout15.xml><?xml version="1.0" encoding="utf-8"?>
-<p:sldLayout xmlns:a="http://schemas.openxmlformats.org/drawingml/2006/main" xmlns:r="http://schemas.openxmlformats.org/officeDocument/2006/relationships" xmlns:p="http://schemas.openxmlformats.org/presentationml/2006/main" preserve="1">
-  <p:cSld name="True or False">
-    <p:spTree>
-      <p:nvGrpSpPr>
-        <p:cNvPr id="1" name=""/>
-        <p:cNvGrpSpPr/>
-        <p:nvPr/>
-      </p:nvGrpSpPr>
-      <p:grpSpPr>
-        <a:xfrm>
-          <a:off x="0" y="0"/>
-          <a:ext cx="0" cy="0"/>
-          <a:chOff x="0" y="0"/>
-          <a:chExt cx="0" cy="0"/>
-        </a:xfrm>
-      </p:grpSpPr>
-      <p:sp>
-        <p:nvSpPr>
-          <p:cNvPr id="2" name="Title 1"/>
-          <p:cNvSpPr>
-            <a:spLocks noGrp="1"/>
-          </p:cNvSpPr>
-          <p:nvPr>
-            <p:ph type="title"/>
-          </p:nvPr>
-        </p:nvSpPr>
-        <p:spPr>
-          <a:xfrm>
-            <a:off x="1113525" y="685801"/>
-            <a:ext cx="7515991" cy="2727325"/>
-          </a:xfrm>
-        </p:spPr>
-        <p:txBody>
-          <a:bodyPr vert="horz" lIns="91440" tIns="45720" rIns="91440" bIns="45720" rtlCol="0" anchor="ctr">
-            <a:normAutofit/>
-          </a:bodyPr>
-          <a:lstStyle>
-            <a:lvl1pPr>
-              <a:defRPr lang="en-US" b="0" dirty="0"/>
-            </a:lvl1pPr>
-          </a:lstStyle>
-          <a:p>
-            <a:pPr marL="0" lvl="0"/>
-            <a:r>
-              <a:rPr lang="en-US"/>
-              <a:t>Click to edit Master title style</a:t>
-            </a:r>
-            <a:endParaRPr lang="en-US" dirty="0"/>
-          </a:p>
-        </p:txBody>
-      </p:sp>
-      <p:sp>
-        <p:nvSpPr>
-          <p:cNvPr id="10" name="Text Placeholder 9"/>
-          <p:cNvSpPr>
-            <a:spLocks noGrp="1"/>
-          </p:cNvSpPr>
-          <p:nvPr>
-            <p:ph type="body" sz="quarter" idx="13"/>
-          </p:nvPr>
-        </p:nvSpPr>
-        <p:spPr>
-          <a:xfrm>
-            <a:off x="1113524" y="3505200"/>
-            <a:ext cx="7515992" cy="838200"/>
-          </a:xfrm>
-        </p:spPr>
-        <p:txBody>
-          <a:bodyPr vert="horz" lIns="91440" tIns="45720" rIns="91440" bIns="45720" rtlCol="0" anchor="b">
-            <a:normAutofit/>
-          </a:bodyPr>
-          <a:lstStyle>
-            <a:lvl1pPr>
-              <a:buNone/>
-              <a:defRPr lang="en-US" sz="2800" b="0" cap="none" dirty="0">
-                <a:ln w="3175" cmpd="sng">
-                  <a:noFill/>
-                </a:ln>
-                <a:solidFill>
-                  <a:schemeClr val="tx1"/>
-                </a:solidFill>
-                <a:effectLst/>
-              </a:defRPr>
-            </a:lvl1pPr>
-          </a:lstStyle>
-          <a:p>
-            <a:pPr marL="0" lvl="0">
-              <a:spcBef>
-                <a:spcPct val="0"/>
-              </a:spcBef>
-              <a:buNone/>
-            </a:pPr>
-            <a:r>
-              <a:rPr lang="en-US"/>
-              <a:t>Click to edit Master text styles</a:t>
-            </a:r>
-          </a:p>
-        </p:txBody>
-      </p:sp>
-      <p:sp>
-        <p:nvSpPr>
-          <p:cNvPr id="3" name="Text Placeholder 2"/>
-          <p:cNvSpPr>
-            <a:spLocks noGrp="1"/>
-          </p:cNvSpPr>
-          <p:nvPr>
-            <p:ph type="body" idx="1"/>
-          </p:nvPr>
-        </p:nvSpPr>
-        <p:spPr>
-          <a:xfrm>
-            <a:off x="1113524" y="4343400"/>
-            <a:ext cx="7515992" cy="1447800"/>
-          </a:xfrm>
-        </p:spPr>
-        <p:txBody>
-          <a:bodyPr anchor="t">
-            <a:normAutofit/>
-          </a:bodyPr>
-          <a:lstStyle>
-            <a:lvl1pPr marL="0" indent="0" algn="l">
-              <a:buNone/>
-              <a:defRPr sz="1800">
-                <a:solidFill>
-                  <a:schemeClr val="tx1"/>
-                </a:solidFill>
-              </a:defRPr>
-            </a:lvl1pPr>
-            <a:lvl2pPr marL="457200" indent="0">
-              <a:buNone/>
-              <a:defRPr sz="1800">
-                <a:solidFill>
-                  <a:schemeClr val="tx1">
-                    <a:tint val="75000"/>
-                  </a:schemeClr>
-                </a:solidFill>
-              </a:defRPr>
-            </a:lvl2pPr>
-            <a:lvl3pPr marL="914400" indent="0">
-              <a:buNone/>
-              <a:defRPr sz="1600">
-                <a:solidFill>
-                  <a:schemeClr val="tx1">
-                    <a:tint val="75000"/>
-                  </a:schemeClr>
-                </a:solidFill>
-              </a:defRPr>
-            </a:lvl3pPr>
-            <a:lvl4pPr marL="1371600" indent="0">
-              <a:buNone/>
-              <a:defRPr sz="1400">
-                <a:solidFill>
-                  <a:schemeClr val="tx1">
-                    <a:tint val="75000"/>
-                  </a:schemeClr>
-                </a:solidFill>
-              </a:defRPr>
-            </a:lvl4pPr>
-            <a:lvl5pPr marL="1828800" indent="0">
-              <a:buNone/>
-              <a:defRPr sz="1400">
-                <a:solidFill>
-                  <a:schemeClr val="tx1">
-                    <a:tint val="75000"/>
-                  </a:schemeClr>
-                </a:solidFill>
-              </a:defRPr>
-            </a:lvl5pPr>
-            <a:lvl6pPr marL="2286000" indent="0">
-              <a:buNone/>
-              <a:defRPr sz="1400">
-                <a:solidFill>
-                  <a:schemeClr val="tx1">
-                    <a:tint val="75000"/>
-                  </a:schemeClr>
-                </a:solidFill>
-              </a:defRPr>
-            </a:lvl6pPr>
-            <a:lvl7pPr marL="2743200" indent="0">
-              <a:buNone/>
-              <a:defRPr sz="1400">
-                <a:solidFill>
-                  <a:schemeClr val="tx1">
-                    <a:tint val="75000"/>
-                  </a:schemeClr>
-                </a:solidFill>
-              </a:defRPr>
-            </a:lvl7pPr>
-            <a:lvl8pPr marL="3200400" indent="0">
-              <a:buNone/>
-              <a:defRPr sz="1400">
-                <a:solidFill>
-                  <a:schemeClr val="tx1">
-                    <a:tint val="75000"/>
-                  </a:schemeClr>
-                </a:solidFill>
-              </a:defRPr>
-            </a:lvl8pPr>
-            <a:lvl9pPr marL="3657600" indent="0">
-              <a:buNone/>
-              <a:defRPr sz="1400">
-                <a:solidFill>
-                  <a:schemeClr val="tx1">
-                    <a:tint val="75000"/>
-                  </a:schemeClr>
-                </a:solidFill>
-              </a:defRPr>
-            </a:lvl9pPr>
-          </a:lstStyle>
-          <a:p>
-            <a:pPr lvl="0"/>
-            <a:r>
-              <a:rPr lang="en-US"/>
-              <a:t>Click to edit Master text styles</a:t>
-            </a:r>
-          </a:p>
-        </p:txBody>
-      </p:sp>
-      <p:sp>
-        <p:nvSpPr>
-          <p:cNvPr id="4" name="Date Placeholder 3"/>
-          <p:cNvSpPr>
-            <a:spLocks noGrp="1"/>
-          </p:cNvSpPr>
-          <p:nvPr>
-            <p:ph type="dt" sz="half" idx="10"/>
-          </p:nvPr>
-        </p:nvSpPr>
-        <p:spPr/>
-        <p:txBody>
-          <a:bodyPr/>
-          <a:lstStyle/>
-          <a:p>
-            <a:fld id="{5BCAD085-E8A6-8845-BD4E-CB4CCA059FC4}" type="datetimeFigureOut">
-              <a:rPr lang="en-US" smtClean="0"/>
-              <a:t>2/26/2025</a:t>
-            </a:fld>
-            <a:endParaRPr lang="en-US"/>
-          </a:p>
-        </p:txBody>
-      </p:sp>
-      <p:sp>
-        <p:nvSpPr>
-          <p:cNvPr id="5" name="Footer Placeholder 4"/>
-          <p:cNvSpPr>
-            <a:spLocks noGrp="1"/>
-          </p:cNvSpPr>
-          <p:nvPr>
-            <p:ph type="ftr" sz="quarter" idx="11"/>
-          </p:nvPr>
-        </p:nvSpPr>
-        <p:spPr/>
-        <p:txBody>
-          <a:bodyPr/>
-          <a:lstStyle/>
-          <a:p>
-            <a:endParaRPr lang="en-US"/>
-          </a:p>
-        </p:txBody>
-      </p:sp>
-      <p:sp>
-        <p:nvSpPr>
-          <p:cNvPr id="6" name="Slide Number Placeholder 5"/>
-          <p:cNvSpPr>
-            <a:spLocks noGrp="1"/>
-          </p:cNvSpPr>
-          <p:nvPr>
-            <p:ph type="sldNum" sz="quarter" idx="12"/>
-          </p:nvPr>
-        </p:nvSpPr>
-        <p:spPr/>
-        <p:txBody>
-          <a:bodyPr/>
-          <a:lstStyle/>
-          <a:p>
-            <a:fld id="{C1FF6DA9-008F-8B48-92A6-B652298478BF}" type="slidenum">
-              <a:rPr lang="en-US" smtClean="0"/>
-              <a:t>‹#›</a:t>
-            </a:fld>
-            <a:endParaRPr lang="en-US"/>
-          </a:p>
-        </p:txBody>
-      </p:sp>
-    </p:spTree>
-    <p:extLst>
-      <p:ext uri="{BB962C8B-B14F-4D97-AF65-F5344CB8AC3E}">
-        <p14:creationId xmlns:p14="http://schemas.microsoft.com/office/powerpoint/2010/main" val="428709459"/>
-      </p:ext>
-    </p:extLst>
-  </p:cSld>
-  <p:clrMapOvr>
-    <a:masterClrMapping/>
-  </p:clrMapOvr>
-</p:sldLayout>
-</file>
-
-<file path=ppt/slideLayouts/slideLayout16.xml><?xml version="1.0" encoding="utf-8"?>
-<p:sldLayout xmlns:a="http://schemas.openxmlformats.org/drawingml/2006/main" xmlns:r="http://schemas.openxmlformats.org/officeDocument/2006/relationships" xmlns:p="http://schemas.openxmlformats.org/presentationml/2006/main" type="vertTx" preserve="1">
-  <p:cSld name="Title and Vertical Text">
-    <p:spTree>
-      <p:nvGrpSpPr>
-        <p:cNvPr id="1" name=""/>
-        <p:cNvGrpSpPr/>
-        <p:nvPr/>
-      </p:nvGrpSpPr>
-      <p:grpSpPr>
-        <a:xfrm>
-          <a:off x="0" y="0"/>
-          <a:ext cx="0" cy="0"/>
-          <a:chOff x="0" y="0"/>
-          <a:chExt cx="0" cy="0"/>
-        </a:xfrm>
-      </p:grpSpPr>
-      <p:sp>
-        <p:nvSpPr>
-          <p:cNvPr id="2" name="Title 1"/>
-          <p:cNvSpPr>
-            <a:spLocks noGrp="1"/>
-          </p:cNvSpPr>
-          <p:nvPr>
-            <p:ph type="title"/>
-          </p:nvPr>
-        </p:nvSpPr>
-        <p:spPr/>
-        <p:txBody>
-          <a:bodyPr/>
-          <a:lstStyle>
-            <a:lvl1pPr algn="ctr">
-              <a:defRPr/>
-            </a:lvl1pPr>
-          </a:lstStyle>
-          <a:p>
-            <a:r>
-              <a:rPr lang="en-US"/>
-              <a:t>Click to edit Master title style</a:t>
-            </a:r>
-            <a:endParaRPr lang="en-US" dirty="0"/>
-          </a:p>
-        </p:txBody>
-      </p:sp>
-      <p:sp>
-        <p:nvSpPr>
-          <p:cNvPr id="3" name="Vertical Text Placeholder 2"/>
-          <p:cNvSpPr>
-            <a:spLocks noGrp="1"/>
-          </p:cNvSpPr>
-          <p:nvPr>
-            <p:ph type="body" orient="vert" idx="1"/>
-          </p:nvPr>
-        </p:nvSpPr>
-        <p:spPr/>
-        <p:txBody>
-          <a:bodyPr vert="eaVert" anchor="t"/>
-          <a:lstStyle/>
-          <a:p>
-            <a:pPr lvl="0"/>
-            <a:r>
-              <a:rPr lang="en-US"/>
-              <a:t>Click to edit Master text styles</a:t>
-            </a:r>
-          </a:p>
-          <a:p>
-            <a:pPr lvl="1"/>
-            <a:r>
-              <a:rPr lang="en-US"/>
-              <a:t>Second level</a:t>
-            </a:r>
-          </a:p>
-          <a:p>
-            <a:pPr lvl="2"/>
-            <a:r>
-              <a:rPr lang="en-US"/>
-              <a:t>Third level</a:t>
-            </a:r>
-          </a:p>
-          <a:p>
-            <a:pPr lvl="3"/>
-            <a:r>
-              <a:rPr lang="en-US"/>
-              <a:t>Fourth level</a:t>
-            </a:r>
-          </a:p>
-          <a:p>
-            <a:pPr lvl="4"/>
-            <a:r>
-              <a:rPr lang="en-US"/>
-              <a:t>Fifth level</a:t>
-            </a:r>
-            <a:endParaRPr lang="en-US" dirty="0"/>
-          </a:p>
-        </p:txBody>
-      </p:sp>
-      <p:sp>
-        <p:nvSpPr>
-          <p:cNvPr id="4" name="Date Placeholder 3"/>
-          <p:cNvSpPr>
-            <a:spLocks noGrp="1"/>
-          </p:cNvSpPr>
-          <p:nvPr>
-            <p:ph type="dt" sz="half" idx="10"/>
-          </p:nvPr>
-        </p:nvSpPr>
-        <p:spPr/>
-        <p:txBody>
-          <a:bodyPr/>
-          <a:lstStyle/>
-          <a:p>
-            <a:fld id="{5BCAD085-E8A6-8845-BD4E-CB4CCA059FC4}" type="datetimeFigureOut">
-              <a:rPr lang="en-US" smtClean="0"/>
-              <a:t>2/26/2025</a:t>
-            </a:fld>
-            <a:endParaRPr lang="en-US"/>
-          </a:p>
-        </p:txBody>
-      </p:sp>
-      <p:sp>
-        <p:nvSpPr>
-          <p:cNvPr id="5" name="Footer Placeholder 4"/>
-          <p:cNvSpPr>
-            <a:spLocks noGrp="1"/>
-          </p:cNvSpPr>
-          <p:nvPr>
-            <p:ph type="ftr" sz="quarter" idx="11"/>
-          </p:nvPr>
-        </p:nvSpPr>
-        <p:spPr/>
-        <p:txBody>
-          <a:bodyPr/>
-          <a:lstStyle/>
-          <a:p>
-            <a:endParaRPr lang="en-US"/>
-          </a:p>
-        </p:txBody>
-      </p:sp>
-      <p:sp>
-        <p:nvSpPr>
-          <p:cNvPr id="6" name="Slide Number Placeholder 5"/>
-          <p:cNvSpPr>
-            <a:spLocks noGrp="1"/>
-          </p:cNvSpPr>
-          <p:nvPr>
-            <p:ph type="sldNum" sz="quarter" idx="12"/>
-          </p:nvPr>
-        </p:nvSpPr>
-        <p:spPr/>
-        <p:txBody>
-          <a:bodyPr/>
-          <a:lstStyle/>
-          <a:p>
-            <a:fld id="{C1FF6DA9-008F-8B48-92A6-B652298478BF}" type="slidenum">
-              <a:rPr lang="en-US" smtClean="0"/>
-              <a:t>‹#›</a:t>
-            </a:fld>
-            <a:endParaRPr lang="en-US"/>
-          </a:p>
-        </p:txBody>
-      </p:sp>
-    </p:spTree>
-    <p:extLst>
-      <p:ext uri="{BB962C8B-B14F-4D97-AF65-F5344CB8AC3E}">
-        <p14:creationId xmlns:p14="http://schemas.microsoft.com/office/powerpoint/2010/main" val="3074517143"/>
-      </p:ext>
-    </p:extLst>
-  </p:cSld>
-  <p:clrMapOvr>
-    <a:masterClrMapping/>
-  </p:clrMapOvr>
-</p:sldLayout>
-</file>
-
-<file path=ppt/slideLayouts/slideLayout17.xml><?xml version="1.0" encoding="utf-8"?>
-<p:sldLayout xmlns:a="http://schemas.openxmlformats.org/drawingml/2006/main" xmlns:r="http://schemas.openxmlformats.org/officeDocument/2006/relationships" xmlns:p="http://schemas.openxmlformats.org/presentationml/2006/main" type="vertTitleAndTx" preserve="1">
-  <p:cSld name="Vertical Title and Text">
-    <p:spTree>
-      <p:nvGrpSpPr>
-        <p:cNvPr id="1" name=""/>
-        <p:cNvGrpSpPr/>
-        <p:nvPr/>
-      </p:nvGrpSpPr>
-      <p:grpSpPr>
-        <a:xfrm>
-          <a:off x="0" y="0"/>
-          <a:ext cx="0" cy="0"/>
-          <a:chOff x="0" y="0"/>
-          <a:chExt cx="0" cy="0"/>
-        </a:xfrm>
-      </p:grpSpPr>
-      <p:sp>
-        <p:nvSpPr>
-          <p:cNvPr id="2" name="Vertical Title 1"/>
-          <p:cNvSpPr>
-            <a:spLocks noGrp="1"/>
-          </p:cNvSpPr>
-          <p:nvPr>
-            <p:ph type="title" orient="vert"/>
-          </p:nvPr>
-        </p:nvSpPr>
-        <p:spPr>
-          <a:xfrm>
-            <a:off x="7301393" y="685800"/>
-            <a:ext cx="1328123" cy="5105400"/>
-          </a:xfrm>
-        </p:spPr>
-        <p:txBody>
-          <a:bodyPr vert="eaVert"/>
-          <a:lstStyle/>
-          <a:p>
-            <a:r>
-              <a:rPr lang="en-US"/>
-              <a:t>Click to edit Master title style</a:t>
-            </a:r>
-            <a:endParaRPr lang="en-US" dirty="0"/>
-          </a:p>
-        </p:txBody>
-      </p:sp>
-      <p:sp>
-        <p:nvSpPr>
-          <p:cNvPr id="3" name="Vertical Text Placeholder 2"/>
-          <p:cNvSpPr>
-            <a:spLocks noGrp="1"/>
-          </p:cNvSpPr>
-          <p:nvPr>
-            <p:ph type="body" orient="vert" idx="1"/>
-          </p:nvPr>
-        </p:nvSpPr>
-        <p:spPr>
-          <a:xfrm>
-            <a:off x="1113524" y="685800"/>
-            <a:ext cx="6016373" cy="5105400"/>
-          </a:xfrm>
-        </p:spPr>
-        <p:txBody>
-          <a:bodyPr vert="eaVert" anchor="t"/>
-          <a:lstStyle/>
-          <a:p>
-            <a:pPr lvl="0"/>
-            <a:r>
-              <a:rPr lang="en-US"/>
-              <a:t>Click to edit Master text styles</a:t>
-            </a:r>
-          </a:p>
-          <a:p>
-            <a:pPr lvl="1"/>
-            <a:r>
-              <a:rPr lang="en-US"/>
-              <a:t>Second level</a:t>
-            </a:r>
-          </a:p>
-          <a:p>
-            <a:pPr lvl="2"/>
-            <a:r>
-              <a:rPr lang="en-US"/>
-              <a:t>Third level</a:t>
-            </a:r>
-          </a:p>
-          <a:p>
-            <a:pPr lvl="3"/>
-            <a:r>
-              <a:rPr lang="en-US"/>
-              <a:t>Fourth level</a:t>
-            </a:r>
-          </a:p>
-          <a:p>
-            <a:pPr lvl="4"/>
-            <a:r>
-              <a:rPr lang="en-US"/>
-              <a:t>Fifth level</a:t>
-            </a:r>
-            <a:endParaRPr lang="en-US" dirty="0"/>
-          </a:p>
-        </p:txBody>
-      </p:sp>
-      <p:sp>
-        <p:nvSpPr>
-          <p:cNvPr id="4" name="Date Placeholder 3"/>
-          <p:cNvSpPr>
-            <a:spLocks noGrp="1"/>
-          </p:cNvSpPr>
-          <p:nvPr>
-            <p:ph type="dt" sz="half" idx="10"/>
-          </p:nvPr>
-        </p:nvSpPr>
-        <p:spPr/>
-        <p:txBody>
-          <a:bodyPr/>
-          <a:lstStyle/>
-          <a:p>
-            <a:fld id="{5BCAD085-E8A6-8845-BD4E-CB4CCA059FC4}" type="datetimeFigureOut">
-              <a:rPr lang="en-US" smtClean="0"/>
-              <a:t>2/26/2025</a:t>
-            </a:fld>
-            <a:endParaRPr lang="en-US"/>
-          </a:p>
-        </p:txBody>
-      </p:sp>
-      <p:sp>
-        <p:nvSpPr>
-          <p:cNvPr id="5" name="Footer Placeholder 4"/>
-          <p:cNvSpPr>
-            <a:spLocks noGrp="1"/>
-          </p:cNvSpPr>
-          <p:nvPr>
-            <p:ph type="ftr" sz="quarter" idx="11"/>
-          </p:nvPr>
-        </p:nvSpPr>
-        <p:spPr/>
-        <p:txBody>
-          <a:bodyPr/>
-          <a:lstStyle/>
-          <a:p>
-            <a:endParaRPr lang="en-US"/>
-          </a:p>
-        </p:txBody>
-      </p:sp>
-      <p:sp>
-        <p:nvSpPr>
-          <p:cNvPr id="6" name="Slide Number Placeholder 5"/>
-          <p:cNvSpPr>
-            <a:spLocks noGrp="1"/>
-          </p:cNvSpPr>
-          <p:nvPr>
-            <p:ph type="sldNum" sz="quarter" idx="12"/>
-          </p:nvPr>
-        </p:nvSpPr>
-        <p:spPr/>
-        <p:txBody>
-          <a:bodyPr/>
-          <a:lstStyle/>
-          <a:p>
-            <a:fld id="{C1FF6DA9-008F-8B48-92A6-B652298478BF}" type="slidenum">
-              <a:rPr lang="en-US" smtClean="0"/>
-              <a:t>‹#›</a:t>
-            </a:fld>
-            <a:endParaRPr lang="en-US"/>
-          </a:p>
-        </p:txBody>
-      </p:sp>
-    </p:spTree>
-    <p:extLst>
-      <p:ext uri="{BB962C8B-B14F-4D97-AF65-F5344CB8AC3E}">
-        <p14:creationId xmlns:p14="http://schemas.microsoft.com/office/powerpoint/2010/main" val="1297360906"/>
-      </p:ext>
-    </p:extLst>
-  </p:cSld>
-  <p:clrMapOvr>
-    <a:masterClrMapping/>
-  </p:clrMapOvr>
-</p:sldLayout>
-</file>
-
-<file path=ppt/slideLayouts/slideLayout2.xml><?xml version="1.0" encoding="utf-8"?>
-<p:sldLayout xmlns:a="http://schemas.openxmlformats.org/drawingml/2006/main" xmlns:r="http://schemas.openxmlformats.org/officeDocument/2006/relationships" xmlns:p="http://schemas.openxmlformats.org/presentationml/2006/main" type="obj" preserve="1">
-  <p:cSld name="Title and Content">
-    <p:spTree>
-      <p:nvGrpSpPr>
-        <p:cNvPr id="1" name=""/>
-        <p:cNvGrpSpPr/>
-        <p:nvPr/>
-      </p:nvGrpSpPr>
-      <p:grpSpPr>
-        <a:xfrm>
-          <a:off x="0" y="0"/>
-          <a:ext cx="0" cy="0"/>
-          <a:chOff x="0" y="0"/>
-          <a:chExt cx="0" cy="0"/>
-        </a:xfrm>
-      </p:grpSpPr>
-      <p:sp>
-        <p:nvSpPr>
-          <p:cNvPr id="2" name="Title 1"/>
-          <p:cNvSpPr>
-            <a:spLocks noGrp="1"/>
-          </p:cNvSpPr>
-          <p:nvPr>
-            <p:ph type="title"/>
-          </p:nvPr>
-        </p:nvSpPr>
-        <p:spPr>
-          <a:xfrm>
-            <a:off x="982133" y="457201"/>
-            <a:ext cx="7704667" cy="1981200"/>
-          </a:xfrm>
-        </p:spPr>
-        <p:txBody>
-          <a:bodyPr/>
-          <a:lstStyle/>
-          <a:p>
-            <a:r>
-              <a:rPr lang="en-US"/>
-              <a:t>Click to edit Master title style</a:t>
-            </a:r>
-            <a:endParaRPr lang="en-US" dirty="0"/>
-          </a:p>
-        </p:txBody>
-      </p:sp>
-      <p:sp>
-        <p:nvSpPr>
-          <p:cNvPr id="3" name="Content Placeholder 2"/>
-          <p:cNvSpPr>
-            <a:spLocks noGrp="1"/>
-          </p:cNvSpPr>
-          <p:nvPr>
-            <p:ph idx="1"/>
-          </p:nvPr>
-        </p:nvSpPr>
-        <p:spPr>
-          <a:xfrm>
-            <a:off x="982133" y="2667000"/>
-            <a:ext cx="7704667" cy="3332816"/>
-          </a:xfrm>
-        </p:spPr>
-        <p:txBody>
-          <a:bodyPr anchor="ctr"/>
-          <a:lstStyle/>
-          <a:p>
-            <a:pPr lvl="0"/>
-            <a:r>
-              <a:rPr lang="en-US"/>
-              <a:t>Click to edit Master text styles</a:t>
-            </a:r>
-          </a:p>
-          <a:p>
-            <a:pPr lvl="1"/>
-            <a:r>
-              <a:rPr lang="en-US"/>
-              <a:t>Second level</a:t>
-            </a:r>
-          </a:p>
-          <a:p>
-            <a:pPr lvl="2"/>
-            <a:r>
-              <a:rPr lang="en-US"/>
-              <a:t>Third level</a:t>
-            </a:r>
-          </a:p>
-          <a:p>
-            <a:pPr lvl="3"/>
-            <a:r>
-              <a:rPr lang="en-US"/>
-              <a:t>Fourth level</a:t>
-            </a:r>
-          </a:p>
-          <a:p>
-            <a:pPr lvl="4"/>
-            <a:r>
-              <a:rPr lang="en-US"/>
-              <a:t>Fifth level</a:t>
-            </a:r>
-            <a:endParaRPr lang="en-US" dirty="0"/>
-          </a:p>
-        </p:txBody>
-      </p:sp>
-      <p:sp>
-        <p:nvSpPr>
-          <p:cNvPr id="4" name="Date Placeholder 3"/>
-          <p:cNvSpPr>
-            <a:spLocks noGrp="1"/>
-          </p:cNvSpPr>
-          <p:nvPr>
-            <p:ph type="dt" sz="half" idx="10"/>
-          </p:nvPr>
-        </p:nvSpPr>
-        <p:spPr>
-          <a:xfrm>
-            <a:off x="7344329" y="6108173"/>
-            <a:ext cx="857473" cy="365125"/>
-          </a:xfrm>
-        </p:spPr>
-        <p:txBody>
-          <a:bodyPr/>
-          <a:lstStyle/>
-          <a:p>
-            <a:fld id="{5BCAD085-E8A6-8845-BD4E-CB4CCA059FC4}" type="datetimeFigureOut">
-              <a:rPr lang="en-US" smtClean="0"/>
-              <a:t>2/26/2025</a:t>
-            </a:fld>
-            <a:endParaRPr lang="en-US"/>
-          </a:p>
-        </p:txBody>
-      </p:sp>
-      <p:sp>
-        <p:nvSpPr>
-          <p:cNvPr id="5" name="Footer Placeholder 4"/>
-          <p:cNvSpPr>
-            <a:spLocks noGrp="1"/>
-          </p:cNvSpPr>
-          <p:nvPr>
-            <p:ph type="ftr" sz="quarter" idx="11"/>
-          </p:nvPr>
-        </p:nvSpPr>
-        <p:spPr>
-          <a:xfrm>
-            <a:off x="1972647" y="6108173"/>
-            <a:ext cx="5314517" cy="365125"/>
-          </a:xfrm>
-        </p:spPr>
-        <p:txBody>
-          <a:bodyPr/>
-          <a:lstStyle/>
-          <a:p>
-            <a:endParaRPr lang="en-US"/>
-          </a:p>
-        </p:txBody>
-      </p:sp>
-      <p:sp>
-        <p:nvSpPr>
-          <p:cNvPr id="6" name="Slide Number Placeholder 5"/>
-          <p:cNvSpPr>
-            <a:spLocks noGrp="1"/>
-          </p:cNvSpPr>
-          <p:nvPr>
-            <p:ph type="sldNum" sz="quarter" idx="12"/>
-          </p:nvPr>
-        </p:nvSpPr>
-        <p:spPr>
-          <a:xfrm>
-            <a:off x="8258967" y="6108173"/>
-            <a:ext cx="427833" cy="365125"/>
-          </a:xfrm>
-        </p:spPr>
-        <p:txBody>
-          <a:bodyPr/>
-          <a:lstStyle/>
-          <a:p>
-            <a:fld id="{C1FF6DA9-008F-8B48-92A6-B652298478BF}" type="slidenum">
-              <a:rPr lang="en-US" smtClean="0"/>
-              <a:t>‹#›</a:t>
-            </a:fld>
-            <a:endParaRPr lang="en-US"/>
-          </a:p>
-        </p:txBody>
-      </p:sp>
-    </p:spTree>
-    <p:extLst>
-      <p:ext uri="{BB962C8B-B14F-4D97-AF65-F5344CB8AC3E}">
-        <p14:creationId xmlns:p14="http://schemas.microsoft.com/office/powerpoint/2010/main" val="29780966"/>
-      </p:ext>
-    </p:extLst>
-  </p:cSld>
-  <p:clrMapOvr>
-    <a:masterClrMapping/>
-  </p:clrMapOvr>
-</p:sldLayout>
-</file>
-
-<file path=ppt/slideLayouts/slideLayout3.xml><?xml version="1.0" encoding="utf-8"?>
-<p:sldLayout xmlns:a="http://schemas.openxmlformats.org/drawingml/2006/main" xmlns:r="http://schemas.openxmlformats.org/officeDocument/2006/relationships" xmlns:p="http://schemas.openxmlformats.org/presentationml/2006/main" type="secHead" preserve="1">
-  <p:cSld name="Section Header">
-    <p:spTree>
-      <p:nvGrpSpPr>
-        <p:cNvPr id="1" name=""/>
-        <p:cNvGrpSpPr/>
-        <p:nvPr/>
-      </p:nvGrpSpPr>
-      <p:grpSpPr>
-        <a:xfrm>
-          <a:off x="0" y="0"/>
-          <a:ext cx="0" cy="0"/>
-          <a:chOff x="0" y="0"/>
-          <a:chExt cx="0" cy="0"/>
-        </a:xfrm>
-      </p:grpSpPr>
-      <p:sp>
-        <p:nvSpPr>
-          <p:cNvPr id="2" name="Title 1"/>
-          <p:cNvSpPr>
-            <a:spLocks noGrp="1"/>
-          </p:cNvSpPr>
-          <p:nvPr>
-            <p:ph type="title"/>
-          </p:nvPr>
-        </p:nvSpPr>
-        <p:spPr>
-          <a:xfrm>
-            <a:off x="1986995" y="2666998"/>
-            <a:ext cx="6699805" cy="2360071"/>
-          </a:xfrm>
-        </p:spPr>
-        <p:txBody>
-          <a:bodyPr anchor="b"/>
-          <a:lstStyle>
-            <a:lvl1pPr algn="r">
-              <a:defRPr sz="4000" b="0" cap="none"/>
-            </a:lvl1pPr>
-          </a:lstStyle>
-          <a:p>
-            <a:r>
-              <a:rPr lang="en-US"/>
-              <a:t>Click to edit Master title style</a:t>
-            </a:r>
-            <a:endParaRPr lang="en-US" dirty="0"/>
-          </a:p>
-        </p:txBody>
-      </p:sp>
-      <p:sp>
-        <p:nvSpPr>
-          <p:cNvPr id="3" name="Text Placeholder 2"/>
-          <p:cNvSpPr>
-            <a:spLocks noGrp="1"/>
-          </p:cNvSpPr>
-          <p:nvPr>
-            <p:ph type="body" idx="1"/>
-          </p:nvPr>
-        </p:nvSpPr>
-        <p:spPr>
-          <a:xfrm>
-            <a:off x="1986998" y="5027070"/>
-            <a:ext cx="6699802" cy="860400"/>
-          </a:xfrm>
-        </p:spPr>
-        <p:txBody>
-          <a:bodyPr anchor="t">
-            <a:normAutofit/>
-          </a:bodyPr>
-          <a:lstStyle>
-            <a:lvl1pPr marL="0" indent="0" algn="r">
-              <a:buNone/>
-              <a:defRPr sz="2000">
-                <a:solidFill>
-                  <a:schemeClr val="tx1"/>
-                </a:solidFill>
-              </a:defRPr>
-            </a:lvl1pPr>
-            <a:lvl2pPr marL="457200" indent="0">
-              <a:buNone/>
-              <a:defRPr sz="1800">
-                <a:solidFill>
-                  <a:schemeClr val="tx1">
-                    <a:tint val="75000"/>
-                  </a:schemeClr>
-                </a:solidFill>
-              </a:defRPr>
-            </a:lvl2pPr>
-            <a:lvl3pPr marL="914400" indent="0">
-              <a:buNone/>
-              <a:defRPr sz="1600">
-                <a:solidFill>
-                  <a:schemeClr val="tx1">
-                    <a:tint val="75000"/>
-                  </a:schemeClr>
-                </a:solidFill>
-              </a:defRPr>
-            </a:lvl3pPr>
-            <a:lvl4pPr marL="1371600" indent="0">
-              <a:buNone/>
-              <a:defRPr sz="1400">
-                <a:solidFill>
-                  <a:schemeClr val="tx1">
-                    <a:tint val="75000"/>
-                  </a:schemeClr>
-                </a:solidFill>
-              </a:defRPr>
-            </a:lvl4pPr>
-            <a:lvl5pPr marL="1828800" indent="0">
-              <a:buNone/>
-              <a:defRPr sz="1400">
-                <a:solidFill>
-                  <a:schemeClr val="tx1">
-                    <a:tint val="75000"/>
-                  </a:schemeClr>
-                </a:solidFill>
-              </a:defRPr>
-            </a:lvl5pPr>
-            <a:lvl6pPr marL="2286000" indent="0">
-              <a:buNone/>
-              <a:defRPr sz="1400">
-                <a:solidFill>
-                  <a:schemeClr val="tx1">
-                    <a:tint val="75000"/>
-                  </a:schemeClr>
-                </a:solidFill>
-              </a:defRPr>
-            </a:lvl6pPr>
-            <a:lvl7pPr marL="2743200" indent="0">
-              <a:buNone/>
-              <a:defRPr sz="1400">
-                <a:solidFill>
-                  <a:schemeClr val="tx1">
-                    <a:tint val="75000"/>
-                  </a:schemeClr>
-                </a:solidFill>
-              </a:defRPr>
-            </a:lvl7pPr>
-            <a:lvl8pPr marL="3200400" indent="0">
-              <a:buNone/>
-              <a:defRPr sz="1400">
-                <a:solidFill>
-                  <a:schemeClr val="tx1">
-                    <a:tint val="75000"/>
-                  </a:schemeClr>
-                </a:solidFill>
-              </a:defRPr>
-            </a:lvl8pPr>
-            <a:lvl9pPr marL="3657600" indent="0">
-              <a:buNone/>
-              <a:defRPr sz="1400">
-                <a:solidFill>
-                  <a:schemeClr val="tx1">
-                    <a:tint val="75000"/>
-                  </a:schemeClr>
-                </a:solidFill>
-              </a:defRPr>
-            </a:lvl9pPr>
-          </a:lstStyle>
-          <a:p>
-            <a:pPr lvl="0"/>
-            <a:r>
-              <a:rPr lang="en-US"/>
-              <a:t>Click to edit Master text styles</a:t>
-            </a:r>
-          </a:p>
-        </p:txBody>
-      </p:sp>
-      <p:sp>
-        <p:nvSpPr>
-          <p:cNvPr id="4" name="Date Placeholder 3"/>
-          <p:cNvSpPr>
-            <a:spLocks noGrp="1"/>
-          </p:cNvSpPr>
-          <p:nvPr>
-            <p:ph type="dt" sz="half" idx="10"/>
-          </p:nvPr>
-        </p:nvSpPr>
-        <p:spPr/>
-        <p:txBody>
-          <a:bodyPr/>
-          <a:lstStyle/>
-          <a:p>
-            <a:fld id="{5BCAD085-E8A6-8845-BD4E-CB4CCA059FC4}" type="datetimeFigureOut">
-              <a:rPr lang="en-US" smtClean="0"/>
-              <a:t>2/26/2025</a:t>
-            </a:fld>
-            <a:endParaRPr lang="en-US"/>
-          </a:p>
-        </p:txBody>
-      </p:sp>
-      <p:sp>
-        <p:nvSpPr>
-          <p:cNvPr id="5" name="Footer Placeholder 4"/>
-          <p:cNvSpPr>
-            <a:spLocks noGrp="1"/>
-          </p:cNvSpPr>
-          <p:nvPr>
-            <p:ph type="ftr" sz="quarter" idx="11"/>
-          </p:nvPr>
-        </p:nvSpPr>
-        <p:spPr/>
-        <p:txBody>
-          <a:bodyPr/>
-          <a:lstStyle/>
-          <a:p>
-            <a:endParaRPr lang="en-US"/>
-          </a:p>
-        </p:txBody>
-      </p:sp>
-      <p:sp>
-        <p:nvSpPr>
-          <p:cNvPr id="6" name="Slide Number Placeholder 5"/>
-          <p:cNvSpPr>
-            <a:spLocks noGrp="1"/>
-          </p:cNvSpPr>
-          <p:nvPr>
-            <p:ph type="sldNum" sz="quarter" idx="12"/>
-          </p:nvPr>
-        </p:nvSpPr>
-        <p:spPr>
-          <a:xfrm>
-            <a:off x="8273317" y="6116070"/>
-            <a:ext cx="413483" cy="365125"/>
-          </a:xfrm>
-        </p:spPr>
-        <p:txBody>
-          <a:bodyPr/>
-          <a:lstStyle/>
-          <a:p>
-            <a:fld id="{C1FF6DA9-008F-8B48-92A6-B652298478BF}" type="slidenum">
-              <a:rPr lang="en-US" smtClean="0"/>
-              <a:t>‹#›</a:t>
-            </a:fld>
-            <a:endParaRPr lang="en-US"/>
-          </a:p>
-        </p:txBody>
-      </p:sp>
-    </p:spTree>
-    <p:extLst>
-      <p:ext uri="{BB962C8B-B14F-4D97-AF65-F5344CB8AC3E}">
-        <p14:creationId xmlns:p14="http://schemas.microsoft.com/office/powerpoint/2010/main" val="1548367538"/>
-      </p:ext>
-    </p:extLst>
-  </p:cSld>
-  <p:clrMapOvr>
-    <a:masterClrMapping/>
+    <a:overrideClrMapping bg1="lt1" tx1="dk1" bg2="lt2" tx2="dk2" accent1="accent1" accent2="accent2" accent3="accent3" accent4="accent4" accent5="accent5" accent6="accent6" hlink="hlink" folHlink="folHlink"/>
   </p:clrMapOvr>
 </p:sldLayout>
 </file>
@@ -3807,7 +1288,7 @@
       </p:grpSpPr>
       <p:sp>
         <p:nvSpPr>
-          <p:cNvPr id="2" name="Title 1"/>
+          <p:cNvPr id="8" name="Title 7"/>
           <p:cNvSpPr>
             <a:spLocks noGrp="1"/>
           </p:cNvSpPr>
@@ -3815,12 +1296,7 @@
             <p:ph type="title"/>
           </p:nvPr>
         </p:nvSpPr>
-        <p:spPr>
-          <a:xfrm>
-            <a:off x="982133" y="685801"/>
-            <a:ext cx="7704667" cy="1752599"/>
-          </a:xfrm>
-        </p:spPr>
+        <p:spPr/>
         <p:txBody>
           <a:bodyPr/>
           <a:lstStyle/>
@@ -3845,41 +1321,39 @@
         </p:nvSpPr>
         <p:spPr>
           <a:xfrm>
-            <a:off x="982133" y="2667000"/>
-            <a:ext cx="3739896" cy="3368674"/>
+            <a:off x="685797" y="2011680"/>
+            <a:ext cx="3657600" cy="4206240"/>
           </a:xfrm>
         </p:spPr>
         <p:txBody>
-          <a:bodyPr>
-            <a:normAutofit/>
-          </a:bodyPr>
+          <a:bodyPr/>
           <a:lstStyle>
             <a:lvl1pPr>
-              <a:defRPr sz="1800"/>
+              <a:defRPr sz="2200"/>
             </a:lvl1pPr>
             <a:lvl2pPr>
-              <a:defRPr sz="1600"/>
+              <a:defRPr sz="2000"/>
             </a:lvl2pPr>
             <a:lvl3pPr>
-              <a:defRPr sz="1400"/>
+              <a:defRPr sz="1800"/>
             </a:lvl3pPr>
             <a:lvl4pPr>
-              <a:defRPr sz="1200"/>
+              <a:defRPr sz="1600"/>
             </a:lvl4pPr>
             <a:lvl5pPr>
-              <a:defRPr sz="1200"/>
+              <a:defRPr sz="1600"/>
             </a:lvl5pPr>
             <a:lvl6pPr>
-              <a:defRPr sz="1200"/>
+              <a:defRPr sz="1600"/>
             </a:lvl6pPr>
             <a:lvl7pPr>
-              <a:defRPr sz="1200"/>
+              <a:defRPr sz="1600"/>
             </a:lvl7pPr>
             <a:lvl8pPr>
-              <a:defRPr sz="1200"/>
+              <a:defRPr sz="1600"/>
             </a:lvl8pPr>
             <a:lvl9pPr>
-              <a:defRPr sz="1200"/>
+              <a:defRPr sz="1600"/>
             </a:lvl9pPr>
           </a:lstStyle>
           <a:p>
@@ -3932,41 +1406,39 @@
         </p:nvSpPr>
         <p:spPr>
           <a:xfrm>
-            <a:off x="4946904" y="2667000"/>
-            <a:ext cx="3739896" cy="3346824"/>
+            <a:off x="4800600" y="2011680"/>
+            <a:ext cx="3657600" cy="4206240"/>
           </a:xfrm>
         </p:spPr>
         <p:txBody>
-          <a:bodyPr>
-            <a:normAutofit/>
-          </a:bodyPr>
+          <a:bodyPr/>
           <a:lstStyle>
             <a:lvl1pPr>
-              <a:defRPr sz="1800"/>
+              <a:defRPr sz="2200"/>
             </a:lvl1pPr>
             <a:lvl2pPr>
-              <a:defRPr sz="1600"/>
+              <a:defRPr sz="2000"/>
             </a:lvl2pPr>
             <a:lvl3pPr>
-              <a:defRPr sz="1400"/>
+              <a:defRPr sz="1800"/>
             </a:lvl3pPr>
             <a:lvl4pPr>
-              <a:defRPr sz="1200"/>
+              <a:defRPr sz="1600"/>
             </a:lvl4pPr>
             <a:lvl5pPr>
-              <a:defRPr sz="1200"/>
+              <a:defRPr sz="1600"/>
             </a:lvl5pPr>
             <a:lvl6pPr>
-              <a:defRPr sz="1200"/>
+              <a:defRPr sz="1600"/>
             </a:lvl6pPr>
             <a:lvl7pPr>
-              <a:defRPr sz="1200"/>
+              <a:defRPr sz="1600"/>
             </a:lvl7pPr>
             <a:lvl8pPr>
-              <a:defRPr sz="1200"/>
+              <a:defRPr sz="1600"/>
             </a:lvl8pPr>
             <a:lvl9pPr>
-              <a:defRPr sz="1200"/>
+              <a:defRPr sz="1600"/>
             </a:lvl9pPr>
           </a:lstStyle>
           <a:p>
@@ -4075,7 +1547,7 @@
     </p:spTree>
     <p:extLst>
       <p:ext uri="{BB962C8B-B14F-4D97-AF65-F5344CB8AC3E}">
-        <p14:creationId xmlns:p14="http://schemas.microsoft.com/office/powerpoint/2010/main" val="2501063121"/>
+        <p14:creationId xmlns:p14="http://schemas.microsoft.com/office/powerpoint/2010/main" val="1773446663"/>
       </p:ext>
     </p:extLst>
   </p:cSld>
@@ -4104,7 +1576,7 @@
       </p:grpSpPr>
       <p:sp>
         <p:nvSpPr>
-          <p:cNvPr id="2" name="Title 1"/>
+          <p:cNvPr id="10" name="Title 9"/>
           <p:cNvSpPr>
             <a:spLocks noGrp="1"/>
           </p:cNvSpPr>
@@ -4115,11 +1587,7 @@
         <p:spPr/>
         <p:txBody>
           <a:bodyPr/>
-          <a:lstStyle>
-            <a:lvl1pPr>
-              <a:defRPr/>
-            </a:lvl1pPr>
-          </a:lstStyle>
+          <a:lstStyle/>
           <a:p>
             <a:r>
               <a:rPr lang="en-US"/>
@@ -4141,24 +1609,18 @@
         </p:nvSpPr>
         <p:spPr>
           <a:xfrm>
-            <a:off x="1329481" y="2658533"/>
-            <a:ext cx="3456291" cy="576262"/>
+            <a:off x="685800" y="1913470"/>
+            <a:ext cx="3657600" cy="743094"/>
           </a:xfrm>
         </p:spPr>
         <p:txBody>
-          <a:bodyPr anchor="b">
-            <a:noAutofit/>
+          <a:bodyPr anchor="ctr">
+            <a:normAutofit/>
           </a:bodyPr>
           <a:lstStyle>
             <a:lvl1pPr marL="0" indent="0">
               <a:buNone/>
-              <a:defRPr sz="2800" b="0">
-                <a:solidFill>
-                  <a:schemeClr val="accent1">
-                    <a:lumMod val="75000"/>
-                  </a:schemeClr>
-                </a:solidFill>
-              </a:defRPr>
+              <a:defRPr sz="2000" b="1"/>
             </a:lvl1pPr>
             <a:lvl2pPr marL="457200" indent="0">
               <a:buNone/>
@@ -4214,41 +1676,39 @@
         </p:nvSpPr>
         <p:spPr>
           <a:xfrm>
-            <a:off x="1113523" y="3335336"/>
-            <a:ext cx="3672248" cy="2665259"/>
+            <a:off x="685800" y="2656566"/>
+            <a:ext cx="3657600" cy="3566160"/>
           </a:xfrm>
         </p:spPr>
         <p:txBody>
-          <a:bodyPr anchor="t">
-            <a:normAutofit/>
-          </a:bodyPr>
+          <a:bodyPr/>
           <a:lstStyle>
             <a:lvl1pPr>
-              <a:defRPr sz="1800"/>
+              <a:defRPr sz="2200"/>
             </a:lvl1pPr>
             <a:lvl2pPr>
-              <a:defRPr sz="1600"/>
+              <a:defRPr sz="2000"/>
             </a:lvl2pPr>
             <a:lvl3pPr>
-              <a:defRPr sz="1400"/>
+              <a:defRPr sz="1800"/>
             </a:lvl3pPr>
             <a:lvl4pPr>
-              <a:defRPr sz="1200"/>
+              <a:defRPr sz="1600"/>
             </a:lvl4pPr>
             <a:lvl5pPr>
-              <a:defRPr sz="1200"/>
+              <a:defRPr sz="1600"/>
             </a:lvl5pPr>
             <a:lvl6pPr>
-              <a:defRPr sz="1200"/>
+              <a:defRPr sz="1600"/>
             </a:lvl6pPr>
             <a:lvl7pPr>
-              <a:defRPr sz="1200"/>
+              <a:defRPr sz="1600"/>
             </a:lvl7pPr>
             <a:lvl8pPr>
-              <a:defRPr sz="1200"/>
+              <a:defRPr sz="1600"/>
             </a:lvl8pPr>
             <a:lvl9pPr>
-              <a:defRPr sz="1200"/>
+              <a:defRPr sz="1600"/>
             </a:lvl9pPr>
           </a:lstStyle>
           <a:p>
@@ -4301,24 +1761,18 @@
         </p:nvSpPr>
         <p:spPr>
           <a:xfrm>
-            <a:off x="5161710" y="2667000"/>
-            <a:ext cx="3467806" cy="576262"/>
+            <a:off x="4800428" y="1913470"/>
+            <a:ext cx="3657600" cy="743094"/>
           </a:xfrm>
         </p:spPr>
         <p:txBody>
-          <a:bodyPr anchor="b">
-            <a:noAutofit/>
+          <a:bodyPr anchor="ctr">
+            <a:normAutofit/>
           </a:bodyPr>
           <a:lstStyle>
             <a:lvl1pPr marL="0" indent="0">
               <a:buNone/>
-              <a:defRPr sz="2800" b="0">
-                <a:solidFill>
-                  <a:schemeClr val="accent1">
-                    <a:lumMod val="75000"/>
-                  </a:schemeClr>
-                </a:solidFill>
-              </a:defRPr>
+              <a:defRPr sz="2000" b="1"/>
             </a:lvl1pPr>
             <a:lvl2pPr marL="457200" indent="0">
               <a:buNone/>
@@ -4374,41 +1828,39 @@
         </p:nvSpPr>
         <p:spPr>
           <a:xfrm>
-            <a:off x="4957266" y="3335336"/>
-            <a:ext cx="3672248" cy="2665259"/>
+            <a:off x="4800428" y="2656564"/>
+            <a:ext cx="3657600" cy="3566160"/>
           </a:xfrm>
         </p:spPr>
         <p:txBody>
-          <a:bodyPr anchor="t">
-            <a:normAutofit/>
-          </a:bodyPr>
+          <a:bodyPr/>
           <a:lstStyle>
             <a:lvl1pPr>
-              <a:defRPr sz="1800"/>
+              <a:defRPr sz="2200"/>
             </a:lvl1pPr>
             <a:lvl2pPr>
-              <a:defRPr sz="1600"/>
+              <a:defRPr sz="2000"/>
             </a:lvl2pPr>
             <a:lvl3pPr>
-              <a:defRPr sz="1400"/>
+              <a:defRPr sz="1800"/>
             </a:lvl3pPr>
             <a:lvl4pPr>
-              <a:defRPr sz="1200"/>
+              <a:defRPr sz="1600"/>
             </a:lvl4pPr>
             <a:lvl5pPr>
-              <a:defRPr sz="1200"/>
+              <a:defRPr sz="1600"/>
             </a:lvl5pPr>
             <a:lvl6pPr>
-              <a:defRPr sz="1200"/>
+              <a:defRPr sz="1600"/>
             </a:lvl6pPr>
             <a:lvl7pPr>
-              <a:defRPr sz="1200"/>
+              <a:defRPr sz="1600"/>
             </a:lvl7pPr>
             <a:lvl8pPr>
-              <a:defRPr sz="1200"/>
+              <a:defRPr sz="1600"/>
             </a:lvl8pPr>
             <a:lvl9pPr>
-              <a:defRPr sz="1200"/>
+              <a:defRPr sz="1600"/>
             </a:lvl9pPr>
           </a:lstStyle>
           <a:p>
@@ -4517,7 +1969,7 @@
     </p:spTree>
     <p:extLst>
       <p:ext uri="{BB962C8B-B14F-4D97-AF65-F5344CB8AC3E}">
-        <p14:creationId xmlns:p14="http://schemas.microsoft.com/office/powerpoint/2010/main" val="1625779655"/>
+        <p14:creationId xmlns:p14="http://schemas.microsoft.com/office/powerpoint/2010/main" val="689164444"/>
       </p:ext>
     </p:extLst>
   </p:cSld>
@@ -4635,7 +2087,7 @@
     </p:spTree>
     <p:extLst>
       <p:ext uri="{BB962C8B-B14F-4D97-AF65-F5344CB8AC3E}">
-        <p14:creationId xmlns:p14="http://schemas.microsoft.com/office/powerpoint/2010/main" val="721047372"/>
+        <p14:creationId xmlns:p14="http://schemas.microsoft.com/office/powerpoint/2010/main" val="2697444095"/>
       </p:ext>
     </p:extLst>
   </p:cSld>
@@ -4646,7 +2098,7 @@
 </file>
 
 <file path=ppt/slideLayouts/slideLayout7.xml><?xml version="1.0" encoding="utf-8"?>
-<p:sldLayout xmlns:a="http://schemas.openxmlformats.org/drawingml/2006/main" xmlns:r="http://schemas.openxmlformats.org/officeDocument/2006/relationships" xmlns:p="http://schemas.openxmlformats.org/presentationml/2006/main" type="blank" preserve="1">
+<p:sldLayout xmlns:a="http://schemas.openxmlformats.org/drawingml/2006/main" xmlns:r="http://schemas.openxmlformats.org/officeDocument/2006/relationships" xmlns:p="http://schemas.openxmlformats.org/presentationml/2006/main" showMasterSp="0" type="blank" preserve="1">
   <p:cSld name="Blank">
     <p:spTree>
       <p:nvGrpSpPr>
@@ -4730,7 +2182,7 @@
     </p:spTree>
     <p:extLst>
       <p:ext uri="{BB962C8B-B14F-4D97-AF65-F5344CB8AC3E}">
-        <p14:creationId xmlns:p14="http://schemas.microsoft.com/office/powerpoint/2010/main" val="1311741075"/>
+        <p14:creationId xmlns:p14="http://schemas.microsoft.com/office/powerpoint/2010/main" val="3018502237"/>
       </p:ext>
     </p:extLst>
   </p:cSld>
@@ -4759,7 +2211,7 @@
       </p:grpSpPr>
       <p:sp>
         <p:nvSpPr>
-          <p:cNvPr id="2" name="Title 1"/>
+          <p:cNvPr id="8" name="Title 7"/>
           <p:cNvSpPr>
             <a:spLocks noGrp="1"/>
           </p:cNvSpPr>
@@ -4767,21 +2219,10 @@
             <p:ph type="title"/>
           </p:nvPr>
         </p:nvSpPr>
-        <p:spPr>
-          <a:xfrm>
-            <a:off x="1113524" y="1600200"/>
-            <a:ext cx="2662534" cy="1371600"/>
-          </a:xfrm>
-        </p:spPr>
+        <p:spPr/>
         <p:txBody>
-          <a:bodyPr anchor="b">
-            <a:normAutofit/>
-          </a:bodyPr>
-          <a:lstStyle>
-            <a:lvl1pPr algn="ctr">
-              <a:defRPr sz="2400" b="0"/>
-            </a:lvl1pPr>
-          </a:lstStyle>
+          <a:bodyPr/>
+          <a:lstStyle/>
           <a:p>
             <a:r>
               <a:rPr lang="en-US"/>
@@ -4803,41 +2244,39 @@
         </p:nvSpPr>
         <p:spPr>
           <a:xfrm>
-            <a:off x="3947553" y="685800"/>
-            <a:ext cx="4681962" cy="5105401"/>
+            <a:off x="685800" y="2148840"/>
+            <a:ext cx="4572000" cy="3840480"/>
           </a:xfrm>
         </p:spPr>
         <p:txBody>
-          <a:bodyPr anchor="ctr">
-            <a:normAutofit/>
-          </a:bodyPr>
+          <a:bodyPr/>
           <a:lstStyle>
             <a:lvl1pPr>
-              <a:defRPr sz="2000"/>
+              <a:defRPr sz="2200"/>
             </a:lvl1pPr>
             <a:lvl2pPr>
-              <a:defRPr sz="1800"/>
+              <a:defRPr sz="2000"/>
             </a:lvl2pPr>
             <a:lvl3pPr>
-              <a:defRPr sz="1600"/>
+              <a:defRPr sz="1800"/>
             </a:lvl3pPr>
             <a:lvl4pPr>
-              <a:defRPr sz="1400"/>
+              <a:defRPr sz="1600"/>
             </a:lvl4pPr>
             <a:lvl5pPr>
-              <a:defRPr sz="1400"/>
+              <a:defRPr sz="1600"/>
             </a:lvl5pPr>
             <a:lvl6pPr>
-              <a:defRPr sz="1400"/>
+              <a:defRPr sz="1600"/>
             </a:lvl6pPr>
             <a:lvl7pPr>
-              <a:defRPr sz="1400"/>
+              <a:defRPr sz="1600"/>
             </a:lvl7pPr>
             <a:lvl8pPr>
-              <a:defRPr sz="1400"/>
+              <a:defRPr sz="1600"/>
             </a:lvl8pPr>
             <a:lvl9pPr>
-              <a:defRPr sz="1400"/>
+              <a:defRPr sz="1600"/>
             </a:lvl9pPr>
           </a:lstStyle>
           <a:p>
@@ -4890,8 +2329,8 @@
         </p:nvSpPr>
         <p:spPr>
           <a:xfrm>
-            <a:off x="1113524" y="2971800"/>
-            <a:ext cx="2662534" cy="1828800"/>
+            <a:off x="5892568" y="2147487"/>
+            <a:ext cx="2560320" cy="3432319"/>
           </a:xfrm>
         </p:spPr>
         <p:txBody>
@@ -4899,9 +2338,12 @@
             <a:normAutofit/>
           </a:bodyPr>
           <a:lstStyle>
-            <a:lvl1pPr marL="0" indent="0" algn="ctr">
+            <a:lvl1pPr marL="0" indent="0">
+              <a:lnSpc>
+                <a:spcPct val="95000"/>
+              </a:lnSpc>
               <a:buNone/>
-              <a:defRPr sz="1600"/>
+              <a:defRPr sz="1700"/>
             </a:lvl1pPr>
             <a:lvl2pPr marL="457200" indent="0">
               <a:buNone/>
@@ -5013,7 +2455,7 @@
     </p:spTree>
     <p:extLst>
       <p:ext uri="{BB962C8B-B14F-4D97-AF65-F5344CB8AC3E}">
-        <p14:creationId xmlns:p14="http://schemas.microsoft.com/office/powerpoint/2010/main" val="1526954665"/>
+        <p14:creationId xmlns:p14="http://schemas.microsoft.com/office/powerpoint/2010/main" val="1275601810"/>
       </p:ext>
     </p:extLst>
   </p:cSld>
@@ -5042,7 +2484,7 @@
       </p:grpSpPr>
       <p:sp>
         <p:nvSpPr>
-          <p:cNvPr id="2" name="Title 1"/>
+          <p:cNvPr id="8" name="Title 7"/>
           <p:cNvSpPr>
             <a:spLocks noGrp="1"/>
           </p:cNvSpPr>
@@ -5050,21 +2492,10 @@
             <p:ph type="title"/>
           </p:nvPr>
         </p:nvSpPr>
-        <p:spPr>
-          <a:xfrm>
-            <a:off x="1112332" y="1752599"/>
-            <a:ext cx="4070679" cy="1371600"/>
-          </a:xfrm>
-        </p:spPr>
+        <p:spPr/>
         <p:txBody>
-          <a:bodyPr anchor="b">
-            <a:normAutofit/>
-          </a:bodyPr>
-          <a:lstStyle>
-            <a:lvl1pPr algn="ctr">
-              <a:defRPr sz="2800" b="0"/>
-            </a:lvl1pPr>
-          </a:lstStyle>
+          <a:bodyPr/>
+          <a:lstStyle/>
           <a:p>
             <a:r>
               <a:rPr lang="en-US"/>
@@ -5076,7 +2507,7 @@
       </p:sp>
       <p:sp>
         <p:nvSpPr>
-          <p:cNvPr id="14" name="Picture Placeholder 2"/>
+          <p:cNvPr id="3" name="Picture Placeholder 2"/>
           <p:cNvSpPr>
             <a:spLocks noGrp="1" noChangeAspect="1"/>
           </p:cNvSpPr>
@@ -5086,78 +2517,60 @@
         </p:nvSpPr>
         <p:spPr>
           <a:xfrm>
-            <a:off x="5697495" y="914400"/>
-            <a:ext cx="2461371" cy="4572000"/>
+            <a:off x="685800" y="2211494"/>
+            <a:ext cx="4754880" cy="3840480"/>
           </a:xfrm>
-          <a:prstGeom prst="roundRect">
-            <a:avLst>
-              <a:gd name="adj" fmla="val 4280"/>
-            </a:avLst>
-          </a:prstGeom>
-          <a:ln w="38100">
-            <a:gradFill flip="none" rotWithShape="1">
-              <a:gsLst>
-                <a:gs pos="0">
-                  <a:schemeClr val="bg2"/>
-                </a:gs>
-                <a:gs pos="100000">
-                  <a:schemeClr val="bg2">
-                    <a:lumMod val="75000"/>
-                  </a:schemeClr>
-                </a:gs>
-              </a:gsLst>
-              <a:lin ang="5400000" scaled="0"/>
-              <a:tileRect/>
-            </a:gradFill>
-          </a:ln>
-          <a:effectLst>
-            <a:innerShdw blurRad="57150" dist="38100" dir="14460000">
-              <a:srgbClr val="000000">
-                <a:alpha val="70000"/>
-              </a:srgbClr>
-            </a:innerShdw>
-          </a:effectLst>
+          <a:solidFill>
+            <a:schemeClr val="tx2">
+              <a:lumMod val="60000"/>
+              <a:lumOff val="40000"/>
+            </a:schemeClr>
+          </a:solidFill>
         </p:spPr>
         <p:txBody>
-          <a:bodyPr anchor="t">
-            <a:normAutofit/>
-          </a:bodyPr>
+          <a:bodyPr tIns="365760" anchor="t"/>
           <a:lstStyle>
             <a:lvl1pPr marL="0" indent="0" algn="ctr">
               <a:buNone/>
-              <a:defRPr sz="1600"/>
+              <a:defRPr sz="3200">
+                <a:solidFill>
+                  <a:schemeClr val="tx1">
+                    <a:lumMod val="50000"/>
+                  </a:schemeClr>
+                </a:solidFill>
+              </a:defRPr>
             </a:lvl1pPr>
             <a:lvl2pPr marL="457200" indent="0">
               <a:buNone/>
-              <a:defRPr sz="1600"/>
+              <a:defRPr sz="2800"/>
             </a:lvl2pPr>
             <a:lvl3pPr marL="914400" indent="0">
               <a:buNone/>
-              <a:defRPr sz="1600"/>
+              <a:defRPr sz="2400"/>
             </a:lvl3pPr>
             <a:lvl4pPr marL="1371600" indent="0">
               <a:buNone/>
-              <a:defRPr sz="1600"/>
+              <a:defRPr sz="2000"/>
             </a:lvl4pPr>
             <a:lvl5pPr marL="1828800" indent="0">
               <a:buNone/>
-              <a:defRPr sz="1600"/>
+              <a:defRPr sz="2000"/>
             </a:lvl5pPr>
             <a:lvl6pPr marL="2286000" indent="0">
               <a:buNone/>
-              <a:defRPr sz="1600"/>
+              <a:defRPr sz="2000"/>
             </a:lvl6pPr>
             <a:lvl7pPr marL="2743200" indent="0">
               <a:buNone/>
-              <a:defRPr sz="1600"/>
+              <a:defRPr sz="2000"/>
             </a:lvl7pPr>
             <a:lvl8pPr marL="3200400" indent="0">
               <a:buNone/>
-              <a:defRPr sz="1600"/>
+              <a:defRPr sz="2000"/>
             </a:lvl8pPr>
             <a:lvl9pPr marL="3657600" indent="0">
               <a:buNone/>
-              <a:defRPr sz="1600"/>
+              <a:defRPr sz="2000"/>
             </a:lvl9pPr>
           </a:lstStyle>
           <a:p>
@@ -5181,8 +2594,8 @@
         </p:nvSpPr>
         <p:spPr>
           <a:xfrm>
-            <a:off x="1112332" y="3124199"/>
-            <a:ext cx="4070679" cy="1828800"/>
+            <a:off x="5885351" y="2150621"/>
+            <a:ext cx="2560320" cy="3429000"/>
           </a:xfrm>
         </p:spPr>
         <p:txBody>
@@ -5190,9 +2603,12 @@
             <a:normAutofit/>
           </a:bodyPr>
           <a:lstStyle>
-            <a:lvl1pPr marL="0" indent="0" algn="ctr">
+            <a:lvl1pPr marL="0" indent="0">
+              <a:lnSpc>
+                <a:spcPct val="95000"/>
+              </a:lnSpc>
               <a:buNone/>
-              <a:defRPr sz="1800"/>
+              <a:defRPr sz="1700"/>
             </a:lvl1pPr>
             <a:lvl2pPr marL="457200" indent="0">
               <a:buNone/>
@@ -5304,7 +2720,7 @@
     </p:spTree>
     <p:extLst>
       <p:ext uri="{BB962C8B-B14F-4D97-AF65-F5344CB8AC3E}">
-        <p14:creationId xmlns:p14="http://schemas.microsoft.com/office/powerpoint/2010/main" val="3491166245"/>
+        <p14:creationId xmlns:p14="http://schemas.microsoft.com/office/powerpoint/2010/main" val="3712996056"/>
       </p:ext>
     </p:extLst>
   </p:cSld>
@@ -5318,7 +2734,7 @@
 <p:sldMaster xmlns:a="http://schemas.openxmlformats.org/drawingml/2006/main" xmlns:r="http://schemas.openxmlformats.org/officeDocument/2006/relationships" xmlns:p="http://schemas.openxmlformats.org/presentationml/2006/main">
   <p:cSld>
     <p:bg>
-      <p:bgRef idx="1003">
+      <p:bgRef idx="1001">
         <a:schemeClr val="bg2"/>
       </p:bgRef>
     </p:bg>
@@ -5336,316 +2752,44 @@
           <a:chExt cx="0" cy="0"/>
         </a:xfrm>
       </p:grpSpPr>
-      <p:grpSp>
-        <p:nvGrpSpPr>
-          <p:cNvPr id="14" name="Group 13"/>
-          <p:cNvGrpSpPr/>
+      <p:sp>
+        <p:nvSpPr>
+          <p:cNvPr id="7" name="Rectangle 6"/>
+          <p:cNvSpPr/>
           <p:nvPr/>
-        </p:nvGrpSpPr>
-        <p:grpSpPr>
+        </p:nvSpPr>
+        <p:spPr>
           <a:xfrm>
-            <a:off x="0" y="0"/>
-            <a:ext cx="2132013" cy="6858001"/>
-            <a:chOff x="0" y="0"/>
-            <a:chExt cx="2132013" cy="6858001"/>
+            <a:off x="362" y="176109"/>
+            <a:ext cx="9141714" cy="1645919"/>
           </a:xfrm>
-        </p:grpSpPr>
-        <p:sp>
-          <p:nvSpPr>
-            <p:cNvPr id="15" name="Freeform 6"/>
-            <p:cNvSpPr/>
-            <p:nvPr/>
-          </p:nvSpPr>
-          <p:spPr bwMode="auto">
-            <a:xfrm>
-              <a:off x="0" y="0"/>
-              <a:ext cx="1073150" cy="5291138"/>
-            </a:xfrm>
-            <a:custGeom>
-              <a:avLst/>
-              <a:gdLst/>
-              <a:ahLst/>
-              <a:cxnLst/>
-              <a:rect l="0" t="0" r="r" b="b"/>
-              <a:pathLst>
-                <a:path w="676" h="3333">
-                  <a:moveTo>
-                    <a:pt x="0" y="3132"/>
-                  </a:moveTo>
-                  <a:lnTo>
-                    <a:pt x="0" y="3312"/>
-                  </a:lnTo>
-                  <a:lnTo>
-                    <a:pt x="126" y="3333"/>
-                  </a:lnTo>
-                  <a:lnTo>
-                    <a:pt x="676" y="0"/>
-                  </a:lnTo>
-                  <a:lnTo>
-                    <a:pt x="514" y="0"/>
-                  </a:lnTo>
-                  <a:lnTo>
-                    <a:pt x="0" y="3132"/>
-                  </a:lnTo>
-                  <a:close/>
-                </a:path>
-              </a:pathLst>
-            </a:custGeom>
-            <a:solidFill>
-              <a:schemeClr val="accent1"/>
-            </a:solidFill>
-            <a:ln>
-              <a:noFill/>
-            </a:ln>
-          </p:spPr>
-        </p:sp>
-        <p:sp>
-          <p:nvSpPr>
-            <p:cNvPr id="16" name="Freeform 7"/>
-            <p:cNvSpPr/>
-            <p:nvPr/>
-          </p:nvSpPr>
-          <p:spPr bwMode="auto">
-            <a:xfrm>
-              <a:off x="0" y="0"/>
-              <a:ext cx="758825" cy="4624388"/>
-            </a:xfrm>
-            <a:custGeom>
-              <a:avLst/>
-              <a:gdLst/>
-              <a:ahLst/>
-              <a:cxnLst/>
-              <a:rect l="0" t="0" r="r" b="b"/>
-              <a:pathLst>
-                <a:path w="478" h="2913">
-                  <a:moveTo>
-                    <a:pt x="478" y="0"/>
-                  </a:moveTo>
-                  <a:lnTo>
-                    <a:pt x="318" y="0"/>
-                  </a:lnTo>
-                  <a:lnTo>
-                    <a:pt x="0" y="1938"/>
-                  </a:lnTo>
-                  <a:lnTo>
-                    <a:pt x="0" y="2913"/>
-                  </a:lnTo>
-                  <a:lnTo>
-                    <a:pt x="478" y="0"/>
-                  </a:lnTo>
-                  <a:close/>
-                </a:path>
-              </a:pathLst>
-            </a:custGeom>
-            <a:solidFill>
-              <a:schemeClr val="tx1">
-                <a:lumMod val="65000"/>
-                <a:lumOff val="35000"/>
-              </a:schemeClr>
-            </a:solidFill>
-            <a:ln>
-              <a:noFill/>
-            </a:ln>
-          </p:spPr>
-        </p:sp>
-        <p:sp>
-          <p:nvSpPr>
-            <p:cNvPr id="17" name="Freeform 8"/>
-            <p:cNvSpPr/>
-            <p:nvPr/>
-          </p:nvSpPr>
-          <p:spPr bwMode="auto">
-            <a:xfrm>
-              <a:off x="0" y="5662613"/>
-              <a:ext cx="906463" cy="1195388"/>
-            </a:xfrm>
-            <a:custGeom>
-              <a:avLst/>
-              <a:gdLst/>
-              <a:ahLst/>
-              <a:cxnLst/>
-              <a:rect l="0" t="0" r="r" b="b"/>
-              <a:pathLst>
-                <a:path w="571" h="753">
-                  <a:moveTo>
-                    <a:pt x="0" y="0"/>
-                  </a:moveTo>
-                  <a:lnTo>
-                    <a:pt x="0" y="12"/>
-                  </a:lnTo>
-                  <a:lnTo>
-                    <a:pt x="538" y="753"/>
-                  </a:lnTo>
-                  <a:lnTo>
-                    <a:pt x="571" y="753"/>
-                  </a:lnTo>
-                  <a:lnTo>
-                    <a:pt x="0" y="0"/>
-                  </a:lnTo>
-                  <a:close/>
-                </a:path>
-              </a:pathLst>
-            </a:custGeom>
-            <a:solidFill>
-              <a:schemeClr val="tx1">
-                <a:lumMod val="85000"/>
-                <a:lumOff val="15000"/>
-              </a:schemeClr>
-            </a:solidFill>
-            <a:ln>
-              <a:noFill/>
-            </a:ln>
-          </p:spPr>
-        </p:sp>
-        <p:sp>
-          <p:nvSpPr>
-            <p:cNvPr id="18" name="Freeform 9"/>
-            <p:cNvSpPr/>
-            <p:nvPr/>
-          </p:nvSpPr>
-          <p:spPr bwMode="auto">
-            <a:xfrm>
-              <a:off x="0" y="5295900"/>
-              <a:ext cx="1487488" cy="1562100"/>
-            </a:xfrm>
-            <a:custGeom>
-              <a:avLst/>
-              <a:gdLst/>
-              <a:ahLst/>
-              <a:cxnLst/>
-              <a:rect l="0" t="0" r="r" b="b"/>
-              <a:pathLst>
-                <a:path w="937" h="984">
-                  <a:moveTo>
-                    <a:pt x="0" y="0"/>
-                  </a:moveTo>
-                  <a:lnTo>
-                    <a:pt x="0" y="3"/>
-                  </a:lnTo>
-                  <a:lnTo>
-                    <a:pt x="901" y="984"/>
-                  </a:lnTo>
-                  <a:lnTo>
-                    <a:pt x="937" y="984"/>
-                  </a:lnTo>
-                  <a:lnTo>
-                    <a:pt x="0" y="0"/>
-                  </a:lnTo>
-                  <a:close/>
-                </a:path>
-              </a:pathLst>
-            </a:custGeom>
-            <a:solidFill>
-              <a:schemeClr val="accent1">
-                <a:lumMod val="50000"/>
-              </a:schemeClr>
-            </a:solidFill>
-            <a:ln>
-              <a:noFill/>
-            </a:ln>
-          </p:spPr>
-        </p:sp>
-        <p:sp>
-          <p:nvSpPr>
-            <p:cNvPr id="19" name="Freeform 10"/>
-            <p:cNvSpPr/>
-            <p:nvPr/>
-          </p:nvSpPr>
-          <p:spPr bwMode="auto">
-            <a:xfrm>
-              <a:off x="0" y="5257800"/>
-              <a:ext cx="2132013" cy="1600200"/>
-            </a:xfrm>
-            <a:custGeom>
-              <a:avLst/>
-              <a:gdLst/>
-              <a:ahLst/>
-              <a:cxnLst/>
-              <a:rect l="0" t="0" r="r" b="b"/>
-              <a:pathLst>
-                <a:path w="1343" h="1008">
-                  <a:moveTo>
-                    <a:pt x="0" y="24"/>
-                  </a:moveTo>
-                  <a:lnTo>
-                    <a:pt x="937" y="1008"/>
-                  </a:lnTo>
-                  <a:lnTo>
-                    <a:pt x="1343" y="1008"/>
-                  </a:lnTo>
-                  <a:lnTo>
-                    <a:pt x="126" y="21"/>
-                  </a:lnTo>
-                  <a:lnTo>
-                    <a:pt x="0" y="0"/>
-                  </a:lnTo>
-                  <a:lnTo>
-                    <a:pt x="0" y="24"/>
-                  </a:lnTo>
-                  <a:close/>
-                </a:path>
-              </a:pathLst>
-            </a:custGeom>
-            <a:solidFill>
-              <a:schemeClr val="accent1">
-                <a:lumMod val="75000"/>
-              </a:schemeClr>
-            </a:solidFill>
-            <a:ln>
-              <a:noFill/>
-            </a:ln>
-          </p:spPr>
-        </p:sp>
-        <p:sp>
-          <p:nvSpPr>
-            <p:cNvPr id="20" name="Freeform 11"/>
-            <p:cNvSpPr/>
-            <p:nvPr/>
-          </p:nvSpPr>
-          <p:spPr bwMode="auto">
-            <a:xfrm>
-              <a:off x="0" y="5357813"/>
-              <a:ext cx="1377950" cy="1500188"/>
-            </a:xfrm>
-            <a:custGeom>
-              <a:avLst/>
-              <a:gdLst/>
-              <a:ahLst/>
-              <a:cxnLst/>
-              <a:rect l="0" t="0" r="r" b="b"/>
-              <a:pathLst>
-                <a:path w="868" h="945">
-                  <a:moveTo>
-                    <a:pt x="0" y="192"/>
-                  </a:moveTo>
-                  <a:lnTo>
-                    <a:pt x="571" y="945"/>
-                  </a:lnTo>
-                  <a:lnTo>
-                    <a:pt x="868" y="945"/>
-                  </a:lnTo>
-                  <a:lnTo>
-                    <a:pt x="0" y="0"/>
-                  </a:lnTo>
-                  <a:lnTo>
-                    <a:pt x="0" y="192"/>
-                  </a:lnTo>
-                  <a:close/>
-                </a:path>
-              </a:pathLst>
-            </a:custGeom>
-            <a:solidFill>
-              <a:schemeClr val="tx1">
-                <a:lumMod val="75000"/>
-                <a:lumOff val="25000"/>
-              </a:schemeClr>
-            </a:solidFill>
-            <a:ln>
-              <a:noFill/>
-            </a:ln>
-          </p:spPr>
-        </p:sp>
-      </p:grpSp>
+          <a:prstGeom prst="rect">
+            <a:avLst/>
+          </a:prstGeom>
+          <a:solidFill>
+            <a:schemeClr val="tx1"/>
+          </a:solidFill>
+          <a:ln>
+            <a:noFill/>
+          </a:ln>
+        </p:spPr>
+        <p:style>
+          <a:lnRef idx="2">
+            <a:schemeClr val="accent1">
+              <a:shade val="50000"/>
+            </a:schemeClr>
+          </a:lnRef>
+          <a:fillRef idx="1">
+            <a:schemeClr val="accent1"/>
+          </a:fillRef>
+          <a:effectRef idx="0">
+            <a:schemeClr val="accent1"/>
+          </a:effectRef>
+          <a:fontRef idx="minor">
+            <a:schemeClr val="lt1"/>
+          </a:fontRef>
+        </p:style>
+      </p:sp>
       <p:sp>
         <p:nvSpPr>
           <p:cNvPr id="2" name="Title Placeholder 1"/>
@@ -5658,13 +2802,12 @@
         </p:nvSpPr>
         <p:spPr>
           <a:xfrm>
-            <a:off x="982133" y="457201"/>
-            <a:ext cx="7704667" cy="1981200"/>
+            <a:off x="685019" y="284176"/>
+            <a:ext cx="7772400" cy="1508760"/>
           </a:xfrm>
           <a:prstGeom prst="rect">
             <a:avLst/>
           </a:prstGeom>
-          <a:effectLst/>
         </p:spPr>
         <p:txBody>
           <a:bodyPr vert="horz" lIns="91440" tIns="45720" rIns="91440" bIns="45720" rtlCol="0" anchor="ctr">
@@ -5692,15 +2835,15 @@
         </p:nvSpPr>
         <p:spPr>
           <a:xfrm>
-            <a:off x="982134" y="2667000"/>
-            <a:ext cx="7704666" cy="3356995"/>
+            <a:off x="685019" y="2011680"/>
+            <a:ext cx="7772400" cy="4206240"/>
           </a:xfrm>
           <a:prstGeom prst="rect">
             <a:avLst/>
           </a:prstGeom>
         </p:spPr>
         <p:txBody>
-          <a:bodyPr vert="horz" lIns="91440" tIns="45720" rIns="91440" bIns="45720" rtlCol="0" anchor="ctr">
+          <a:bodyPr vert="horz" lIns="91440" tIns="45720" rIns="91440" bIns="45720" rtlCol="0">
             <a:normAutofit/>
           </a:bodyPr>
           <a:lstStyle/>
@@ -5754,23 +2897,21 @@
         </p:nvSpPr>
         <p:spPr>
           <a:xfrm>
-            <a:off x="7358679" y="6116070"/>
-            <a:ext cx="857473" cy="365125"/>
+            <a:off x="681557" y="6422855"/>
+            <a:ext cx="2595043" cy="365125"/>
           </a:xfrm>
           <a:prstGeom prst="rect">
             <a:avLst/>
           </a:prstGeom>
         </p:spPr>
         <p:txBody>
-          <a:bodyPr vert="horz" lIns="91440" tIns="45720" rIns="91440" bIns="45720" rtlCol="0" anchor="ctr"/>
+          <a:bodyPr vert="horz" lIns="91440" tIns="45720" rIns="45720" bIns="45720" rtlCol="0" anchor="ctr"/>
           <a:lstStyle>
-            <a:lvl1pPr algn="r">
-              <a:defRPr sz="1000" b="0" i="0">
+            <a:lvl1pPr algn="l">
+              <a:defRPr sz="1050">
                 <a:solidFill>
                   <a:schemeClr val="tx1"/>
                 </a:solidFill>
-                <a:effectLst/>
-                <a:latin typeface="+mn-lt"/>
               </a:defRPr>
             </a:lvl1pPr>
           </a:lstStyle>
@@ -5795,8 +2936,8 @@
         </p:nvSpPr>
         <p:spPr>
           <a:xfrm>
-            <a:off x="1986997" y="6116070"/>
-            <a:ext cx="5314517" cy="365125"/>
+            <a:off x="4191000" y="6422855"/>
+            <a:ext cx="4060627" cy="365125"/>
           </a:xfrm>
           <a:prstGeom prst="rect">
             <a:avLst/>
@@ -5805,13 +2946,11 @@
         <p:txBody>
           <a:bodyPr vert="horz" lIns="91440" tIns="45720" rIns="91440" bIns="45720" rtlCol="0" anchor="ctr"/>
           <a:lstStyle>
-            <a:lvl1pPr algn="l">
-              <a:defRPr sz="1000" b="0" i="0">
+            <a:lvl1pPr algn="r">
+              <a:defRPr sz="1050">
                 <a:solidFill>
                   <a:schemeClr val="tx1"/>
                 </a:solidFill>
-                <a:effectLst/>
-                <a:latin typeface="+mn-lt"/>
               </a:defRPr>
             </a:lvl1pPr>
           </a:lstStyle>
@@ -5832,23 +2971,21 @@
         </p:nvSpPr>
         <p:spPr>
           <a:xfrm>
-            <a:off x="8273317" y="6116070"/>
-            <a:ext cx="413483" cy="365125"/>
+            <a:off x="8265139" y="6422855"/>
+            <a:ext cx="709698" cy="365125"/>
           </a:xfrm>
           <a:prstGeom prst="rect">
             <a:avLst/>
           </a:prstGeom>
         </p:spPr>
         <p:txBody>
-          <a:bodyPr vert="horz" lIns="91440" tIns="45720" rIns="91440" bIns="45720" rtlCol="0" anchor="ctr"/>
+          <a:bodyPr vert="horz" lIns="45720" tIns="45720" rIns="91440" bIns="45720" rtlCol="0" anchor="ctr"/>
           <a:lstStyle>
-            <a:lvl1pPr algn="r">
-              <a:defRPr sz="1000" b="0" i="0">
+            <a:lvl1pPr algn="l">
+              <a:defRPr sz="1200" b="0">
                 <a:solidFill>
                   <a:schemeClr val="tx1"/>
                 </a:solidFill>
-                <a:effectLst/>
-                <a:latin typeface="+mn-lt"/>
               </a:defRPr>
             </a:lvl1pPr>
           </a:lstStyle>
@@ -5864,328 +3001,256 @@
     </p:spTree>
     <p:extLst>
       <p:ext uri="{BB962C8B-B14F-4D97-AF65-F5344CB8AC3E}">
-        <p14:creationId xmlns:p14="http://schemas.microsoft.com/office/powerpoint/2010/main" val="3628235362"/>
+        <p14:creationId xmlns:p14="http://schemas.microsoft.com/office/powerpoint/2010/main" val="2796133106"/>
       </p:ext>
     </p:extLst>
   </p:cSld>
-  <p:clrMap bg1="lt1" tx1="dk1" bg2="lt2" tx2="dk2" accent1="accent1" accent2="accent2" accent3="accent3" accent4="accent4" accent5="accent5" accent6="accent6" hlink="hlink" folHlink="folHlink"/>
+  <p:clrMap bg1="dk1" tx1="lt1" bg2="dk2" tx2="lt2" accent1="accent1" accent2="accent2" accent3="accent3" accent4="accent4" accent5="accent5" accent6="accent6" hlink="hlink" folHlink="folHlink"/>
   <p:sldLayoutIdLst>
-    <p:sldLayoutId id="2147483673" r:id="rId1"/>
-    <p:sldLayoutId id="2147483674" r:id="rId2"/>
-    <p:sldLayoutId id="2147483675" r:id="rId3"/>
-    <p:sldLayoutId id="2147483676" r:id="rId4"/>
-    <p:sldLayoutId id="2147483677" r:id="rId5"/>
-    <p:sldLayoutId id="2147483678" r:id="rId6"/>
-    <p:sldLayoutId id="2147483679" r:id="rId7"/>
-    <p:sldLayoutId id="2147483680" r:id="rId8"/>
-    <p:sldLayoutId id="2147483681" r:id="rId9"/>
-    <p:sldLayoutId id="2147483682" r:id="rId10"/>
-    <p:sldLayoutId id="2147483683" r:id="rId11"/>
-    <p:sldLayoutId id="2147483684" r:id="rId12"/>
-    <p:sldLayoutId id="2147483685" r:id="rId13"/>
-    <p:sldLayoutId id="2147483686" r:id="rId14"/>
-    <p:sldLayoutId id="2147483687" r:id="rId15"/>
-    <p:sldLayoutId id="2147483688" r:id="rId16"/>
-    <p:sldLayoutId id="2147483689" r:id="rId17"/>
+    <p:sldLayoutId id="2147483733" r:id="rId1"/>
+    <p:sldLayoutId id="2147483734" r:id="rId2"/>
+    <p:sldLayoutId id="2147483735" r:id="rId3"/>
+    <p:sldLayoutId id="2147483736" r:id="rId4"/>
+    <p:sldLayoutId id="2147483737" r:id="rId5"/>
+    <p:sldLayoutId id="2147483738" r:id="rId6"/>
+    <p:sldLayoutId id="2147483739" r:id="rId7"/>
+    <p:sldLayoutId id="2147483740" r:id="rId8"/>
+    <p:sldLayoutId id="2147483741" r:id="rId9"/>
+    <p:sldLayoutId id="2147483742" r:id="rId10"/>
+    <p:sldLayoutId id="2147483743" r:id="rId11"/>
   </p:sldLayoutIdLst>
   <p:txStyles>
     <p:titleStyle>
-      <a:lvl1pPr algn="ctr" defTabSz="457200" rtl="0" eaLnBrk="1" latinLnBrk="0" hangingPunct="1">
+      <a:lvl1pPr algn="l" defTabSz="914400" rtl="0" eaLnBrk="1" latinLnBrk="0" hangingPunct="1">
+        <a:lnSpc>
+          <a:spcPct val="85000"/>
+        </a:lnSpc>
         <a:spcBef>
           <a:spcPct val="0"/>
         </a:spcBef>
         <a:buNone/>
-        <a:defRPr sz="4000" kern="1200" cap="none">
-          <a:ln w="3175" cmpd="sng">
-            <a:noFill/>
-          </a:ln>
+        <a:defRPr sz="4000" kern="1200" cap="all" baseline="0">
           <a:solidFill>
-            <a:schemeClr val="tx1"/>
+            <a:schemeClr val="bg2"/>
           </a:solidFill>
-          <a:effectLst/>
           <a:latin typeface="+mj-lt"/>
           <a:ea typeface="+mj-ea"/>
           <a:cs typeface="+mj-cs"/>
         </a:defRPr>
       </a:lvl1pPr>
-      <a:lvl2pPr eaLnBrk="1" hangingPunct="1">
-        <a:defRPr>
-          <a:solidFill>
-            <a:schemeClr val="tx2"/>
-          </a:solidFill>
-        </a:defRPr>
-      </a:lvl2pPr>
-      <a:lvl3pPr eaLnBrk="1" hangingPunct="1">
-        <a:defRPr>
-          <a:solidFill>
-            <a:schemeClr val="tx2"/>
-          </a:solidFill>
-        </a:defRPr>
-      </a:lvl3pPr>
-      <a:lvl4pPr eaLnBrk="1" hangingPunct="1">
-        <a:defRPr>
-          <a:solidFill>
-            <a:schemeClr val="tx2"/>
-          </a:solidFill>
-        </a:defRPr>
-      </a:lvl4pPr>
-      <a:lvl5pPr eaLnBrk="1" hangingPunct="1">
-        <a:defRPr>
-          <a:solidFill>
-            <a:schemeClr val="tx2"/>
-          </a:solidFill>
-        </a:defRPr>
-      </a:lvl5pPr>
-      <a:lvl6pPr eaLnBrk="1" hangingPunct="1">
-        <a:defRPr>
-          <a:solidFill>
-            <a:schemeClr val="tx2"/>
-          </a:solidFill>
-        </a:defRPr>
-      </a:lvl6pPr>
-      <a:lvl7pPr eaLnBrk="1" hangingPunct="1">
-        <a:defRPr>
-          <a:solidFill>
-            <a:schemeClr val="tx2"/>
-          </a:solidFill>
-        </a:defRPr>
-      </a:lvl7pPr>
-      <a:lvl8pPr eaLnBrk="1" hangingPunct="1">
-        <a:defRPr>
-          <a:solidFill>
-            <a:schemeClr val="tx2"/>
-          </a:solidFill>
-        </a:defRPr>
-      </a:lvl8pPr>
-      <a:lvl9pPr eaLnBrk="1" hangingPunct="1">
-        <a:defRPr>
-          <a:solidFill>
-            <a:schemeClr val="tx2"/>
-          </a:solidFill>
-        </a:defRPr>
-      </a:lvl9pPr>
     </p:titleStyle>
     <p:bodyStyle>
-      <a:lvl1pPr marL="285750" indent="-285750" algn="l" defTabSz="457200" rtl="0" eaLnBrk="1" latinLnBrk="0" hangingPunct="1">
+      <a:lvl1pPr marL="182880" indent="-182880" algn="l" defTabSz="914400" rtl="0" eaLnBrk="1" latinLnBrk="0" hangingPunct="1">
+        <a:lnSpc>
+          <a:spcPct val="90000"/>
+        </a:lnSpc>
         <a:spcBef>
-          <a:spcPct val="20000"/>
+          <a:spcPts val="1200"/>
         </a:spcBef>
         <a:spcAft>
-          <a:spcPts val="600"/>
+          <a:spcPts val="200"/>
         </a:spcAft>
         <a:buClr>
-          <a:schemeClr val="accent1">
-            <a:lumMod val="75000"/>
-          </a:schemeClr>
+          <a:schemeClr val="tx1"/>
         </a:buClr>
-        <a:buSzPct val="145000"/>
-        <a:buFont typeface="Arial"/>
-        <a:buChar char="•"/>
-        <a:defRPr sz="2400" kern="1200" cap="none">
+        <a:buFont typeface="Wingdings" pitchFamily="2" charset="2"/>
+        <a:buChar char=""/>
+        <a:defRPr sz="2200" kern="1200">
           <a:solidFill>
             <a:schemeClr val="tx1"/>
           </a:solidFill>
-          <a:effectLst/>
           <a:latin typeface="+mn-lt"/>
           <a:ea typeface="+mn-ea"/>
           <a:cs typeface="+mn-cs"/>
         </a:defRPr>
       </a:lvl1pPr>
-      <a:lvl2pPr marL="742950" indent="-285750" algn="l" defTabSz="457200" rtl="0" eaLnBrk="1" latinLnBrk="0" hangingPunct="1">
+      <a:lvl2pPr marL="411480" indent="-182880" algn="l" defTabSz="914400" rtl="0" eaLnBrk="1" latinLnBrk="0" hangingPunct="1">
+        <a:lnSpc>
+          <a:spcPct val="90000"/>
+        </a:lnSpc>
         <a:spcBef>
-          <a:spcPct val="20000"/>
+          <a:spcPts val="200"/>
         </a:spcBef>
         <a:spcAft>
-          <a:spcPts val="600"/>
+          <a:spcPts val="400"/>
         </a:spcAft>
         <a:buClr>
-          <a:schemeClr val="accent1">
-            <a:lumMod val="75000"/>
-          </a:schemeClr>
+          <a:schemeClr val="tx1"/>
         </a:buClr>
-        <a:buSzPct val="145000"/>
-        <a:buFont typeface="Arial"/>
-        <a:buChar char="•"/>
-        <a:defRPr sz="2000" kern="1200" cap="none">
+        <a:buFont typeface="Wingdings" pitchFamily="2" charset="2"/>
+        <a:buChar char=""/>
+        <a:defRPr sz="2000" kern="1200">
           <a:solidFill>
             <a:schemeClr val="tx1"/>
           </a:solidFill>
-          <a:effectLst/>
           <a:latin typeface="+mn-lt"/>
           <a:ea typeface="+mn-ea"/>
           <a:cs typeface="+mn-cs"/>
         </a:defRPr>
       </a:lvl2pPr>
-      <a:lvl3pPr marL="1200150" indent="-285750" algn="l" defTabSz="457200" rtl="0" eaLnBrk="1" latinLnBrk="0" hangingPunct="1">
+      <a:lvl3pPr marL="640080" indent="-182880" algn="l" defTabSz="914400" rtl="0" eaLnBrk="1" latinLnBrk="0" hangingPunct="1">
+        <a:lnSpc>
+          <a:spcPct val="90000"/>
+        </a:lnSpc>
         <a:spcBef>
-          <a:spcPct val="20000"/>
+          <a:spcPts val="200"/>
         </a:spcBef>
         <a:spcAft>
-          <a:spcPts val="600"/>
+          <a:spcPts val="400"/>
         </a:spcAft>
         <a:buClr>
-          <a:schemeClr val="accent1">
-            <a:lumMod val="75000"/>
-          </a:schemeClr>
+          <a:schemeClr val="tx1"/>
         </a:buClr>
-        <a:buSzPct val="145000"/>
-        <a:buFont typeface="Arial"/>
-        <a:buChar char="•"/>
-        <a:defRPr sz="1800" kern="1200" cap="none">
+        <a:buFont typeface="Wingdings" pitchFamily="2" charset="2"/>
+        <a:buChar char=""/>
+        <a:defRPr sz="1800" kern="1200">
           <a:solidFill>
             <a:schemeClr val="tx1"/>
           </a:solidFill>
-          <a:effectLst/>
           <a:latin typeface="+mn-lt"/>
           <a:ea typeface="+mn-ea"/>
           <a:cs typeface="+mn-cs"/>
         </a:defRPr>
       </a:lvl3pPr>
-      <a:lvl4pPr marL="1543050" indent="-171450" algn="l" defTabSz="457200" rtl="0" eaLnBrk="1" latinLnBrk="0" hangingPunct="1">
+      <a:lvl4pPr marL="868680" indent="-182880" algn="l" defTabSz="914400" rtl="0" eaLnBrk="1" latinLnBrk="0" hangingPunct="1">
+        <a:lnSpc>
+          <a:spcPct val="90000"/>
+        </a:lnSpc>
         <a:spcBef>
-          <a:spcPct val="20000"/>
+          <a:spcPts val="200"/>
         </a:spcBef>
         <a:spcAft>
-          <a:spcPts val="600"/>
+          <a:spcPts val="400"/>
         </a:spcAft>
         <a:buClr>
-          <a:schemeClr val="accent1">
-            <a:lumMod val="75000"/>
-          </a:schemeClr>
+          <a:schemeClr val="tx1"/>
         </a:buClr>
-        <a:buSzPct val="145000"/>
-        <a:buFont typeface="Arial"/>
-        <a:buChar char="•"/>
-        <a:defRPr sz="1600" kern="1200" cap="none">
+        <a:buFont typeface="Wingdings" pitchFamily="2" charset="2"/>
+        <a:buChar char=""/>
+        <a:defRPr sz="1600" kern="1200">
           <a:solidFill>
             <a:schemeClr val="tx1"/>
           </a:solidFill>
-          <a:effectLst/>
           <a:latin typeface="+mn-lt"/>
           <a:ea typeface="+mn-ea"/>
           <a:cs typeface="+mn-cs"/>
         </a:defRPr>
       </a:lvl4pPr>
-      <a:lvl5pPr marL="2000250" indent="-171450" algn="l" defTabSz="457200" rtl="0" eaLnBrk="1" latinLnBrk="0" hangingPunct="1">
+      <a:lvl5pPr marL="1097280" indent="-182880" algn="l" defTabSz="914400" rtl="0" eaLnBrk="1" latinLnBrk="0" hangingPunct="1">
+        <a:lnSpc>
+          <a:spcPct val="90000"/>
+        </a:lnSpc>
         <a:spcBef>
-          <a:spcPct val="20000"/>
+          <a:spcPts val="200"/>
         </a:spcBef>
         <a:spcAft>
-          <a:spcPts val="600"/>
+          <a:spcPts val="400"/>
         </a:spcAft>
         <a:buClr>
-          <a:schemeClr val="accent1">
-            <a:lumMod val="75000"/>
-          </a:schemeClr>
+          <a:schemeClr val="tx1"/>
         </a:buClr>
-        <a:buSzPct val="145000"/>
-        <a:buFont typeface="Arial"/>
-        <a:buChar char="•"/>
-        <a:defRPr sz="1400" kern="1200" cap="none">
+        <a:buFont typeface="Wingdings" pitchFamily="2" charset="2"/>
+        <a:buChar char=""/>
+        <a:defRPr sz="1600" kern="1200">
           <a:solidFill>
             <a:schemeClr val="tx1"/>
           </a:solidFill>
-          <a:effectLst/>
           <a:latin typeface="+mn-lt"/>
           <a:ea typeface="+mn-ea"/>
           <a:cs typeface="+mn-cs"/>
         </a:defRPr>
       </a:lvl5pPr>
-      <a:lvl6pPr marL="2514600" indent="-228600" algn="l" defTabSz="457200" rtl="0" eaLnBrk="1" latinLnBrk="0" hangingPunct="1">
+      <a:lvl6pPr marL="1284600" indent="-228600" algn="l" defTabSz="914400" rtl="0" eaLnBrk="1" latinLnBrk="0" hangingPunct="1">
+        <a:lnSpc>
+          <a:spcPct val="90000"/>
+        </a:lnSpc>
         <a:spcBef>
-          <a:spcPct val="20000"/>
+          <a:spcPts val="200"/>
         </a:spcBef>
         <a:spcAft>
-          <a:spcPts val="600"/>
+          <a:spcPts val="400"/>
         </a:spcAft>
         <a:buClr>
-          <a:schemeClr val="accent1">
-            <a:lumMod val="75000"/>
-          </a:schemeClr>
+          <a:schemeClr val="tx1"/>
         </a:buClr>
-        <a:buSzPct val="145000"/>
-        <a:buFont typeface="Arial"/>
-        <a:buChar char="•"/>
-        <a:defRPr sz="1400" kern="1200" cap="none">
+        <a:buFont typeface="Wingdings" pitchFamily="2" charset="2"/>
+        <a:buChar char=""/>
+        <a:defRPr sz="1600" kern="1200">
           <a:solidFill>
             <a:schemeClr val="tx1"/>
           </a:solidFill>
-          <a:effectLst/>
           <a:latin typeface="+mn-lt"/>
           <a:ea typeface="+mn-ea"/>
           <a:cs typeface="+mn-cs"/>
         </a:defRPr>
       </a:lvl6pPr>
-      <a:lvl7pPr marL="2971800" indent="-228600" algn="l" defTabSz="457200" rtl="0" eaLnBrk="1" latinLnBrk="0" hangingPunct="1">
+      <a:lvl7pPr marL="1471800" indent="-228600" algn="l" defTabSz="914400" rtl="0" eaLnBrk="1" latinLnBrk="0" hangingPunct="1">
+        <a:lnSpc>
+          <a:spcPct val="90000"/>
+        </a:lnSpc>
         <a:spcBef>
-          <a:spcPct val="20000"/>
+          <a:spcPts val="200"/>
         </a:spcBef>
         <a:spcAft>
-          <a:spcPts val="600"/>
+          <a:spcPts val="400"/>
         </a:spcAft>
         <a:buClr>
-          <a:schemeClr val="accent1">
-            <a:lumMod val="75000"/>
-          </a:schemeClr>
+          <a:schemeClr val="tx1"/>
         </a:buClr>
-        <a:buSzPct val="145000"/>
-        <a:buFont typeface="Arial"/>
-        <a:buChar char="•"/>
-        <a:defRPr sz="1400" kern="1200" cap="none">
+        <a:buFont typeface="Wingdings" pitchFamily="2" charset="2"/>
+        <a:buChar char=""/>
+        <a:defRPr sz="1600" kern="1200">
           <a:solidFill>
             <a:schemeClr val="tx1"/>
           </a:solidFill>
-          <a:effectLst/>
           <a:latin typeface="+mn-lt"/>
           <a:ea typeface="+mn-ea"/>
           <a:cs typeface="+mn-cs"/>
         </a:defRPr>
       </a:lvl7pPr>
-      <a:lvl8pPr marL="3429000" indent="-228600" algn="l" defTabSz="457200" rtl="0" eaLnBrk="1" latinLnBrk="0" hangingPunct="1">
+      <a:lvl8pPr marL="1629000" indent="-228600" algn="l" defTabSz="914400" rtl="0" eaLnBrk="1" latinLnBrk="0" hangingPunct="1">
+        <a:lnSpc>
+          <a:spcPct val="90000"/>
+        </a:lnSpc>
         <a:spcBef>
-          <a:spcPct val="20000"/>
+          <a:spcPts val="200"/>
         </a:spcBef>
         <a:spcAft>
-          <a:spcPts val="600"/>
+          <a:spcPts val="400"/>
         </a:spcAft>
         <a:buClr>
-          <a:schemeClr val="accent1">
-            <a:lumMod val="75000"/>
-          </a:schemeClr>
+          <a:schemeClr val="tx1"/>
         </a:buClr>
-        <a:buSzPct val="145000"/>
-        <a:buFont typeface="Arial"/>
-        <a:buChar char="•"/>
-        <a:defRPr sz="1400" kern="1200" cap="none">
+        <a:buFont typeface="Wingdings" pitchFamily="2" charset="2"/>
+        <a:buChar char=""/>
+        <a:defRPr sz="1600" kern="1200">
           <a:solidFill>
             <a:schemeClr val="tx1"/>
           </a:solidFill>
-          <a:effectLst/>
           <a:latin typeface="+mn-lt"/>
           <a:ea typeface="+mn-ea"/>
           <a:cs typeface="+mn-cs"/>
         </a:defRPr>
       </a:lvl8pPr>
-      <a:lvl9pPr marL="3886200" indent="-228600" algn="l" defTabSz="457200" rtl="0" eaLnBrk="1" latinLnBrk="0" hangingPunct="1">
+      <a:lvl9pPr marL="1806200" indent="-228600" algn="l" defTabSz="914400" rtl="0" eaLnBrk="1" latinLnBrk="0" hangingPunct="1">
+        <a:lnSpc>
+          <a:spcPct val="90000"/>
+        </a:lnSpc>
         <a:spcBef>
-          <a:spcPct val="20000"/>
+          <a:spcPts val="200"/>
         </a:spcBef>
         <a:spcAft>
-          <a:spcPts val="600"/>
+          <a:spcPts val="400"/>
         </a:spcAft>
         <a:buClr>
-          <a:schemeClr val="accent1">
-            <a:lumMod val="75000"/>
-          </a:schemeClr>
+          <a:schemeClr val="tx1"/>
         </a:buClr>
-        <a:buSzPct val="145000"/>
-        <a:buFont typeface="Arial"/>
-        <a:buChar char="•"/>
-        <a:defRPr sz="1400" kern="1200" cap="none">
+        <a:buFont typeface="Wingdings" pitchFamily="2" charset="2"/>
+        <a:buChar char=""/>
+        <a:defRPr sz="1600" kern="1200">
           <a:solidFill>
             <a:schemeClr val="tx1"/>
           </a:solidFill>
-          <a:effectLst/>
           <a:latin typeface="+mn-lt"/>
           <a:ea typeface="+mn-ea"/>
           <a:cs typeface="+mn-cs"/>
@@ -6196,7 +3261,7 @@
       <a:defPPr>
         <a:defRPr lang="en-US"/>
       </a:defPPr>
-      <a:lvl1pPr marL="0" algn="l" defTabSz="457200" rtl="0" eaLnBrk="1" latinLnBrk="0" hangingPunct="1">
+      <a:lvl1pPr marL="0" algn="l" defTabSz="914400" rtl="0" eaLnBrk="1" latinLnBrk="0" hangingPunct="1">
         <a:defRPr sz="1800" kern="1200">
           <a:solidFill>
             <a:schemeClr val="tx1"/>
@@ -6206,7 +3271,7 @@
           <a:cs typeface="+mn-cs"/>
         </a:defRPr>
       </a:lvl1pPr>
-      <a:lvl2pPr marL="457200" algn="l" defTabSz="457200" rtl="0" eaLnBrk="1" latinLnBrk="0" hangingPunct="1">
+      <a:lvl2pPr marL="457200" algn="l" defTabSz="914400" rtl="0" eaLnBrk="1" latinLnBrk="0" hangingPunct="1">
         <a:defRPr sz="1800" kern="1200">
           <a:solidFill>
             <a:schemeClr val="tx1"/>
@@ -6216,7 +3281,7 @@
           <a:cs typeface="+mn-cs"/>
         </a:defRPr>
       </a:lvl2pPr>
-      <a:lvl3pPr marL="914400" algn="l" defTabSz="457200" rtl="0" eaLnBrk="1" latinLnBrk="0" hangingPunct="1">
+      <a:lvl3pPr marL="914400" algn="l" defTabSz="914400" rtl="0" eaLnBrk="1" latinLnBrk="0" hangingPunct="1">
         <a:defRPr sz="1800" kern="1200">
           <a:solidFill>
             <a:schemeClr val="tx1"/>
@@ -6226,7 +3291,7 @@
           <a:cs typeface="+mn-cs"/>
         </a:defRPr>
       </a:lvl3pPr>
-      <a:lvl4pPr marL="1371600" algn="l" defTabSz="457200" rtl="0" eaLnBrk="1" latinLnBrk="0" hangingPunct="1">
+      <a:lvl4pPr marL="1371600" algn="l" defTabSz="914400" rtl="0" eaLnBrk="1" latinLnBrk="0" hangingPunct="1">
         <a:defRPr sz="1800" kern="1200">
           <a:solidFill>
             <a:schemeClr val="tx1"/>
@@ -6236,7 +3301,7 @@
           <a:cs typeface="+mn-cs"/>
         </a:defRPr>
       </a:lvl4pPr>
-      <a:lvl5pPr marL="1828800" algn="l" defTabSz="457200" rtl="0" eaLnBrk="1" latinLnBrk="0" hangingPunct="1">
+      <a:lvl5pPr marL="1828800" algn="l" defTabSz="914400" rtl="0" eaLnBrk="1" latinLnBrk="0" hangingPunct="1">
         <a:defRPr sz="1800" kern="1200">
           <a:solidFill>
             <a:schemeClr val="tx1"/>
@@ -6246,7 +3311,7 @@
           <a:cs typeface="+mn-cs"/>
         </a:defRPr>
       </a:lvl5pPr>
-      <a:lvl6pPr marL="2286000" algn="l" defTabSz="457200" rtl="0" eaLnBrk="1" latinLnBrk="0" hangingPunct="1">
+      <a:lvl6pPr marL="2286000" algn="l" defTabSz="914400" rtl="0" eaLnBrk="1" latinLnBrk="0" hangingPunct="1">
         <a:defRPr sz="1800" kern="1200">
           <a:solidFill>
             <a:schemeClr val="tx1"/>
@@ -6256,7 +3321,7 @@
           <a:cs typeface="+mn-cs"/>
         </a:defRPr>
       </a:lvl6pPr>
-      <a:lvl7pPr marL="2743200" algn="l" defTabSz="457200" rtl="0" eaLnBrk="1" latinLnBrk="0" hangingPunct="1">
+      <a:lvl7pPr marL="2743200" algn="l" defTabSz="914400" rtl="0" eaLnBrk="1" latinLnBrk="0" hangingPunct="1">
         <a:defRPr sz="1800" kern="1200">
           <a:solidFill>
             <a:schemeClr val="tx1"/>
@@ -6266,7 +3331,7 @@
           <a:cs typeface="+mn-cs"/>
         </a:defRPr>
       </a:lvl7pPr>
-      <a:lvl8pPr marL="3200400" algn="l" defTabSz="457200" rtl="0" eaLnBrk="1" latinLnBrk="0" hangingPunct="1">
+      <a:lvl8pPr marL="3200400" algn="l" defTabSz="914400" rtl="0" eaLnBrk="1" latinLnBrk="0" hangingPunct="1">
         <a:defRPr sz="1800" kern="1200">
           <a:solidFill>
             <a:schemeClr val="tx1"/>
@@ -6276,7 +3341,7 @@
           <a:cs typeface="+mn-cs"/>
         </a:defRPr>
       </a:lvl8pPr>
-      <a:lvl9pPr marL="3657600" algn="l" defTabSz="457200" rtl="0" eaLnBrk="1" latinLnBrk="0" hangingPunct="1">
+      <a:lvl9pPr marL="3657600" algn="l" defTabSz="914400" rtl="0" eaLnBrk="1" latinLnBrk="0" hangingPunct="1">
         <a:defRPr sz="1800" kern="1200">
           <a:solidFill>
             <a:schemeClr val="tx1"/>
@@ -6320,7 +3385,9 @@
         </p:nvSpPr>
         <p:spPr/>
         <p:txBody>
-          <a:bodyPr/>
+          <a:bodyPr>
+            <a:normAutofit/>
+          </a:bodyPr>
           <a:lstStyle/>
           <a:p>
             <a:r>
@@ -7697,7 +4764,7 @@
         </p:spPr>
         <p:txBody>
           <a:bodyPr>
-            <a:normAutofit lnSpcReduction="10000"/>
+            <a:normAutofit/>
           </a:bodyPr>
           <a:lstStyle/>
           <a:p>
@@ -8415,7 +5482,7 @@
         </p:spPr>
         <p:txBody>
           <a:bodyPr>
-            <a:normAutofit lnSpcReduction="10000"/>
+            <a:normAutofit/>
           </a:bodyPr>
           <a:lstStyle/>
           <a:p>
@@ -8945,6 +6012,286 @@
 </p:sld>
 </file>
 
+<file path=ppt/slides/slide14.xml><?xml version="1.0" encoding="utf-8"?>
+<p:sld xmlns:a="http://schemas.openxmlformats.org/drawingml/2006/main" xmlns:r="http://schemas.openxmlformats.org/officeDocument/2006/relationships" xmlns:p="http://schemas.openxmlformats.org/presentationml/2006/main">
+  <p:cSld>
+    <p:spTree>
+      <p:nvGrpSpPr>
+        <p:cNvPr id="1" name=""/>
+        <p:cNvGrpSpPr/>
+        <p:nvPr/>
+      </p:nvGrpSpPr>
+      <p:grpSpPr>
+        <a:xfrm>
+          <a:off x="0" y="0"/>
+          <a:ext cx="0" cy="0"/>
+          <a:chOff x="0" y="0"/>
+          <a:chExt cx="0" cy="0"/>
+        </a:xfrm>
+      </p:grpSpPr>
+      <p:sp>
+        <p:nvSpPr>
+          <p:cNvPr id="2" name="Title 1">
+            <a:extLst>
+              <a:ext uri="{FF2B5EF4-FFF2-40B4-BE49-F238E27FC236}">
+                <a16:creationId xmlns:a16="http://schemas.microsoft.com/office/drawing/2014/main" id="{309E3435-6040-4BC7-9909-9E842048439A}"/>
+              </a:ext>
+            </a:extLst>
+          </p:cNvPr>
+          <p:cNvSpPr>
+            <a:spLocks noGrp="1"/>
+          </p:cNvSpPr>
+          <p:nvPr>
+            <p:ph type="title"/>
+          </p:nvPr>
+        </p:nvSpPr>
+        <p:spPr/>
+        <p:txBody>
+          <a:bodyPr>
+            <a:normAutofit/>
+          </a:bodyPr>
+          <a:lstStyle/>
+          <a:p>
+            <a:r>
+              <a:rPr lang="en-US" sz="4400" dirty="0">
+                <a:highlight>
+                  <a:srgbClr val="FF00FF"/>
+                </a:highlight>
+              </a:rPr>
+              <a:t>Thank</a:t>
+            </a:r>
+            <a:r>
+              <a:rPr lang="en-US" dirty="0">
+                <a:highlight>
+                  <a:srgbClr val="FF00FF"/>
+                </a:highlight>
+              </a:rPr>
+              <a:t> You For Attention</a:t>
+            </a:r>
+            <a:r>
+              <a:rPr lang="en-US" dirty="0"/>
+              <a:t>🕊️</a:t>
+            </a:r>
+          </a:p>
+        </p:txBody>
+      </p:sp>
+      <p:sp>
+        <p:nvSpPr>
+          <p:cNvPr id="3" name="Content Placeholder 2">
+            <a:extLst>
+              <a:ext uri="{FF2B5EF4-FFF2-40B4-BE49-F238E27FC236}">
+                <a16:creationId xmlns:a16="http://schemas.microsoft.com/office/drawing/2014/main" id="{A54E441E-50FA-4436-9573-DAD53CAE598E}"/>
+              </a:ext>
+            </a:extLst>
+          </p:cNvPr>
+          <p:cNvSpPr>
+            <a:spLocks noGrp="1"/>
+          </p:cNvSpPr>
+          <p:nvPr>
+            <p:ph idx="1"/>
+          </p:nvPr>
+        </p:nvSpPr>
+        <p:spPr>
+          <a:xfrm>
+            <a:off x="982133" y="2238375"/>
+            <a:ext cx="7704667" cy="3332816"/>
+          </a:xfrm>
+        </p:spPr>
+        <p:txBody>
+          <a:bodyPr/>
+          <a:lstStyle/>
+          <a:p>
+            <a:endParaRPr lang="en-US" dirty="0"/>
+          </a:p>
+          <a:p>
+            <a:pPr>
+              <a:defRPr sz="1600"/>
+            </a:pPr>
+            <a:r>
+              <a:rPr lang="en-US" sz="3200" dirty="0"/>
+              <a:t>📧 Email: adesartika33@gmail.com</a:t>
+            </a:r>
+          </a:p>
+          <a:p>
+            <a:pPr>
+              <a:defRPr sz="1600"/>
+            </a:pPr>
+            <a:r>
+              <a:rPr lang="en-US" sz="3200" dirty="0"/>
+              <a:t>📷 Instagram: </a:t>
+            </a:r>
+            <a:r>
+              <a:rPr lang="en-US" sz="3200" dirty="0" err="1"/>
+              <a:t>johanna_lumbantobing</a:t>
+            </a:r>
+            <a:endParaRPr lang="en-US" sz="3200" dirty="0"/>
+          </a:p>
+          <a:p>
+            <a:pPr>
+              <a:defRPr sz="1600"/>
+            </a:pPr>
+            <a:r>
+              <a:rPr lang="en-US" sz="3200" dirty="0"/>
+              <a:t>🔗 LinkedIn: </a:t>
+            </a:r>
+            <a:r>
+              <a:rPr lang="en-US" sz="3200" dirty="0" err="1"/>
+              <a:t>johanna</a:t>
+            </a:r>
+            <a:r>
+              <a:rPr lang="en-US" sz="3200" dirty="0"/>
+              <a:t> lumbantobing</a:t>
+            </a:r>
+          </a:p>
+          <a:p>
+            <a:pPr marL="0" indent="0">
+              <a:buNone/>
+            </a:pPr>
+            <a:endParaRPr lang="en-US" dirty="0"/>
+          </a:p>
+        </p:txBody>
+      </p:sp>
+    </p:spTree>
+    <p:extLst>
+      <p:ext uri="{BB962C8B-B14F-4D97-AF65-F5344CB8AC3E}">
+        <p14:creationId xmlns:p14="http://schemas.microsoft.com/office/powerpoint/2010/main" val="1342011232"/>
+      </p:ext>
+    </p:extLst>
+  </p:cSld>
+  <p:clrMapOvr>
+    <a:masterClrMapping/>
+  </p:clrMapOvr>
+</p:sld>
+</file>
+
+<file path=ppt/slides/slide15.xml><?xml version="1.0" encoding="utf-8"?>
+<p:sld xmlns:a="http://schemas.openxmlformats.org/drawingml/2006/main" xmlns:r="http://schemas.openxmlformats.org/officeDocument/2006/relationships" xmlns:p="http://schemas.openxmlformats.org/presentationml/2006/main">
+  <p:cSld>
+    <p:spTree>
+      <p:nvGrpSpPr>
+        <p:cNvPr id="1" name=""/>
+        <p:cNvGrpSpPr/>
+        <p:nvPr/>
+      </p:nvGrpSpPr>
+      <p:grpSpPr>
+        <a:xfrm>
+          <a:off x="0" y="0"/>
+          <a:ext cx="0" cy="0"/>
+          <a:chOff x="0" y="0"/>
+          <a:chExt cx="0" cy="0"/>
+        </a:xfrm>
+      </p:grpSpPr>
+      <p:sp>
+        <p:nvSpPr>
+          <p:cNvPr id="2" name="Title 1">
+            <a:extLst>
+              <a:ext uri="{FF2B5EF4-FFF2-40B4-BE49-F238E27FC236}">
+                <a16:creationId xmlns:a16="http://schemas.microsoft.com/office/drawing/2014/main" id="{F7115139-ED88-44C3-9EEE-A613C1AF783A}"/>
+              </a:ext>
+            </a:extLst>
+          </p:cNvPr>
+          <p:cNvSpPr>
+            <a:spLocks noGrp="1"/>
+          </p:cNvSpPr>
+          <p:nvPr>
+            <p:ph type="ctrTitle"/>
+          </p:nvPr>
+        </p:nvSpPr>
+        <p:spPr>
+          <a:xfrm>
+            <a:off x="402907" y="427018"/>
+            <a:ext cx="8603674" cy="1739347"/>
+          </a:xfrm>
+        </p:spPr>
+        <p:txBody>
+          <a:bodyPr/>
+          <a:lstStyle/>
+          <a:p>
+            <a:r>
+              <a:rPr lang="en-US" cap="none" dirty="0">
+                <a:solidFill>
+                  <a:schemeClr val="accent6">
+                    <a:lumMod val="50000"/>
+                  </a:schemeClr>
+                </a:solidFill>
+              </a:rPr>
+              <a:t>Link </a:t>
+            </a:r>
+            <a:r>
+              <a:rPr lang="en-US" cap="none" dirty="0" err="1">
+                <a:solidFill>
+                  <a:schemeClr val="accent6">
+                    <a:lumMod val="50000"/>
+                  </a:schemeClr>
+                </a:solidFill>
+              </a:rPr>
+              <a:t>github</a:t>
+            </a:r>
+            <a:endParaRPr lang="en-US" cap="none" dirty="0">
+              <a:solidFill>
+                <a:schemeClr val="accent6">
+                  <a:lumMod val="50000"/>
+                </a:schemeClr>
+              </a:solidFill>
+            </a:endParaRPr>
+          </a:p>
+        </p:txBody>
+      </p:sp>
+      <p:sp>
+        <p:nvSpPr>
+          <p:cNvPr id="3" name="Subtitle 2">
+            <a:extLst>
+              <a:ext uri="{FF2B5EF4-FFF2-40B4-BE49-F238E27FC236}">
+                <a16:creationId xmlns:a16="http://schemas.microsoft.com/office/drawing/2014/main" id="{72B2C998-EE2A-495D-BAA8-6D12DAF7BA8F}"/>
+              </a:ext>
+            </a:extLst>
+          </p:cNvPr>
+          <p:cNvSpPr>
+            <a:spLocks noGrp="1"/>
+          </p:cNvSpPr>
+          <p:nvPr>
+            <p:ph type="subTitle" idx="1"/>
+          </p:nvPr>
+        </p:nvSpPr>
+        <p:spPr>
+          <a:xfrm>
+            <a:off x="1385887" y="2355828"/>
+            <a:ext cx="6858000" cy="1309255"/>
+          </a:xfrm>
+        </p:spPr>
+        <p:txBody>
+          <a:bodyPr>
+            <a:normAutofit/>
+          </a:bodyPr>
+          <a:lstStyle/>
+          <a:p>
+            <a:r>
+              <a:rPr lang="en-US" sz="2800" dirty="0">
+                <a:solidFill>
+                  <a:schemeClr val="bg1"/>
+                </a:solidFill>
+                <a:highlight>
+                  <a:srgbClr val="00FF00"/>
+                </a:highlight>
+              </a:rPr>
+              <a:t>https://github.com/Adesartika33/Proyek-Analisis-Data-Dataset-Iris</a:t>
+            </a:r>
+          </a:p>
+        </p:txBody>
+      </p:sp>
+    </p:spTree>
+    <p:extLst>
+      <p:ext uri="{BB962C8B-B14F-4D97-AF65-F5344CB8AC3E}">
+        <p14:creationId xmlns:p14="http://schemas.microsoft.com/office/powerpoint/2010/main" val="3371561383"/>
+      </p:ext>
+    </p:extLst>
+  </p:cSld>
+  <p:clrMapOvr>
+    <a:masterClrMapping/>
+  </p:clrMapOvr>
+</p:sld>
+</file>
+
 <file path=ppt/slides/slide2.xml><?xml version="1.0" encoding="utf-8"?>
 <p:sld xmlns:a="http://schemas.openxmlformats.org/drawingml/2006/main" xmlns:r="http://schemas.openxmlformats.org/officeDocument/2006/relationships" xmlns:p="http://schemas.openxmlformats.org/presentationml/2006/main">
   <p:cSld>
@@ -9006,7 +6353,7 @@
         </p:spPr>
         <p:txBody>
           <a:bodyPr>
-            <a:normAutofit fontScale="85000" lnSpcReduction="20000"/>
+            <a:normAutofit fontScale="92500" lnSpcReduction="20000"/>
           </a:bodyPr>
           <a:lstStyle/>
           <a:p>
@@ -10565,7 +7912,7 @@
         <p:spPr/>
         <p:txBody>
           <a:bodyPr>
-            <a:normAutofit fontScale="85000" lnSpcReduction="10000"/>
+            <a:normAutofit/>
           </a:bodyPr>
           <a:lstStyle/>
           <a:p>
@@ -13306,57 +10653,57 @@
 </file>
 
 <file path=ppt/theme/theme1.xml><?xml version="1.0" encoding="utf-8"?>
-<a:theme xmlns:a="http://schemas.openxmlformats.org/drawingml/2006/main" name="Parallax">
+<a:theme xmlns:a="http://schemas.openxmlformats.org/drawingml/2006/main" name="Banded">
   <a:themeElements>
-    <a:clrScheme name="Parallax">
+    <a:clrScheme name="Banded">
       <a:dk1>
-        <a:sysClr val="windowText" lastClr="000000"/>
+        <a:srgbClr val="2C2C2C"/>
       </a:dk1>
       <a:lt1>
-        <a:sysClr val="window" lastClr="FFFFFF"/>
+        <a:srgbClr val="FFFFFF"/>
       </a:lt1>
       <a:dk2>
-        <a:srgbClr val="212121"/>
+        <a:srgbClr val="099BDD"/>
       </a:dk2>
       <a:lt2>
-        <a:srgbClr val="EBEBEB"/>
+        <a:srgbClr val="F2F2F2"/>
       </a:lt2>
       <a:accent1>
-        <a:srgbClr val="30ACEC"/>
+        <a:srgbClr val="FFC000"/>
       </a:accent1>
       <a:accent2>
-        <a:srgbClr val="80C34F"/>
+        <a:srgbClr val="A5D028"/>
       </a:accent2>
       <a:accent3>
-        <a:srgbClr val="E29D3E"/>
+        <a:srgbClr val="08CC78"/>
       </a:accent3>
       <a:accent4>
-        <a:srgbClr val="D64A3B"/>
+        <a:srgbClr val="F24099"/>
       </a:accent4>
       <a:accent5>
-        <a:srgbClr val="D64787"/>
+        <a:srgbClr val="828288"/>
       </a:accent5>
       <a:accent6>
-        <a:srgbClr val="A666E1"/>
+        <a:srgbClr val="F56617"/>
       </a:accent6>
       <a:hlink>
-        <a:srgbClr val="3085ED"/>
+        <a:srgbClr val="005DBA"/>
       </a:hlink>
       <a:folHlink>
-        <a:srgbClr val="82B6F4"/>
+        <a:srgbClr val="6C606A"/>
       </a:folHlink>
     </a:clrScheme>
-    <a:fontScheme name="Parallax">
+    <a:fontScheme name="Banded">
       <a:majorFont>
         <a:latin typeface="Corbel" panose="020B0503020204020204"/>
         <a:ea typeface=""/>
         <a:cs typeface=""/>
-        <a:font script="Jpan" typeface="HGｺﾞｼｯｸM"/>
-        <a:font script="Hang" typeface="HY엽서L"/>
-        <a:font script="Hans" typeface="华文楷体"/>
+        <a:font script="Jpan" typeface="ＭＳ ゴシック"/>
+        <a:font script="Hang" typeface="맑은 고딕"/>
+        <a:font script="Hans" typeface="宋体"/>
         <a:font script="Hant" typeface="新細明體"/>
         <a:font script="Arab" typeface="Tahoma"/>
-        <a:font script="Hebr" typeface="Miriam"/>
+        <a:font script="Hebr" typeface="Gisha"/>
         <a:font script="Thai" typeface="DilleniaUPC"/>
         <a:font script="Ethi" typeface="Nyala"/>
         <a:font script="Beng" typeface="Vrinda"/>
@@ -13378,7 +10725,7 @@
         <a:font script="Laoo" typeface="DokChampa"/>
         <a:font script="Sinh" typeface="Iskoola Pota"/>
         <a:font script="Mong" typeface="Mongolian Baiti"/>
-        <a:font script="Viet" typeface="Arial"/>
+        <a:font script="Viet" typeface="Tahoma"/>
         <a:font script="Uigh" typeface="Microsoft Uighur"/>
         <a:font script="Geor" typeface="Sylfaen"/>
       </a:majorFont>
@@ -13386,12 +10733,12 @@
         <a:latin typeface="Corbel" panose="020B0503020204020204"/>
         <a:ea typeface=""/>
         <a:cs typeface=""/>
-        <a:font script="Jpan" typeface="HGｺﾞｼｯｸM"/>
-        <a:font script="Hang" typeface="HY엽서L"/>
-        <a:font script="Hans" typeface="华文楷体"/>
+        <a:font script="Jpan" typeface="ＭＳ ゴシック"/>
+        <a:font script="Hang" typeface="맑은 고딕"/>
+        <a:font script="Hans" typeface="宋体"/>
         <a:font script="Hant" typeface="新細明體"/>
         <a:font script="Arab" typeface="Tahoma"/>
-        <a:font script="Hebr" typeface="Miriam"/>
+        <a:font script="Hebr" typeface="Gisha"/>
         <a:font script="Thai" typeface="DilleniaUPC"/>
         <a:font script="Ethi" typeface="Nyala"/>
         <a:font script="Beng" typeface="Vrinda"/>
@@ -13413,12 +10760,12 @@
         <a:font script="Laoo" typeface="DokChampa"/>
         <a:font script="Sinh" typeface="Iskoola Pota"/>
         <a:font script="Mong" typeface="Mongolian Baiti"/>
-        <a:font script="Viet" typeface="Arial"/>
+        <a:font script="Viet" typeface="Verdana"/>
         <a:font script="Uigh" typeface="Microsoft Uighur"/>
         <a:font script="Geor" typeface="Sylfaen"/>
       </a:minorFont>
     </a:fontScheme>
-    <a:fmtScheme name="Parallax">
+    <a:fmtScheme name="Banded">
       <a:fillStyleLst>
         <a:solidFill>
           <a:schemeClr val="phClr"/>
@@ -13427,13 +10774,23 @@
           <a:gsLst>
             <a:gs pos="0">
               <a:schemeClr val="phClr">
-                <a:tint val="60000"/>
-                <a:lumMod val="104000"/>
+                <a:tint val="65000"/>
+                <a:satMod val="120000"/>
+                <a:lumMod val="107000"/>
+              </a:schemeClr>
+            </a:gs>
+            <a:gs pos="50000">
+              <a:schemeClr val="phClr">
+                <a:tint val="70000"/>
+                <a:satMod val="124000"/>
+                <a:lumMod val="103000"/>
               </a:schemeClr>
             </a:gs>
             <a:gs pos="100000">
               <a:schemeClr val="phClr">
-                <a:tint val="84000"/>
+                <a:tint val="85000"/>
+                <a:satMod val="120000"/>
+                <a:lumMod val="100000"/>
               </a:schemeClr>
             </a:gs>
           </a:gsLst>
@@ -13443,38 +10800,44 @@
           <a:gsLst>
             <a:gs pos="0">
               <a:schemeClr val="phClr">
-                <a:tint val="96000"/>
-                <a:lumMod val="102000"/>
+                <a:tint val="85000"/>
+                <a:shade val="98000"/>
+                <a:satMod val="110000"/>
+                <a:lumMod val="103000"/>
+              </a:schemeClr>
+            </a:gs>
+            <a:gs pos="50000">
+              <a:schemeClr val="phClr">
+                <a:shade val="85000"/>
+                <a:satMod val="105000"/>
+                <a:lumMod val="100000"/>
               </a:schemeClr>
             </a:gs>
             <a:gs pos="100000">
               <a:schemeClr val="phClr">
-                <a:shade val="88000"/>
-                <a:lumMod val="94000"/>
+                <a:shade val="60000"/>
+                <a:satMod val="120000"/>
+                <a:lumMod val="100000"/>
               </a:schemeClr>
             </a:gs>
           </a:gsLst>
-          <a:path path="circle">
-            <a:fillToRect l="50000" t="100000" r="100000" b="50000"/>
-          </a:path>
+          <a:lin ang="5400000" scaled="0"/>
         </a:gradFill>
       </a:fillStyleLst>
       <a:lnStyleLst>
-        <a:ln w="9525" cap="rnd" cmpd="sng" algn="ctr">
-          <a:solidFill>
-            <a:schemeClr val="phClr">
-              <a:tint val="60000"/>
-            </a:schemeClr>
-          </a:solidFill>
-          <a:prstDash val="solid"/>
-        </a:ln>
-        <a:ln w="15875" cap="rnd" cmpd="sng" algn="ctr">
+        <a:ln w="9525" cap="flat" cmpd="sng" algn="ctr">
           <a:solidFill>
             <a:schemeClr val="phClr"/>
           </a:solidFill>
           <a:prstDash val="solid"/>
         </a:ln>
-        <a:ln w="22225" cap="rnd" cmpd="sng" algn="ctr">
+        <a:ln w="12700" cap="flat" cmpd="sng" algn="ctr">
+          <a:solidFill>
+            <a:schemeClr val="phClr"/>
+          </a:solidFill>
+          <a:prstDash val="solid"/>
+        </a:ln>
+        <a:ln w="25400" cap="flat" cmpd="sng" algn="ctr">
           <a:solidFill>
             <a:schemeClr val="phClr"/>
           </a:solidFill>
@@ -13487,67 +10850,57 @@
         </a:effectStyle>
         <a:effectStyle>
           <a:effectLst>
-            <a:reflection blurRad="12700" stA="26000" endPos="32000" dist="12700" dir="5400000" sy="-100000" rotWithShape="0"/>
+            <a:outerShdw blurRad="50800" dist="15875" dir="5400000" algn="ctr" rotWithShape="0">
+              <a:srgbClr val="000000">
+                <a:alpha val="68000"/>
+              </a:srgbClr>
+            </a:outerShdw>
           </a:effectLst>
         </a:effectStyle>
         <a:effectStyle>
           <a:effectLst>
-            <a:outerShdw blurRad="38100" dist="25400" dir="5400000" rotWithShape="0">
+            <a:outerShdw blurRad="88900" dist="27940" dir="5400000" algn="ctr" rotWithShape="0">
               <a:srgbClr val="000000">
-                <a:alpha val="64000"/>
+                <a:alpha val="63000"/>
               </a:srgbClr>
             </a:outerShdw>
           </a:effectLst>
-          <a:scene3d>
-            <a:camera prst="orthographicFront">
-              <a:rot lat="0" lon="0" rev="0"/>
-            </a:camera>
-            <a:lightRig rig="threePt" dir="tl">
-              <a:rot lat="0" lon="0" rev="1200000"/>
-            </a:lightRig>
-          </a:scene3d>
-          <a:sp3d>
-            <a:bevelT w="25400" h="12700"/>
-          </a:sp3d>
         </a:effectStyle>
       </a:effectStyleLst>
       <a:bgFillStyleLst>
         <a:solidFill>
           <a:schemeClr val="phClr"/>
         </a:solidFill>
+        <a:blipFill rotWithShape="1">
+          <a:blip xmlns:r="http://schemas.openxmlformats.org/officeDocument/2006/relationships" r:embed="rId1">
+            <a:duotone>
+              <a:schemeClr val="phClr"/>
+              <a:schemeClr val="phClr">
+                <a:shade val="91000"/>
+                <a:satMod val="105000"/>
+              </a:schemeClr>
+            </a:duotone>
+          </a:blip>
+          <a:tile tx="0" ty="0" sx="100000" sy="100000" flip="none" algn="tl"/>
+        </a:blipFill>
         <a:gradFill rotWithShape="1">
           <a:gsLst>
             <a:gs pos="0">
               <a:schemeClr val="phClr">
-                <a:tint val="90000"/>
-                <a:lumMod val="110000"/>
+                <a:tint val="100000"/>
+                <a:shade val="0"/>
+                <a:satMod val="100000"/>
               </a:schemeClr>
             </a:gs>
             <a:gs pos="100000">
               <a:schemeClr val="phClr">
-                <a:shade val="64000"/>
-                <a:lumMod val="98000"/>
+                <a:shade val="100000"/>
+                <a:satMod val="100000"/>
               </a:schemeClr>
             </a:gs>
           </a:gsLst>
           <a:lin ang="5400000" scaled="0"/>
         </a:gradFill>
-        <a:blipFill rotWithShape="1">
-          <a:blip xmlns:r="http://schemas.openxmlformats.org/officeDocument/2006/relationships" r:embed="rId1">
-            <a:duotone>
-              <a:schemeClr val="phClr">
-                <a:shade val="76000"/>
-                <a:satMod val="180000"/>
-              </a:schemeClr>
-              <a:schemeClr val="phClr">
-                <a:tint val="80000"/>
-                <a:satMod val="120000"/>
-                <a:lumMod val="180000"/>
-              </a:schemeClr>
-            </a:duotone>
-          </a:blip>
-          <a:stretch/>
-        </a:blipFill>
       </a:bgFillStyleLst>
     </a:fmtScheme>
   </a:themeElements>
@@ -13555,7 +10908,7 @@
   <a:extraClrSchemeLst/>
   <a:extLst>
     <a:ext uri="{05A4C25C-085E-4340-85A3-A5531E510DB2}">
-      <thm15:themeFamily xmlns:thm15="http://schemas.microsoft.com/office/thememl/2012/main" name="Parallax" id="{3388167B-A2EB-4685-9635-1831D9AEF8C4}" vid="{4F7A876A-7598-49CA-AFC8-8EDA2551E4A7}"/>
+      <thm15:themeFamily xmlns:thm15="http://schemas.microsoft.com/office/thememl/2012/main" name="Banded" id="{98DFF888-2449-4D28-977C-6306C017633E}" vid="{9792607F-9579-4224-82FF-9C88C3E1E53D}"/>
     </a:ext>
   </a:extLst>
 </a:theme>
